--- a/events/2020-09-11/slides/01-ict-overview.pptx
+++ b/events/2020-09-11/slides/01-ict-overview.pptx
@@ -1,6 +1,6 @@
 
 <file path=ppt/presentation.xml><?xml version="1.0" encoding="utf-8"?>
-<p:presentation xmlns:a="http://schemas.openxmlformats.org/drawingml/2006/main" xmlns:r="http://schemas.openxmlformats.org/officeDocument/2006/relationships" xmlns:p="http://schemas.openxmlformats.org/presentationml/2006/main" showSpecialPlsOnTitleSld="0" saveSubsetFonts="1">
+<p:presentation xmlns:a="http://schemas.openxmlformats.org/drawingml/2006/main" xmlns:r="http://schemas.openxmlformats.org/officeDocument/2006/relationships" xmlns:p="http://schemas.openxmlformats.org/presentationml/2006/main" saveSubsetFonts="1">
   <p:sldMasterIdLst>
     <p:sldMasterId id="2147483660" r:id="rId1"/>
   </p:sldMasterIdLst>
@@ -21684,10 +21684,18 @@
           <a:bodyPr/>
           <a:lstStyle>
             <a:lvl1pPr>
-              <a:defRPr sz="2400"/>
+              <a:defRPr sz="1200"/>
             </a:lvl1pPr>
           </a:lstStyle>
           <a:p>
+            <a:r>
+              <a:rPr kumimoji="1" lang="en-US" altLang="ja-JP" dirty="0"/>
+              <a:t>A</a:t>
+            </a:r>
+            <a:r>
+              <a:rPr kumimoji="1" lang="ja-JP" altLang="en-US" dirty="0"/>
+              <a:t>セメスタ説明会 </a:t>
+            </a:r>
             <a:r>
               <a:rPr kumimoji="1" lang="en-US" altLang="ja-JP" dirty="0"/>
               <a:t>utelecon.github.io</a:t>
@@ -21890,6 +21898,14 @@
           <a:bodyPr/>
           <a:lstStyle/>
           <a:p>
+            <a:r>
+              <a:rPr kumimoji="1" lang="en-US" altLang="ja-JP"/>
+              <a:t>A</a:t>
+            </a:r>
+            <a:r>
+              <a:rPr kumimoji="1" lang="ja-JP" altLang="en-US"/>
+              <a:t>セメスタ説明会 </a:t>
+            </a:r>
             <a:r>
               <a:rPr kumimoji="1" lang="en-US" altLang="ja-JP"/>
               <a:t>utelecon.github.io</a:t>
@@ -22104,6 +22120,14 @@
           <a:p>
             <a:r>
               <a:rPr kumimoji="1" lang="en-US" altLang="ja-JP"/>
+              <a:t>A</a:t>
+            </a:r>
+            <a:r>
+              <a:rPr kumimoji="1" lang="ja-JP" altLang="en-US"/>
+              <a:t>セメスタ説明会 </a:t>
+            </a:r>
+            <a:r>
+              <a:rPr kumimoji="1" lang="en-US" altLang="ja-JP"/>
               <a:t>utelecon.github.io</a:t>
             </a:r>
             <a:endParaRPr kumimoji="1" lang="ja-JP" altLang="en-US"/>
@@ -22304,6 +22328,14 @@
           <a:bodyPr/>
           <a:lstStyle/>
           <a:p>
+            <a:r>
+              <a:rPr kumimoji="1" lang="en-US" altLang="ja-JP"/>
+              <a:t>A</a:t>
+            </a:r>
+            <a:r>
+              <a:rPr kumimoji="1" lang="ja-JP" altLang="en-US"/>
+              <a:t>セメスタ説明会 </a:t>
+            </a:r>
             <a:r>
               <a:rPr kumimoji="1" lang="en-US" altLang="ja-JP"/>
               <a:t>utelecon.github.io</a:t>
@@ -42980,6 +43012,14 @@
           <a:bodyPr/>
           <a:lstStyle/>
           <a:p>
+            <a:r>
+              <a:rPr kumimoji="1" lang="en-US" altLang="ja-JP"/>
+              <a:t>A</a:t>
+            </a:r>
+            <a:r>
+              <a:rPr kumimoji="1" lang="ja-JP" altLang="en-US"/>
+              <a:t>セメスタ説明会 </a:t>
+            </a:r>
             <a:r>
               <a:rPr kumimoji="1" lang="en-US" altLang="ja-JP"/>
               <a:t>utelecon.github.io</a:t>
@@ -43916,6 +43956,14 @@
           <a:p>
             <a:r>
               <a:rPr kumimoji="1" lang="en-US" altLang="ja-JP"/>
+              <a:t>A</a:t>
+            </a:r>
+            <a:r>
+              <a:rPr kumimoji="1" lang="ja-JP" altLang="en-US"/>
+              <a:t>セメスタ説明会 </a:t>
+            </a:r>
+            <a:r>
+              <a:rPr kumimoji="1" lang="en-US" altLang="ja-JP"/>
               <a:t>utelecon.github.io</a:t>
             </a:r>
             <a:endParaRPr kumimoji="1" lang="ja-JP" altLang="en-US"/>
@@ -44402,6 +44450,14 @@
           <a:p>
             <a:r>
               <a:rPr kumimoji="1" lang="en-US" altLang="ja-JP"/>
+              <a:t>A</a:t>
+            </a:r>
+            <a:r>
+              <a:rPr kumimoji="1" lang="ja-JP" altLang="en-US"/>
+              <a:t>セメスタ説明会 </a:t>
+            </a:r>
+            <a:r>
+              <a:rPr kumimoji="1" lang="en-US" altLang="ja-JP"/>
               <a:t>utelecon.github.io</a:t>
             </a:r>
             <a:endParaRPr kumimoji="1" lang="ja-JP" altLang="en-US"/>
@@ -44529,6 +44585,14 @@
           <a:p>
             <a:r>
               <a:rPr kumimoji="1" lang="en-US" altLang="ja-JP"/>
+              <a:t>A</a:t>
+            </a:r>
+            <a:r>
+              <a:rPr kumimoji="1" lang="ja-JP" altLang="en-US"/>
+              <a:t>セメスタ説明会 </a:t>
+            </a:r>
+            <a:r>
+              <a:rPr kumimoji="1" lang="en-US" altLang="ja-JP"/>
               <a:t>utelecon.github.io</a:t>
             </a:r>
             <a:endParaRPr kumimoji="1" lang="ja-JP" altLang="en-US"/>
@@ -44622,6 +44686,14 @@
           <a:bodyPr/>
           <a:lstStyle/>
           <a:p>
+            <a:r>
+              <a:rPr kumimoji="1" lang="en-US" altLang="ja-JP"/>
+              <a:t>A</a:t>
+            </a:r>
+            <a:r>
+              <a:rPr kumimoji="1" lang="ja-JP" altLang="en-US"/>
+              <a:t>セメスタ説明会 </a:t>
+            </a:r>
             <a:r>
               <a:rPr kumimoji="1" lang="en-US" altLang="ja-JP"/>
               <a:t>utelecon.github.io</a:t>
@@ -44994,6 +45066,14 @@
           <a:p>
             <a:r>
               <a:rPr kumimoji="1" lang="en-US" altLang="ja-JP"/>
+              <a:t>A</a:t>
+            </a:r>
+            <a:r>
+              <a:rPr kumimoji="1" lang="ja-JP" altLang="en-US"/>
+              <a:t>セメスタ説明会 </a:t>
+            </a:r>
+            <a:r>
+              <a:rPr kumimoji="1" lang="en-US" altLang="ja-JP"/>
               <a:t>utelecon.github.io</a:t>
             </a:r>
             <a:endParaRPr kumimoji="1" lang="ja-JP" altLang="en-US"/>
@@ -45337,6 +45417,14 @@
           <a:p>
             <a:r>
               <a:rPr kumimoji="1" lang="en-US" altLang="ja-JP"/>
+              <a:t>A</a:t>
+            </a:r>
+            <a:r>
+              <a:rPr kumimoji="1" lang="ja-JP" altLang="en-US"/>
+              <a:t>セメスタ説明会 </a:t>
+            </a:r>
+            <a:r>
+              <a:rPr kumimoji="1" lang="en-US" altLang="ja-JP"/>
               <a:t>utelecon.github.io</a:t>
             </a:r>
             <a:endParaRPr kumimoji="1" lang="ja-JP" altLang="en-US"/>
@@ -51840,7 +51928,7 @@
           <a:bodyPr vert="horz" rtlCol="0" anchor="ctr"/>
           <a:lstStyle>
             <a:lvl1pPr algn="ctr" eaLnBrk="1" latinLnBrk="0" hangingPunct="1">
-              <a:defRPr kumimoji="0" sz="2400">
+              <a:defRPr kumimoji="0" sz="1200" baseline="0">
                 <a:solidFill>
                   <a:schemeClr val="tx2"/>
                 </a:solidFill>
@@ -51848,6 +51936,14 @@
             </a:lvl1pPr>
           </a:lstStyle>
           <a:p>
+            <a:r>
+              <a:rPr kumimoji="1" lang="en-US" altLang="ja-JP" dirty="0"/>
+              <a:t>A</a:t>
+            </a:r>
+            <a:r>
+              <a:rPr kumimoji="1" lang="ja-JP" altLang="en-US" dirty="0"/>
+              <a:t>セメスタ説明会 </a:t>
+            </a:r>
             <a:r>
               <a:rPr kumimoji="1" lang="en-US" altLang="ja-JP" dirty="0"/>
               <a:t>utelecon.github.io</a:t>
@@ -52299,16 +52395,131 @@
         <p:spPr/>
         <p:txBody>
           <a:bodyPr>
-            <a:normAutofit/>
+            <a:normAutofit fontScale="77500" lnSpcReduction="20000"/>
           </a:bodyPr>
           <a:lstStyle/>
           <a:p>
             <a:pPr algn="l"/>
             <a:r>
               <a:rPr kumimoji="1" lang="ja-JP" altLang="en-US" dirty="0"/>
-              <a:t>情報基盤センター 田浦健次朗</a:t>
+              <a:t>情報基盤センター </a:t>
             </a:r>
-            <a:endParaRPr kumimoji="1" lang="en-US" altLang="ja-JP" dirty="0"/>
+            <a:r>
+              <a:rPr kumimoji="1" lang="ja-JP" altLang="en-US" u="sng" dirty="0"/>
+              <a:t>田浦健次朗</a:t>
+            </a:r>
+            <a:endParaRPr kumimoji="1" lang="en-US" altLang="ja-JP" u="sng" dirty="0"/>
+          </a:p>
+          <a:p>
+            <a:pPr algn="l"/>
+            <a:r>
+              <a:rPr lang="ja-JP" altLang="en-US" dirty="0"/>
+              <a:t>情報基盤センター 柴山悦哉</a:t>
+            </a:r>
+            <a:endParaRPr lang="en-US" altLang="ja-JP" dirty="0"/>
+          </a:p>
+          <a:p>
+            <a:pPr algn="l"/>
+            <a:r>
+              <a:rPr kumimoji="1" lang="ja-JP" altLang="en-US" dirty="0"/>
+              <a:t>大学総合教育研究センター 吉田塁</a:t>
+            </a:r>
+          </a:p>
+        </p:txBody>
+      </p:sp>
+      <p:sp>
+        <p:nvSpPr>
+          <p:cNvPr id="4" name="日付プレースホルダー 3">
+            <a:extLst>
+              <a:ext uri="{FF2B5EF4-FFF2-40B4-BE49-F238E27FC236}">
+                <a16:creationId xmlns:a16="http://schemas.microsoft.com/office/drawing/2014/main" id="{D1D9129F-7FEA-4C29-B2BE-CBA235822AFD}"/>
+              </a:ext>
+            </a:extLst>
+          </p:cNvPr>
+          <p:cNvSpPr>
+            <a:spLocks noGrp="1"/>
+          </p:cNvSpPr>
+          <p:nvPr>
+            <p:ph type="dt" sz="half" idx="10"/>
+          </p:nvPr>
+        </p:nvSpPr>
+        <p:spPr/>
+        <p:txBody>
+          <a:bodyPr/>
+          <a:lstStyle/>
+          <a:p>
+            <a:r>
+              <a:rPr kumimoji="1" lang="en-US" altLang="ja-JP"/>
+              <a:t>2020/9/11</a:t>
+            </a:r>
+            <a:endParaRPr kumimoji="1" lang="ja-JP" altLang="en-US"/>
+          </a:p>
+        </p:txBody>
+      </p:sp>
+      <p:sp>
+        <p:nvSpPr>
+          <p:cNvPr id="5" name="フッター プレースホルダー 4">
+            <a:extLst>
+              <a:ext uri="{FF2B5EF4-FFF2-40B4-BE49-F238E27FC236}">
+                <a16:creationId xmlns:a16="http://schemas.microsoft.com/office/drawing/2014/main" id="{3DB8B697-4FCB-455E-AF38-798AA9A464BD}"/>
+              </a:ext>
+            </a:extLst>
+          </p:cNvPr>
+          <p:cNvSpPr>
+            <a:spLocks noGrp="1"/>
+          </p:cNvSpPr>
+          <p:nvPr>
+            <p:ph type="ftr" sz="quarter" idx="11"/>
+          </p:nvPr>
+        </p:nvSpPr>
+        <p:spPr/>
+        <p:txBody>
+          <a:bodyPr/>
+          <a:lstStyle/>
+          <a:p>
+            <a:r>
+              <a:rPr kumimoji="1" lang="en-US" altLang="ja-JP"/>
+              <a:t>A</a:t>
+            </a:r>
+            <a:r>
+              <a:rPr kumimoji="1" lang="ja-JP" altLang="en-US"/>
+              <a:t>セメスタ説明会 </a:t>
+            </a:r>
+            <a:r>
+              <a:rPr kumimoji="1" lang="en-US" altLang="ja-JP"/>
+              <a:t>utelecon.github.io</a:t>
+            </a:r>
+            <a:endParaRPr kumimoji="1" lang="ja-JP" altLang="en-US" dirty="0"/>
+          </a:p>
+        </p:txBody>
+      </p:sp>
+      <p:sp>
+        <p:nvSpPr>
+          <p:cNvPr id="6" name="スライド番号プレースホルダー 5">
+            <a:extLst>
+              <a:ext uri="{FF2B5EF4-FFF2-40B4-BE49-F238E27FC236}">
+                <a16:creationId xmlns:a16="http://schemas.microsoft.com/office/drawing/2014/main" id="{8E5C2785-4AAA-482D-B280-0208BE1D9C10}"/>
+              </a:ext>
+            </a:extLst>
+          </p:cNvPr>
+          <p:cNvSpPr>
+            <a:spLocks noGrp="1"/>
+          </p:cNvSpPr>
+          <p:nvPr>
+            <p:ph type="sldNum" sz="quarter" idx="12"/>
+          </p:nvPr>
+        </p:nvSpPr>
+        <p:spPr/>
+        <p:txBody>
+          <a:bodyPr/>
+          <a:lstStyle/>
+          <a:p>
+            <a:fld id="{EDF77D8D-9987-453A-9A05-EB91CA595C68}" type="slidenum">
+              <a:rPr kumimoji="1" lang="ja-JP" altLang="en-US" smtClean="0"/>
+              <a:pPr/>
+              <a:t>1</a:t>
+            </a:fld>
+            <a:endParaRPr kumimoji="1" lang="ja-JP" altLang="en-US"/>
           </a:p>
         </p:txBody>
       </p:sp>
@@ -52420,6 +52631,14 @@
           <a:bodyPr/>
           <a:lstStyle/>
           <a:p>
+            <a:r>
+              <a:rPr kumimoji="1" lang="en-US" altLang="ja-JP"/>
+              <a:t>A</a:t>
+            </a:r>
+            <a:r>
+              <a:rPr kumimoji="1" lang="ja-JP" altLang="en-US"/>
+              <a:t>セメスタ説明会 </a:t>
+            </a:r>
             <a:r>
               <a:rPr kumimoji="1" lang="en-US" altLang="ja-JP"/>
               <a:t>utelecon.github.io</a:t>
@@ -52561,6 +52780,14 @@
           <a:bodyPr/>
           <a:lstStyle/>
           <a:p>
+            <a:r>
+              <a:rPr kumimoji="1" lang="en-US" altLang="ja-JP"/>
+              <a:t>A</a:t>
+            </a:r>
+            <a:r>
+              <a:rPr kumimoji="1" lang="ja-JP" altLang="en-US"/>
+              <a:t>セメスタ説明会 </a:t>
+            </a:r>
             <a:r>
               <a:rPr kumimoji="1" lang="en-US" altLang="ja-JP"/>
               <a:t>utelecon.github.io</a:t>

--- a/events/2020-09-11/slides/01-ict-overview.pptx
+++ b/events/2020-09-11/slides/01-ict-overview.pptx
@@ -5,12 +5,19 @@
     <p:sldMasterId id="2147483660" r:id="rId1"/>
   </p:sldMasterIdLst>
   <p:notesMasterIdLst>
-    <p:notesMasterId r:id="rId5"/>
+    <p:notesMasterId r:id="rId12"/>
   </p:notesMasterIdLst>
   <p:sldIdLst>
     <p:sldId id="256" r:id="rId2"/>
     <p:sldId id="257" r:id="rId3"/>
     <p:sldId id="365" r:id="rId4"/>
+    <p:sldId id="366" r:id="rId5"/>
+    <p:sldId id="367" r:id="rId6"/>
+    <p:sldId id="368" r:id="rId7"/>
+    <p:sldId id="369" r:id="rId8"/>
+    <p:sldId id="372" r:id="rId9"/>
+    <p:sldId id="371" r:id="rId10"/>
+    <p:sldId id="370" r:id="rId11"/>
   </p:sldIdLst>
   <p:sldSz cx="9144000" cy="6858000" type="screen4x3"/>
   <p:notesSz cx="6858000" cy="9144000"/>
@@ -52531,6 +52538,189 @@
 </p:sld>
 </file>
 
+<file path=ppt/slides/slide10.xml><?xml version="1.0" encoding="utf-8"?>
+<p:sld xmlns:a="http://schemas.openxmlformats.org/drawingml/2006/main" xmlns:r="http://schemas.openxmlformats.org/officeDocument/2006/relationships" xmlns:p="http://schemas.openxmlformats.org/presentationml/2006/main">
+  <p:cSld>
+    <p:spTree>
+      <p:nvGrpSpPr>
+        <p:cNvPr id="1" name=""/>
+        <p:cNvGrpSpPr/>
+        <p:nvPr/>
+      </p:nvGrpSpPr>
+      <p:grpSpPr>
+        <a:xfrm>
+          <a:off x="0" y="0"/>
+          <a:ext cx="0" cy="0"/>
+          <a:chOff x="0" y="0"/>
+          <a:chExt cx="0" cy="0"/>
+        </a:xfrm>
+      </p:grpSpPr>
+      <p:sp>
+        <p:nvSpPr>
+          <p:cNvPr id="2" name="タイトル 1">
+            <a:extLst>
+              <a:ext uri="{FF2B5EF4-FFF2-40B4-BE49-F238E27FC236}">
+                <a16:creationId xmlns:a16="http://schemas.microsoft.com/office/drawing/2014/main" id="{58DED090-327D-4507-9CB3-8E4557F72160}"/>
+              </a:ext>
+            </a:extLst>
+          </p:cNvPr>
+          <p:cNvSpPr>
+            <a:spLocks noGrp="1"/>
+          </p:cNvSpPr>
+          <p:nvPr>
+            <p:ph type="title"/>
+          </p:nvPr>
+        </p:nvSpPr>
+        <p:spPr/>
+        <p:txBody>
+          <a:bodyPr/>
+          <a:lstStyle/>
+          <a:p>
+            <a:r>
+              <a:rPr kumimoji="1" lang="en-US" altLang="ja-JP" dirty="0"/>
+              <a:t>Zoom</a:t>
+            </a:r>
+            <a:r>
+              <a:rPr kumimoji="1" lang="ja-JP" altLang="en-US" dirty="0"/>
+              <a:t>ライセンスの今後</a:t>
+            </a:r>
+          </a:p>
+        </p:txBody>
+      </p:sp>
+      <p:sp>
+        <p:nvSpPr>
+          <p:cNvPr id="3" name="コンテンツ プレースホルダー 2">
+            <a:extLst>
+              <a:ext uri="{FF2B5EF4-FFF2-40B4-BE49-F238E27FC236}">
+                <a16:creationId xmlns:a16="http://schemas.microsoft.com/office/drawing/2014/main" id="{12B5971E-77C1-4CBE-AC2A-80934A66DC3B}"/>
+              </a:ext>
+            </a:extLst>
+          </p:cNvPr>
+          <p:cNvSpPr>
+            <a:spLocks noGrp="1"/>
+          </p:cNvSpPr>
+          <p:nvPr>
+            <p:ph idx="1"/>
+          </p:nvPr>
+        </p:nvSpPr>
+        <p:spPr/>
+        <p:txBody>
+          <a:bodyPr/>
+          <a:lstStyle/>
+          <a:p>
+            <a:endParaRPr kumimoji="1" lang="ja-JP" altLang="en-US"/>
+          </a:p>
+        </p:txBody>
+      </p:sp>
+      <p:sp>
+        <p:nvSpPr>
+          <p:cNvPr id="4" name="日付プレースホルダー 3">
+            <a:extLst>
+              <a:ext uri="{FF2B5EF4-FFF2-40B4-BE49-F238E27FC236}">
+                <a16:creationId xmlns:a16="http://schemas.microsoft.com/office/drawing/2014/main" id="{9BD1CC50-CE6F-4D5D-AF44-CD7D74AC3586}"/>
+              </a:ext>
+            </a:extLst>
+          </p:cNvPr>
+          <p:cNvSpPr>
+            <a:spLocks noGrp="1"/>
+          </p:cNvSpPr>
+          <p:nvPr>
+            <p:ph type="dt" sz="half" idx="10"/>
+          </p:nvPr>
+        </p:nvSpPr>
+        <p:spPr/>
+        <p:txBody>
+          <a:bodyPr/>
+          <a:lstStyle/>
+          <a:p>
+            <a:r>
+              <a:rPr kumimoji="1" lang="en-US" altLang="ja-JP"/>
+              <a:t>2020/9/11</a:t>
+            </a:r>
+            <a:endParaRPr kumimoji="1" lang="ja-JP" altLang="en-US"/>
+          </a:p>
+        </p:txBody>
+      </p:sp>
+      <p:sp>
+        <p:nvSpPr>
+          <p:cNvPr id="5" name="フッター プレースホルダー 4">
+            <a:extLst>
+              <a:ext uri="{FF2B5EF4-FFF2-40B4-BE49-F238E27FC236}">
+                <a16:creationId xmlns:a16="http://schemas.microsoft.com/office/drawing/2014/main" id="{1195465F-E283-4C0E-99B6-22ADC280BDC4}"/>
+              </a:ext>
+            </a:extLst>
+          </p:cNvPr>
+          <p:cNvSpPr>
+            <a:spLocks noGrp="1"/>
+          </p:cNvSpPr>
+          <p:nvPr>
+            <p:ph type="ftr" sz="quarter" idx="11"/>
+          </p:nvPr>
+        </p:nvSpPr>
+        <p:spPr/>
+        <p:txBody>
+          <a:bodyPr/>
+          <a:lstStyle/>
+          <a:p>
+            <a:r>
+              <a:rPr kumimoji="1" lang="en-US" altLang="ja-JP"/>
+              <a:t>A</a:t>
+            </a:r>
+            <a:r>
+              <a:rPr kumimoji="1" lang="ja-JP" altLang="en-US"/>
+              <a:t>セメスタ説明会 </a:t>
+            </a:r>
+            <a:r>
+              <a:rPr kumimoji="1" lang="en-US" altLang="ja-JP"/>
+              <a:t>utelecon.github.io</a:t>
+            </a:r>
+            <a:endParaRPr kumimoji="1" lang="ja-JP" altLang="en-US"/>
+          </a:p>
+        </p:txBody>
+      </p:sp>
+      <p:sp>
+        <p:nvSpPr>
+          <p:cNvPr id="6" name="スライド番号プレースホルダー 5">
+            <a:extLst>
+              <a:ext uri="{FF2B5EF4-FFF2-40B4-BE49-F238E27FC236}">
+                <a16:creationId xmlns:a16="http://schemas.microsoft.com/office/drawing/2014/main" id="{42B381A9-2A6F-4A51-8684-6DB4ED4A1325}"/>
+              </a:ext>
+            </a:extLst>
+          </p:cNvPr>
+          <p:cNvSpPr>
+            <a:spLocks noGrp="1"/>
+          </p:cNvSpPr>
+          <p:nvPr>
+            <p:ph type="sldNum" sz="quarter" idx="12"/>
+          </p:nvPr>
+        </p:nvSpPr>
+        <p:spPr/>
+        <p:txBody>
+          <a:bodyPr/>
+          <a:lstStyle/>
+          <a:p>
+            <a:fld id="{EDF77D8D-9987-453A-9A05-EB91CA595C68}" type="slidenum">
+              <a:rPr kumimoji="1" lang="ja-JP" altLang="en-US" smtClean="0"/>
+              <a:pPr/>
+              <a:t>10</a:t>
+            </a:fld>
+            <a:endParaRPr kumimoji="1" lang="ja-JP" altLang="en-US"/>
+          </a:p>
+        </p:txBody>
+      </p:sp>
+    </p:spTree>
+    <p:extLst>
+      <p:ext uri="{BB962C8B-B14F-4D97-AF65-F5344CB8AC3E}">
+        <p14:creationId xmlns:p14="http://schemas.microsoft.com/office/powerpoint/2010/main" val="1467302175"/>
+      </p:ext>
+    </p:extLst>
+  </p:cSld>
+  <p:clrMapOvr>
+    <a:masterClrMapping/>
+  </p:clrMapOvr>
+</p:sld>
+</file>
+
 <file path=ppt/slides/slide2.xml><?xml version="1.0" encoding="utf-8"?>
 <p:sld xmlns:a="http://schemas.openxmlformats.org/drawingml/2006/main" xmlns:r="http://schemas.openxmlformats.org/officeDocument/2006/relationships" xmlns:p="http://schemas.openxmlformats.org/presentationml/2006/main">
   <p:cSld>
@@ -52564,10 +52754,9 @@
           <a:lstStyle/>
           <a:p>
             <a:r>
-              <a:rPr lang="ja-JP" altLang="en-US" dirty="0"/>
-              <a:t>趣旨</a:t>
+              <a:rPr kumimoji="1" lang="ja-JP" altLang="en-US" dirty="0"/>
+              <a:t>概要</a:t>
             </a:r>
-            <a:endParaRPr kumimoji="1" lang="ja-JP" altLang="en-US" dirty="0"/>
           </a:p>
         </p:txBody>
       </p:sp>
@@ -52711,9 +52900,14 @@
           <a:lstStyle/>
           <a:p>
             <a:r>
-              <a:rPr kumimoji="1" lang="ja-JP" altLang="en-US" dirty="0"/>
-              <a:t>議題</a:t>
+              <a:rPr kumimoji="1" lang="en-US" altLang="ja-JP" dirty="0" err="1"/>
+              <a:t>UTokyo</a:t>
             </a:r>
+            <a:r>
+              <a:rPr kumimoji="1" lang="en-US" altLang="ja-JP" dirty="0"/>
+              <a:t> Account</a:t>
+            </a:r>
+            <a:endParaRPr kumimoji="1" lang="ja-JP" altLang="en-US" dirty="0"/>
           </a:p>
         </p:txBody>
       </p:sp>
@@ -52821,6 +53015,1277 @@
         </p:txBody>
       </p:sp>
     </p:spTree>
+  </p:cSld>
+  <p:clrMapOvr>
+    <a:masterClrMapping/>
+  </p:clrMapOvr>
+</p:sld>
+</file>
+
+<file path=ppt/slides/slide4.xml><?xml version="1.0" encoding="utf-8"?>
+<p:sld xmlns:a="http://schemas.openxmlformats.org/drawingml/2006/main" xmlns:r="http://schemas.openxmlformats.org/officeDocument/2006/relationships" xmlns:p="http://schemas.openxmlformats.org/presentationml/2006/main">
+  <p:cSld>
+    <p:spTree>
+      <p:nvGrpSpPr>
+        <p:cNvPr id="1" name=""/>
+        <p:cNvGrpSpPr/>
+        <p:nvPr/>
+      </p:nvGrpSpPr>
+      <p:grpSpPr>
+        <a:xfrm>
+          <a:off x="0" y="0"/>
+          <a:ext cx="0" cy="0"/>
+          <a:chOff x="0" y="0"/>
+          <a:chExt cx="0" cy="0"/>
+        </a:xfrm>
+      </p:grpSpPr>
+      <p:sp>
+        <p:nvSpPr>
+          <p:cNvPr id="2" name="タイトル 1">
+            <a:extLst>
+              <a:ext uri="{FF2B5EF4-FFF2-40B4-BE49-F238E27FC236}">
+                <a16:creationId xmlns:a16="http://schemas.microsoft.com/office/drawing/2014/main" id="{170828E4-BFCB-4C50-8207-1AE34B9C83CE}"/>
+              </a:ext>
+            </a:extLst>
+          </p:cNvPr>
+          <p:cNvSpPr>
+            <a:spLocks noGrp="1"/>
+          </p:cNvSpPr>
+          <p:nvPr>
+            <p:ph type="title"/>
+          </p:nvPr>
+        </p:nvSpPr>
+        <p:spPr/>
+        <p:txBody>
+          <a:bodyPr/>
+          <a:lstStyle/>
+          <a:p>
+            <a:r>
+              <a:rPr kumimoji="1" lang="en-US" altLang="ja-JP" dirty="0"/>
+              <a:t>UTAS</a:t>
+            </a:r>
+            <a:r>
+              <a:rPr kumimoji="1" lang="ja-JP" altLang="en-US" dirty="0"/>
+              <a:t>と</a:t>
+            </a:r>
+            <a:r>
+              <a:rPr kumimoji="1" lang="en-US" altLang="ja-JP" dirty="0"/>
+              <a:t>ITC-LMS</a:t>
+            </a:r>
+            <a:endParaRPr kumimoji="1" lang="ja-JP" altLang="en-US" dirty="0"/>
+          </a:p>
+        </p:txBody>
+      </p:sp>
+      <p:sp>
+        <p:nvSpPr>
+          <p:cNvPr id="3" name="コンテンツ プレースホルダー 2">
+            <a:extLst>
+              <a:ext uri="{FF2B5EF4-FFF2-40B4-BE49-F238E27FC236}">
+                <a16:creationId xmlns:a16="http://schemas.microsoft.com/office/drawing/2014/main" id="{C7ACCD4A-A4C5-4E10-919B-16894B177ADE}"/>
+              </a:ext>
+            </a:extLst>
+          </p:cNvPr>
+          <p:cNvSpPr>
+            <a:spLocks noGrp="1"/>
+          </p:cNvSpPr>
+          <p:nvPr>
+            <p:ph idx="1"/>
+          </p:nvPr>
+        </p:nvSpPr>
+        <p:spPr/>
+        <p:txBody>
+          <a:bodyPr/>
+          <a:lstStyle/>
+          <a:p>
+            <a:endParaRPr kumimoji="1" lang="ja-JP" altLang="en-US"/>
+          </a:p>
+        </p:txBody>
+      </p:sp>
+      <p:sp>
+        <p:nvSpPr>
+          <p:cNvPr id="4" name="日付プレースホルダー 3">
+            <a:extLst>
+              <a:ext uri="{FF2B5EF4-FFF2-40B4-BE49-F238E27FC236}">
+                <a16:creationId xmlns:a16="http://schemas.microsoft.com/office/drawing/2014/main" id="{B33DA552-F010-41CD-9BF1-A6266B6EF243}"/>
+              </a:ext>
+            </a:extLst>
+          </p:cNvPr>
+          <p:cNvSpPr>
+            <a:spLocks noGrp="1"/>
+          </p:cNvSpPr>
+          <p:nvPr>
+            <p:ph type="dt" sz="half" idx="10"/>
+          </p:nvPr>
+        </p:nvSpPr>
+        <p:spPr/>
+        <p:txBody>
+          <a:bodyPr/>
+          <a:lstStyle/>
+          <a:p>
+            <a:r>
+              <a:rPr kumimoji="1" lang="en-US" altLang="ja-JP"/>
+              <a:t>2020/9/11</a:t>
+            </a:r>
+            <a:endParaRPr kumimoji="1" lang="ja-JP" altLang="en-US"/>
+          </a:p>
+        </p:txBody>
+      </p:sp>
+      <p:sp>
+        <p:nvSpPr>
+          <p:cNvPr id="5" name="フッター プレースホルダー 4">
+            <a:extLst>
+              <a:ext uri="{FF2B5EF4-FFF2-40B4-BE49-F238E27FC236}">
+                <a16:creationId xmlns:a16="http://schemas.microsoft.com/office/drawing/2014/main" id="{55583F3B-A333-47D9-A938-9AAF63096DF7}"/>
+              </a:ext>
+            </a:extLst>
+          </p:cNvPr>
+          <p:cNvSpPr>
+            <a:spLocks noGrp="1"/>
+          </p:cNvSpPr>
+          <p:nvPr>
+            <p:ph type="ftr" sz="quarter" idx="11"/>
+          </p:nvPr>
+        </p:nvSpPr>
+        <p:spPr/>
+        <p:txBody>
+          <a:bodyPr/>
+          <a:lstStyle/>
+          <a:p>
+            <a:r>
+              <a:rPr kumimoji="1" lang="en-US" altLang="ja-JP"/>
+              <a:t>A</a:t>
+            </a:r>
+            <a:r>
+              <a:rPr kumimoji="1" lang="ja-JP" altLang="en-US"/>
+              <a:t>セメスタ説明会 </a:t>
+            </a:r>
+            <a:r>
+              <a:rPr kumimoji="1" lang="en-US" altLang="ja-JP"/>
+              <a:t>utelecon.github.io</a:t>
+            </a:r>
+            <a:endParaRPr kumimoji="1" lang="ja-JP" altLang="en-US"/>
+          </a:p>
+        </p:txBody>
+      </p:sp>
+      <p:sp>
+        <p:nvSpPr>
+          <p:cNvPr id="6" name="スライド番号プレースホルダー 5">
+            <a:extLst>
+              <a:ext uri="{FF2B5EF4-FFF2-40B4-BE49-F238E27FC236}">
+                <a16:creationId xmlns:a16="http://schemas.microsoft.com/office/drawing/2014/main" id="{9F131086-0E68-4661-BAD4-8B9CB9B57E84}"/>
+              </a:ext>
+            </a:extLst>
+          </p:cNvPr>
+          <p:cNvSpPr>
+            <a:spLocks noGrp="1"/>
+          </p:cNvSpPr>
+          <p:nvPr>
+            <p:ph type="sldNum" sz="quarter" idx="12"/>
+          </p:nvPr>
+        </p:nvSpPr>
+        <p:spPr/>
+        <p:txBody>
+          <a:bodyPr/>
+          <a:lstStyle/>
+          <a:p>
+            <a:fld id="{EDF77D8D-9987-453A-9A05-EB91CA595C68}" type="slidenum">
+              <a:rPr kumimoji="1" lang="ja-JP" altLang="en-US" smtClean="0"/>
+              <a:pPr/>
+              <a:t>4</a:t>
+            </a:fld>
+            <a:endParaRPr kumimoji="1" lang="ja-JP" altLang="en-US"/>
+          </a:p>
+        </p:txBody>
+      </p:sp>
+    </p:spTree>
+    <p:extLst>
+      <p:ext uri="{BB962C8B-B14F-4D97-AF65-F5344CB8AC3E}">
+        <p14:creationId xmlns:p14="http://schemas.microsoft.com/office/powerpoint/2010/main" val="715021331"/>
+      </p:ext>
+    </p:extLst>
+  </p:cSld>
+  <p:clrMapOvr>
+    <a:masterClrMapping/>
+  </p:clrMapOvr>
+</p:sld>
+</file>
+
+<file path=ppt/slides/slide5.xml><?xml version="1.0" encoding="utf-8"?>
+<p:sld xmlns:a="http://schemas.openxmlformats.org/drawingml/2006/main" xmlns:r="http://schemas.openxmlformats.org/officeDocument/2006/relationships" xmlns:p="http://schemas.openxmlformats.org/presentationml/2006/main">
+  <p:cSld>
+    <p:spTree>
+      <p:nvGrpSpPr>
+        <p:cNvPr id="1" name=""/>
+        <p:cNvGrpSpPr/>
+        <p:nvPr/>
+      </p:nvGrpSpPr>
+      <p:grpSpPr>
+        <a:xfrm>
+          <a:off x="0" y="0"/>
+          <a:ext cx="0" cy="0"/>
+          <a:chOff x="0" y="0"/>
+          <a:chExt cx="0" cy="0"/>
+        </a:xfrm>
+      </p:grpSpPr>
+      <p:sp>
+        <p:nvSpPr>
+          <p:cNvPr id="2" name="タイトル 1">
+            <a:extLst>
+              <a:ext uri="{FF2B5EF4-FFF2-40B4-BE49-F238E27FC236}">
+                <a16:creationId xmlns:a16="http://schemas.microsoft.com/office/drawing/2014/main" id="{B978D9EF-F4DC-4FF8-9592-5BD9DC4C48CA}"/>
+              </a:ext>
+            </a:extLst>
+          </p:cNvPr>
+          <p:cNvSpPr>
+            <a:spLocks noGrp="1"/>
+          </p:cNvSpPr>
+          <p:nvPr>
+            <p:ph type="title"/>
+          </p:nvPr>
+        </p:nvSpPr>
+        <p:spPr/>
+        <p:txBody>
+          <a:bodyPr/>
+          <a:lstStyle/>
+          <a:p>
+            <a:r>
+              <a:rPr kumimoji="1" lang="en-US" altLang="ja-JP" dirty="0"/>
+              <a:t>Google (G Suite)</a:t>
+            </a:r>
+            <a:endParaRPr kumimoji="1" lang="ja-JP" altLang="en-US" dirty="0"/>
+          </a:p>
+        </p:txBody>
+      </p:sp>
+      <p:sp>
+        <p:nvSpPr>
+          <p:cNvPr id="3" name="コンテンツ プレースホルダー 2">
+            <a:extLst>
+              <a:ext uri="{FF2B5EF4-FFF2-40B4-BE49-F238E27FC236}">
+                <a16:creationId xmlns:a16="http://schemas.microsoft.com/office/drawing/2014/main" id="{A5A349C0-1D41-4805-BFD2-C23D14EDB68D}"/>
+              </a:ext>
+            </a:extLst>
+          </p:cNvPr>
+          <p:cNvSpPr>
+            <a:spLocks noGrp="1"/>
+          </p:cNvSpPr>
+          <p:nvPr>
+            <p:ph idx="1"/>
+          </p:nvPr>
+        </p:nvSpPr>
+        <p:spPr/>
+        <p:txBody>
+          <a:bodyPr/>
+          <a:lstStyle/>
+          <a:p>
+            <a:endParaRPr kumimoji="1" lang="ja-JP" altLang="en-US"/>
+          </a:p>
+        </p:txBody>
+      </p:sp>
+      <p:sp>
+        <p:nvSpPr>
+          <p:cNvPr id="4" name="日付プレースホルダー 3">
+            <a:extLst>
+              <a:ext uri="{FF2B5EF4-FFF2-40B4-BE49-F238E27FC236}">
+                <a16:creationId xmlns:a16="http://schemas.microsoft.com/office/drawing/2014/main" id="{95696B4E-4C18-4D8E-B277-0AA83A14D8A7}"/>
+              </a:ext>
+            </a:extLst>
+          </p:cNvPr>
+          <p:cNvSpPr>
+            <a:spLocks noGrp="1"/>
+          </p:cNvSpPr>
+          <p:nvPr>
+            <p:ph type="dt" sz="half" idx="10"/>
+          </p:nvPr>
+        </p:nvSpPr>
+        <p:spPr/>
+        <p:txBody>
+          <a:bodyPr/>
+          <a:lstStyle/>
+          <a:p>
+            <a:r>
+              <a:rPr kumimoji="1" lang="en-US" altLang="ja-JP"/>
+              <a:t>2020/9/11</a:t>
+            </a:r>
+            <a:endParaRPr kumimoji="1" lang="ja-JP" altLang="en-US"/>
+          </a:p>
+        </p:txBody>
+      </p:sp>
+      <p:sp>
+        <p:nvSpPr>
+          <p:cNvPr id="5" name="フッター プレースホルダー 4">
+            <a:extLst>
+              <a:ext uri="{FF2B5EF4-FFF2-40B4-BE49-F238E27FC236}">
+                <a16:creationId xmlns:a16="http://schemas.microsoft.com/office/drawing/2014/main" id="{AF5D3428-9E43-4F9C-93AC-C163F5A32B1F}"/>
+              </a:ext>
+            </a:extLst>
+          </p:cNvPr>
+          <p:cNvSpPr>
+            <a:spLocks noGrp="1"/>
+          </p:cNvSpPr>
+          <p:nvPr>
+            <p:ph type="ftr" sz="quarter" idx="11"/>
+          </p:nvPr>
+        </p:nvSpPr>
+        <p:spPr/>
+        <p:txBody>
+          <a:bodyPr/>
+          <a:lstStyle/>
+          <a:p>
+            <a:r>
+              <a:rPr kumimoji="1" lang="en-US" altLang="ja-JP"/>
+              <a:t>A</a:t>
+            </a:r>
+            <a:r>
+              <a:rPr kumimoji="1" lang="ja-JP" altLang="en-US"/>
+              <a:t>セメスタ説明会 </a:t>
+            </a:r>
+            <a:r>
+              <a:rPr kumimoji="1" lang="en-US" altLang="ja-JP"/>
+              <a:t>utelecon.github.io</a:t>
+            </a:r>
+            <a:endParaRPr kumimoji="1" lang="ja-JP" altLang="en-US"/>
+          </a:p>
+        </p:txBody>
+      </p:sp>
+      <p:sp>
+        <p:nvSpPr>
+          <p:cNvPr id="6" name="スライド番号プレースホルダー 5">
+            <a:extLst>
+              <a:ext uri="{FF2B5EF4-FFF2-40B4-BE49-F238E27FC236}">
+                <a16:creationId xmlns:a16="http://schemas.microsoft.com/office/drawing/2014/main" id="{DCB5FA33-5E31-4EF5-A5FE-4C189BC43687}"/>
+              </a:ext>
+            </a:extLst>
+          </p:cNvPr>
+          <p:cNvSpPr>
+            <a:spLocks noGrp="1"/>
+          </p:cNvSpPr>
+          <p:nvPr>
+            <p:ph type="sldNum" sz="quarter" idx="12"/>
+          </p:nvPr>
+        </p:nvSpPr>
+        <p:spPr/>
+        <p:txBody>
+          <a:bodyPr/>
+          <a:lstStyle/>
+          <a:p>
+            <a:fld id="{EDF77D8D-9987-453A-9A05-EB91CA595C68}" type="slidenum">
+              <a:rPr kumimoji="1" lang="ja-JP" altLang="en-US" smtClean="0"/>
+              <a:pPr/>
+              <a:t>5</a:t>
+            </a:fld>
+            <a:endParaRPr kumimoji="1" lang="ja-JP" altLang="en-US"/>
+          </a:p>
+        </p:txBody>
+      </p:sp>
+    </p:spTree>
+    <p:extLst>
+      <p:ext uri="{BB962C8B-B14F-4D97-AF65-F5344CB8AC3E}">
+        <p14:creationId xmlns:p14="http://schemas.microsoft.com/office/powerpoint/2010/main" val="3614993019"/>
+      </p:ext>
+    </p:extLst>
+  </p:cSld>
+  <p:clrMapOvr>
+    <a:masterClrMapping/>
+  </p:clrMapOvr>
+</p:sld>
+</file>
+
+<file path=ppt/slides/slide6.xml><?xml version="1.0" encoding="utf-8"?>
+<p:sld xmlns:a="http://schemas.openxmlformats.org/drawingml/2006/main" xmlns:r="http://schemas.openxmlformats.org/officeDocument/2006/relationships" xmlns:p="http://schemas.openxmlformats.org/presentationml/2006/main">
+  <p:cSld>
+    <p:spTree>
+      <p:nvGrpSpPr>
+        <p:cNvPr id="1" name=""/>
+        <p:cNvGrpSpPr/>
+        <p:nvPr/>
+      </p:nvGrpSpPr>
+      <p:grpSpPr>
+        <a:xfrm>
+          <a:off x="0" y="0"/>
+          <a:ext cx="0" cy="0"/>
+          <a:chOff x="0" y="0"/>
+          <a:chExt cx="0" cy="0"/>
+        </a:xfrm>
+      </p:grpSpPr>
+      <p:sp>
+        <p:nvSpPr>
+          <p:cNvPr id="2" name="タイトル 1">
+            <a:extLst>
+              <a:ext uri="{FF2B5EF4-FFF2-40B4-BE49-F238E27FC236}">
+                <a16:creationId xmlns:a16="http://schemas.microsoft.com/office/drawing/2014/main" id="{3DF3FEEC-D9C0-46ED-8474-E8E66126B811}"/>
+              </a:ext>
+            </a:extLst>
+          </p:cNvPr>
+          <p:cNvSpPr>
+            <a:spLocks noGrp="1"/>
+          </p:cNvSpPr>
+          <p:nvPr>
+            <p:ph type="title"/>
+          </p:nvPr>
+        </p:nvSpPr>
+        <p:spPr/>
+        <p:txBody>
+          <a:bodyPr/>
+          <a:lstStyle/>
+          <a:p>
+            <a:r>
+              <a:rPr kumimoji="1" lang="en-US" altLang="ja-JP" dirty="0"/>
+              <a:t>Microsoft</a:t>
+            </a:r>
+            <a:endParaRPr kumimoji="1" lang="ja-JP" altLang="en-US" dirty="0"/>
+          </a:p>
+        </p:txBody>
+      </p:sp>
+      <p:sp>
+        <p:nvSpPr>
+          <p:cNvPr id="3" name="コンテンツ プレースホルダー 2">
+            <a:extLst>
+              <a:ext uri="{FF2B5EF4-FFF2-40B4-BE49-F238E27FC236}">
+                <a16:creationId xmlns:a16="http://schemas.microsoft.com/office/drawing/2014/main" id="{DF5C4F2B-1263-49D4-85EB-7813C5564055}"/>
+              </a:ext>
+            </a:extLst>
+          </p:cNvPr>
+          <p:cNvSpPr>
+            <a:spLocks noGrp="1"/>
+          </p:cNvSpPr>
+          <p:nvPr>
+            <p:ph idx="1"/>
+          </p:nvPr>
+        </p:nvSpPr>
+        <p:spPr/>
+        <p:txBody>
+          <a:bodyPr/>
+          <a:lstStyle/>
+          <a:p>
+            <a:endParaRPr kumimoji="1" lang="ja-JP" altLang="en-US"/>
+          </a:p>
+        </p:txBody>
+      </p:sp>
+      <p:sp>
+        <p:nvSpPr>
+          <p:cNvPr id="4" name="日付プレースホルダー 3">
+            <a:extLst>
+              <a:ext uri="{FF2B5EF4-FFF2-40B4-BE49-F238E27FC236}">
+                <a16:creationId xmlns:a16="http://schemas.microsoft.com/office/drawing/2014/main" id="{E83B294F-5657-40E1-B0C8-29D38D293418}"/>
+              </a:ext>
+            </a:extLst>
+          </p:cNvPr>
+          <p:cNvSpPr>
+            <a:spLocks noGrp="1"/>
+          </p:cNvSpPr>
+          <p:nvPr>
+            <p:ph type="dt" sz="half" idx="10"/>
+          </p:nvPr>
+        </p:nvSpPr>
+        <p:spPr/>
+        <p:txBody>
+          <a:bodyPr/>
+          <a:lstStyle/>
+          <a:p>
+            <a:r>
+              <a:rPr kumimoji="1" lang="en-US" altLang="ja-JP"/>
+              <a:t>2020/9/11</a:t>
+            </a:r>
+            <a:endParaRPr kumimoji="1" lang="ja-JP" altLang="en-US"/>
+          </a:p>
+        </p:txBody>
+      </p:sp>
+      <p:sp>
+        <p:nvSpPr>
+          <p:cNvPr id="5" name="フッター プレースホルダー 4">
+            <a:extLst>
+              <a:ext uri="{FF2B5EF4-FFF2-40B4-BE49-F238E27FC236}">
+                <a16:creationId xmlns:a16="http://schemas.microsoft.com/office/drawing/2014/main" id="{140FFE7A-577A-40A4-881C-25E4069F76B1}"/>
+              </a:ext>
+            </a:extLst>
+          </p:cNvPr>
+          <p:cNvSpPr>
+            <a:spLocks noGrp="1"/>
+          </p:cNvSpPr>
+          <p:nvPr>
+            <p:ph type="ftr" sz="quarter" idx="11"/>
+          </p:nvPr>
+        </p:nvSpPr>
+        <p:spPr/>
+        <p:txBody>
+          <a:bodyPr/>
+          <a:lstStyle/>
+          <a:p>
+            <a:r>
+              <a:rPr kumimoji="1" lang="en-US" altLang="ja-JP"/>
+              <a:t>A</a:t>
+            </a:r>
+            <a:r>
+              <a:rPr kumimoji="1" lang="ja-JP" altLang="en-US"/>
+              <a:t>セメスタ説明会 </a:t>
+            </a:r>
+            <a:r>
+              <a:rPr kumimoji="1" lang="en-US" altLang="ja-JP"/>
+              <a:t>utelecon.github.io</a:t>
+            </a:r>
+            <a:endParaRPr kumimoji="1" lang="ja-JP" altLang="en-US"/>
+          </a:p>
+        </p:txBody>
+      </p:sp>
+      <p:sp>
+        <p:nvSpPr>
+          <p:cNvPr id="6" name="スライド番号プレースホルダー 5">
+            <a:extLst>
+              <a:ext uri="{FF2B5EF4-FFF2-40B4-BE49-F238E27FC236}">
+                <a16:creationId xmlns:a16="http://schemas.microsoft.com/office/drawing/2014/main" id="{A968A61C-3D3B-4526-A04B-EE3F53D90D77}"/>
+              </a:ext>
+            </a:extLst>
+          </p:cNvPr>
+          <p:cNvSpPr>
+            <a:spLocks noGrp="1"/>
+          </p:cNvSpPr>
+          <p:nvPr>
+            <p:ph type="sldNum" sz="quarter" idx="12"/>
+          </p:nvPr>
+        </p:nvSpPr>
+        <p:spPr/>
+        <p:txBody>
+          <a:bodyPr/>
+          <a:lstStyle/>
+          <a:p>
+            <a:fld id="{EDF77D8D-9987-453A-9A05-EB91CA595C68}" type="slidenum">
+              <a:rPr kumimoji="1" lang="ja-JP" altLang="en-US" smtClean="0"/>
+              <a:pPr/>
+              <a:t>6</a:t>
+            </a:fld>
+            <a:endParaRPr kumimoji="1" lang="ja-JP" altLang="en-US"/>
+          </a:p>
+        </p:txBody>
+      </p:sp>
+    </p:spTree>
+    <p:extLst>
+      <p:ext uri="{BB962C8B-B14F-4D97-AF65-F5344CB8AC3E}">
+        <p14:creationId xmlns:p14="http://schemas.microsoft.com/office/powerpoint/2010/main" val="2464703732"/>
+      </p:ext>
+    </p:extLst>
+  </p:cSld>
+  <p:clrMapOvr>
+    <a:masterClrMapping/>
+  </p:clrMapOvr>
+</p:sld>
+</file>
+
+<file path=ppt/slides/slide7.xml><?xml version="1.0" encoding="utf-8"?>
+<p:sld xmlns:a="http://schemas.openxmlformats.org/drawingml/2006/main" xmlns:r="http://schemas.openxmlformats.org/officeDocument/2006/relationships" xmlns:p="http://schemas.openxmlformats.org/presentationml/2006/main">
+  <p:cSld>
+    <p:spTree>
+      <p:nvGrpSpPr>
+        <p:cNvPr id="1" name=""/>
+        <p:cNvGrpSpPr/>
+        <p:nvPr/>
+      </p:nvGrpSpPr>
+      <p:grpSpPr>
+        <a:xfrm>
+          <a:off x="0" y="0"/>
+          <a:ext cx="0" cy="0"/>
+          <a:chOff x="0" y="0"/>
+          <a:chExt cx="0" cy="0"/>
+        </a:xfrm>
+      </p:grpSpPr>
+      <p:sp>
+        <p:nvSpPr>
+          <p:cNvPr id="2" name="タイトル 1">
+            <a:extLst>
+              <a:ext uri="{FF2B5EF4-FFF2-40B4-BE49-F238E27FC236}">
+                <a16:creationId xmlns:a16="http://schemas.microsoft.com/office/drawing/2014/main" id="{2DC2A653-7C57-4A33-88AC-52393F12EB02}"/>
+              </a:ext>
+            </a:extLst>
+          </p:cNvPr>
+          <p:cNvSpPr>
+            <a:spLocks noGrp="1"/>
+          </p:cNvSpPr>
+          <p:nvPr>
+            <p:ph type="title"/>
+          </p:nvPr>
+        </p:nvSpPr>
+        <p:spPr/>
+        <p:txBody>
+          <a:bodyPr/>
+          <a:lstStyle/>
+          <a:p>
+            <a:r>
+              <a:rPr kumimoji="1" lang="en-US" altLang="ja-JP" dirty="0"/>
+              <a:t>Web</a:t>
+            </a:r>
+            <a:r>
+              <a:rPr kumimoji="1" lang="ja-JP" altLang="en-US" dirty="0"/>
+              <a:t>会議システム</a:t>
+            </a:r>
+          </a:p>
+        </p:txBody>
+      </p:sp>
+      <p:sp>
+        <p:nvSpPr>
+          <p:cNvPr id="3" name="コンテンツ プレースホルダー 2">
+            <a:extLst>
+              <a:ext uri="{FF2B5EF4-FFF2-40B4-BE49-F238E27FC236}">
+                <a16:creationId xmlns:a16="http://schemas.microsoft.com/office/drawing/2014/main" id="{9CB73C36-65C7-41AC-AC2A-C1710F3839CD}"/>
+              </a:ext>
+            </a:extLst>
+          </p:cNvPr>
+          <p:cNvSpPr>
+            <a:spLocks noGrp="1"/>
+          </p:cNvSpPr>
+          <p:nvPr>
+            <p:ph idx="1"/>
+          </p:nvPr>
+        </p:nvSpPr>
+        <p:spPr/>
+        <p:txBody>
+          <a:bodyPr/>
+          <a:lstStyle/>
+          <a:p>
+            <a:endParaRPr kumimoji="1" lang="ja-JP" altLang="en-US"/>
+          </a:p>
+        </p:txBody>
+      </p:sp>
+      <p:sp>
+        <p:nvSpPr>
+          <p:cNvPr id="4" name="日付プレースホルダー 3">
+            <a:extLst>
+              <a:ext uri="{FF2B5EF4-FFF2-40B4-BE49-F238E27FC236}">
+                <a16:creationId xmlns:a16="http://schemas.microsoft.com/office/drawing/2014/main" id="{DF30F974-22D7-4B7D-9B11-BFC81DF49748}"/>
+              </a:ext>
+            </a:extLst>
+          </p:cNvPr>
+          <p:cNvSpPr>
+            <a:spLocks noGrp="1"/>
+          </p:cNvSpPr>
+          <p:nvPr>
+            <p:ph type="dt" sz="half" idx="10"/>
+          </p:nvPr>
+        </p:nvSpPr>
+        <p:spPr/>
+        <p:txBody>
+          <a:bodyPr/>
+          <a:lstStyle/>
+          <a:p>
+            <a:r>
+              <a:rPr kumimoji="1" lang="en-US" altLang="ja-JP"/>
+              <a:t>2020/9/11</a:t>
+            </a:r>
+            <a:endParaRPr kumimoji="1" lang="ja-JP" altLang="en-US"/>
+          </a:p>
+        </p:txBody>
+      </p:sp>
+      <p:sp>
+        <p:nvSpPr>
+          <p:cNvPr id="5" name="フッター プレースホルダー 4">
+            <a:extLst>
+              <a:ext uri="{FF2B5EF4-FFF2-40B4-BE49-F238E27FC236}">
+                <a16:creationId xmlns:a16="http://schemas.microsoft.com/office/drawing/2014/main" id="{72182DF3-BC65-44D1-AADB-9D796F4665D8}"/>
+              </a:ext>
+            </a:extLst>
+          </p:cNvPr>
+          <p:cNvSpPr>
+            <a:spLocks noGrp="1"/>
+          </p:cNvSpPr>
+          <p:nvPr>
+            <p:ph type="ftr" sz="quarter" idx="11"/>
+          </p:nvPr>
+        </p:nvSpPr>
+        <p:spPr/>
+        <p:txBody>
+          <a:bodyPr/>
+          <a:lstStyle/>
+          <a:p>
+            <a:r>
+              <a:rPr kumimoji="1" lang="en-US" altLang="ja-JP"/>
+              <a:t>A</a:t>
+            </a:r>
+            <a:r>
+              <a:rPr kumimoji="1" lang="ja-JP" altLang="en-US"/>
+              <a:t>セメスタ説明会 </a:t>
+            </a:r>
+            <a:r>
+              <a:rPr kumimoji="1" lang="en-US" altLang="ja-JP"/>
+              <a:t>utelecon.github.io</a:t>
+            </a:r>
+            <a:endParaRPr kumimoji="1" lang="ja-JP" altLang="en-US"/>
+          </a:p>
+        </p:txBody>
+      </p:sp>
+      <p:sp>
+        <p:nvSpPr>
+          <p:cNvPr id="6" name="スライド番号プレースホルダー 5">
+            <a:extLst>
+              <a:ext uri="{FF2B5EF4-FFF2-40B4-BE49-F238E27FC236}">
+                <a16:creationId xmlns:a16="http://schemas.microsoft.com/office/drawing/2014/main" id="{13C338E4-A3DE-4BCD-B685-2052B292EE5A}"/>
+              </a:ext>
+            </a:extLst>
+          </p:cNvPr>
+          <p:cNvSpPr>
+            <a:spLocks noGrp="1"/>
+          </p:cNvSpPr>
+          <p:nvPr>
+            <p:ph type="sldNum" sz="quarter" idx="12"/>
+          </p:nvPr>
+        </p:nvSpPr>
+        <p:spPr/>
+        <p:txBody>
+          <a:bodyPr/>
+          <a:lstStyle/>
+          <a:p>
+            <a:fld id="{EDF77D8D-9987-453A-9A05-EB91CA595C68}" type="slidenum">
+              <a:rPr kumimoji="1" lang="ja-JP" altLang="en-US" smtClean="0"/>
+              <a:pPr/>
+              <a:t>7</a:t>
+            </a:fld>
+            <a:endParaRPr kumimoji="1" lang="ja-JP" altLang="en-US"/>
+          </a:p>
+        </p:txBody>
+      </p:sp>
+    </p:spTree>
+    <p:extLst>
+      <p:ext uri="{BB962C8B-B14F-4D97-AF65-F5344CB8AC3E}">
+        <p14:creationId xmlns:p14="http://schemas.microsoft.com/office/powerpoint/2010/main" val="3909624256"/>
+      </p:ext>
+    </p:extLst>
+  </p:cSld>
+  <p:clrMapOvr>
+    <a:masterClrMapping/>
+  </p:clrMapOvr>
+</p:sld>
+</file>
+
+<file path=ppt/slides/slide8.xml><?xml version="1.0" encoding="utf-8"?>
+<p:sld xmlns:a="http://schemas.openxmlformats.org/drawingml/2006/main" xmlns:r="http://schemas.openxmlformats.org/officeDocument/2006/relationships" xmlns:p="http://schemas.openxmlformats.org/presentationml/2006/main">
+  <p:cSld>
+    <p:spTree>
+      <p:nvGrpSpPr>
+        <p:cNvPr id="1" name=""/>
+        <p:cNvGrpSpPr/>
+        <p:nvPr/>
+      </p:nvGrpSpPr>
+      <p:grpSpPr>
+        <a:xfrm>
+          <a:off x="0" y="0"/>
+          <a:ext cx="0" cy="0"/>
+          <a:chOff x="0" y="0"/>
+          <a:chExt cx="0" cy="0"/>
+        </a:xfrm>
+      </p:grpSpPr>
+      <p:sp>
+        <p:nvSpPr>
+          <p:cNvPr id="2" name="タイトル 1">
+            <a:extLst>
+              <a:ext uri="{FF2B5EF4-FFF2-40B4-BE49-F238E27FC236}">
+                <a16:creationId xmlns:a16="http://schemas.microsoft.com/office/drawing/2014/main" id="{9CDC70EE-0C5F-4125-B18B-58712AB4F695}"/>
+              </a:ext>
+            </a:extLst>
+          </p:cNvPr>
+          <p:cNvSpPr>
+            <a:spLocks noGrp="1"/>
+          </p:cNvSpPr>
+          <p:nvPr>
+            <p:ph type="title"/>
+          </p:nvPr>
+        </p:nvSpPr>
+        <p:spPr/>
+        <p:txBody>
+          <a:bodyPr/>
+          <a:lstStyle/>
+          <a:p>
+            <a:r>
+              <a:rPr kumimoji="1" lang="ja-JP" altLang="en-US" dirty="0"/>
+              <a:t>多すぎる</a:t>
+            </a:r>
+            <a:r>
+              <a:rPr kumimoji="1" lang="en-US" altLang="ja-JP" dirty="0"/>
+              <a:t>ID</a:t>
+            </a:r>
+            <a:r>
+              <a:rPr kumimoji="1" lang="ja-JP" altLang="en-US" dirty="0"/>
+              <a:t>のまとめ</a:t>
+            </a:r>
+          </a:p>
+        </p:txBody>
+      </p:sp>
+      <p:sp>
+        <p:nvSpPr>
+          <p:cNvPr id="3" name="コンテンツ プレースホルダー 2">
+            <a:extLst>
+              <a:ext uri="{FF2B5EF4-FFF2-40B4-BE49-F238E27FC236}">
+                <a16:creationId xmlns:a16="http://schemas.microsoft.com/office/drawing/2014/main" id="{4C944BAE-8CE6-4670-95C7-14FC8CADEF46}"/>
+              </a:ext>
+            </a:extLst>
+          </p:cNvPr>
+          <p:cNvSpPr>
+            <a:spLocks noGrp="1"/>
+          </p:cNvSpPr>
+          <p:nvPr>
+            <p:ph idx="1"/>
+          </p:nvPr>
+        </p:nvSpPr>
+        <p:spPr/>
+        <p:txBody>
+          <a:bodyPr/>
+          <a:lstStyle/>
+          <a:p>
+            <a:r>
+              <a:rPr kumimoji="1" lang="en-US" altLang="ja-JP" dirty="0" err="1"/>
+              <a:t>UTokyo</a:t>
+            </a:r>
+            <a:r>
+              <a:rPr kumimoji="1" lang="en-US" altLang="ja-JP" dirty="0"/>
+              <a:t> Account</a:t>
+            </a:r>
+            <a:r>
+              <a:rPr kumimoji="1" lang="ja-JP" altLang="en-US" dirty="0"/>
+              <a:t>の</a:t>
+            </a:r>
+            <a:r>
+              <a:rPr kumimoji="1" lang="en-US" altLang="ja-JP" dirty="0"/>
+              <a:t>ID (10</a:t>
+            </a:r>
+            <a:r>
+              <a:rPr kumimoji="1" lang="ja-JP" altLang="en-US" dirty="0"/>
+              <a:t>桁の数字</a:t>
+            </a:r>
+            <a:r>
+              <a:rPr kumimoji="1" lang="en-US" altLang="ja-JP" dirty="0"/>
+              <a:t>)</a:t>
+            </a:r>
+          </a:p>
+          <a:p>
+            <a:r>
+              <a:rPr lang="en-US" altLang="ja-JP" dirty="0"/>
+              <a:t>10</a:t>
+            </a:r>
+            <a:r>
+              <a:rPr lang="ja-JP" altLang="en-US" dirty="0"/>
+              <a:t>桁</a:t>
+            </a:r>
+            <a:r>
+              <a:rPr lang="en-US" altLang="ja-JP" dirty="0"/>
+              <a:t>@utac.u-tokyo.ac.jp</a:t>
+            </a:r>
+          </a:p>
+          <a:p>
+            <a:r>
+              <a:rPr lang="en-US" altLang="ja-JP" i="1" dirty="0"/>
+              <a:t>any</a:t>
+            </a:r>
+            <a:r>
+              <a:rPr lang="en-US" altLang="ja-JP" dirty="0"/>
+              <a:t>@g.ecc.u-tokyo.ac.jp</a:t>
+            </a:r>
+            <a:endParaRPr kumimoji="1" lang="en-US" altLang="ja-JP" dirty="0"/>
+          </a:p>
+          <a:p>
+            <a:r>
+              <a:rPr kumimoji="1" lang="en-US" altLang="ja-JP" dirty="0"/>
+              <a:t>10</a:t>
+            </a:r>
+            <a:r>
+              <a:rPr kumimoji="1" lang="ja-JP" altLang="en-US" dirty="0"/>
+              <a:t>桁</a:t>
+            </a:r>
+            <a:r>
+              <a:rPr kumimoji="1" lang="en-US" altLang="ja-JP" dirty="0"/>
+              <a:t>@g.ecc.u-tokyo.ac.jp</a:t>
+            </a:r>
+            <a:endParaRPr kumimoji="1" lang="ja-JP" altLang="en-US" dirty="0"/>
+          </a:p>
+        </p:txBody>
+      </p:sp>
+      <p:sp>
+        <p:nvSpPr>
+          <p:cNvPr id="4" name="日付プレースホルダー 3">
+            <a:extLst>
+              <a:ext uri="{FF2B5EF4-FFF2-40B4-BE49-F238E27FC236}">
+                <a16:creationId xmlns:a16="http://schemas.microsoft.com/office/drawing/2014/main" id="{DD45426F-064D-45E2-B3D9-FC9B7CD8D052}"/>
+              </a:ext>
+            </a:extLst>
+          </p:cNvPr>
+          <p:cNvSpPr>
+            <a:spLocks noGrp="1"/>
+          </p:cNvSpPr>
+          <p:nvPr>
+            <p:ph type="dt" sz="half" idx="10"/>
+          </p:nvPr>
+        </p:nvSpPr>
+        <p:spPr/>
+        <p:txBody>
+          <a:bodyPr/>
+          <a:lstStyle/>
+          <a:p>
+            <a:r>
+              <a:rPr kumimoji="1" lang="en-US" altLang="ja-JP"/>
+              <a:t>2020/9/11</a:t>
+            </a:r>
+            <a:endParaRPr kumimoji="1" lang="ja-JP" altLang="en-US"/>
+          </a:p>
+        </p:txBody>
+      </p:sp>
+      <p:sp>
+        <p:nvSpPr>
+          <p:cNvPr id="5" name="フッター プレースホルダー 4">
+            <a:extLst>
+              <a:ext uri="{FF2B5EF4-FFF2-40B4-BE49-F238E27FC236}">
+                <a16:creationId xmlns:a16="http://schemas.microsoft.com/office/drawing/2014/main" id="{C524167A-E45F-4E01-867C-F3A64F9F6CA6}"/>
+              </a:ext>
+            </a:extLst>
+          </p:cNvPr>
+          <p:cNvSpPr>
+            <a:spLocks noGrp="1"/>
+          </p:cNvSpPr>
+          <p:nvPr>
+            <p:ph type="ftr" sz="quarter" idx="11"/>
+          </p:nvPr>
+        </p:nvSpPr>
+        <p:spPr/>
+        <p:txBody>
+          <a:bodyPr/>
+          <a:lstStyle/>
+          <a:p>
+            <a:r>
+              <a:rPr kumimoji="1" lang="en-US" altLang="ja-JP"/>
+              <a:t>A</a:t>
+            </a:r>
+            <a:r>
+              <a:rPr kumimoji="1" lang="ja-JP" altLang="en-US"/>
+              <a:t>セメスタ説明会 </a:t>
+            </a:r>
+            <a:r>
+              <a:rPr kumimoji="1" lang="en-US" altLang="ja-JP"/>
+              <a:t>utelecon.github.io</a:t>
+            </a:r>
+            <a:endParaRPr kumimoji="1" lang="ja-JP" altLang="en-US"/>
+          </a:p>
+        </p:txBody>
+      </p:sp>
+      <p:sp>
+        <p:nvSpPr>
+          <p:cNvPr id="6" name="スライド番号プレースホルダー 5">
+            <a:extLst>
+              <a:ext uri="{FF2B5EF4-FFF2-40B4-BE49-F238E27FC236}">
+                <a16:creationId xmlns:a16="http://schemas.microsoft.com/office/drawing/2014/main" id="{C6A3DB47-5732-40D6-AF65-D9ADA4782002}"/>
+              </a:ext>
+            </a:extLst>
+          </p:cNvPr>
+          <p:cNvSpPr>
+            <a:spLocks noGrp="1"/>
+          </p:cNvSpPr>
+          <p:nvPr>
+            <p:ph type="sldNum" sz="quarter" idx="12"/>
+          </p:nvPr>
+        </p:nvSpPr>
+        <p:spPr/>
+        <p:txBody>
+          <a:bodyPr/>
+          <a:lstStyle/>
+          <a:p>
+            <a:fld id="{EDF77D8D-9987-453A-9A05-EB91CA595C68}" type="slidenum">
+              <a:rPr kumimoji="1" lang="ja-JP" altLang="en-US" smtClean="0"/>
+              <a:pPr/>
+              <a:t>8</a:t>
+            </a:fld>
+            <a:endParaRPr kumimoji="1" lang="ja-JP" altLang="en-US"/>
+          </a:p>
+        </p:txBody>
+      </p:sp>
+    </p:spTree>
+    <p:extLst>
+      <p:ext uri="{BB962C8B-B14F-4D97-AF65-F5344CB8AC3E}">
+        <p14:creationId xmlns:p14="http://schemas.microsoft.com/office/powerpoint/2010/main" val="3149567877"/>
+      </p:ext>
+    </p:extLst>
+  </p:cSld>
+  <p:clrMapOvr>
+    <a:masterClrMapping/>
+  </p:clrMapOvr>
+</p:sld>
+</file>
+
+<file path=ppt/slides/slide9.xml><?xml version="1.0" encoding="utf-8"?>
+<p:sld xmlns:a="http://schemas.openxmlformats.org/drawingml/2006/main" xmlns:r="http://schemas.openxmlformats.org/officeDocument/2006/relationships" xmlns:p="http://schemas.openxmlformats.org/presentationml/2006/main">
+  <p:cSld>
+    <p:spTree>
+      <p:nvGrpSpPr>
+        <p:cNvPr id="1" name=""/>
+        <p:cNvGrpSpPr/>
+        <p:nvPr/>
+      </p:nvGrpSpPr>
+      <p:grpSpPr>
+        <a:xfrm>
+          <a:off x="0" y="0"/>
+          <a:ext cx="0" cy="0"/>
+          <a:chOff x="0" y="0"/>
+          <a:chExt cx="0" cy="0"/>
+        </a:xfrm>
+      </p:grpSpPr>
+      <p:sp>
+        <p:nvSpPr>
+          <p:cNvPr id="2" name="タイトル 1">
+            <a:extLst>
+              <a:ext uri="{FF2B5EF4-FFF2-40B4-BE49-F238E27FC236}">
+                <a16:creationId xmlns:a16="http://schemas.microsoft.com/office/drawing/2014/main" id="{907AB330-3090-4E43-92EC-8F8E0DC4E46B}"/>
+              </a:ext>
+            </a:extLst>
+          </p:cNvPr>
+          <p:cNvSpPr>
+            <a:spLocks noGrp="1"/>
+          </p:cNvSpPr>
+          <p:nvPr>
+            <p:ph type="title"/>
+          </p:nvPr>
+        </p:nvSpPr>
+        <p:spPr/>
+        <p:txBody>
+          <a:bodyPr/>
+          <a:lstStyle/>
+          <a:p>
+            <a:r>
+              <a:rPr kumimoji="1" lang="en-US" altLang="ja-JP" dirty="0"/>
+              <a:t>S</a:t>
+            </a:r>
+            <a:r>
+              <a:rPr kumimoji="1" lang="ja-JP" altLang="en-US" dirty="0"/>
+              <a:t>セメスタからの</a:t>
+            </a:r>
+            <a:r>
+              <a:rPr lang="ja-JP" altLang="en-US" dirty="0"/>
+              <a:t>変更・</a:t>
+            </a:r>
+            <a:r>
+              <a:rPr kumimoji="1" lang="ja-JP" altLang="en-US" dirty="0"/>
+              <a:t>変化</a:t>
+            </a:r>
+          </a:p>
+        </p:txBody>
+      </p:sp>
+      <p:sp>
+        <p:nvSpPr>
+          <p:cNvPr id="3" name="コンテンツ プレースホルダー 2">
+            <a:extLst>
+              <a:ext uri="{FF2B5EF4-FFF2-40B4-BE49-F238E27FC236}">
+                <a16:creationId xmlns:a16="http://schemas.microsoft.com/office/drawing/2014/main" id="{56F43BF8-2EE8-4D70-9D4A-C2BB21910077}"/>
+              </a:ext>
+            </a:extLst>
+          </p:cNvPr>
+          <p:cNvSpPr>
+            <a:spLocks noGrp="1"/>
+          </p:cNvSpPr>
+          <p:nvPr>
+            <p:ph idx="1"/>
+          </p:nvPr>
+        </p:nvSpPr>
+        <p:spPr/>
+        <p:txBody>
+          <a:bodyPr/>
+          <a:lstStyle/>
+          <a:p>
+            <a:r>
+              <a:rPr kumimoji="1" lang="en-US" altLang="ja-JP" dirty="0"/>
+              <a:t>Zoom</a:t>
+            </a:r>
+            <a:r>
+              <a:rPr kumimoji="1" lang="ja-JP" altLang="en-US" dirty="0"/>
+              <a:t>ライセンス</a:t>
+            </a:r>
+            <a:endParaRPr kumimoji="1" lang="en-US" altLang="ja-JP" dirty="0"/>
+          </a:p>
+          <a:p>
+            <a:r>
+              <a:rPr lang="en-US" altLang="ja-JP" dirty="0"/>
+              <a:t>Zoom Marketplace App</a:t>
+            </a:r>
+            <a:endParaRPr kumimoji="1" lang="en-US" altLang="ja-JP" dirty="0"/>
+          </a:p>
+          <a:p>
+            <a:r>
+              <a:rPr lang="en-US" altLang="ja-JP" dirty="0"/>
+              <a:t>WebEx</a:t>
+            </a:r>
+          </a:p>
+          <a:p>
+            <a:r>
+              <a:rPr kumimoji="1" lang="en-US" altLang="ja-JP" dirty="0"/>
+              <a:t>Microsoft 365</a:t>
+            </a:r>
+            <a:r>
+              <a:rPr kumimoji="1" lang="ja-JP" altLang="en-US" dirty="0"/>
+              <a:t>で組織外部とのファイル共有</a:t>
+            </a:r>
+            <a:endParaRPr kumimoji="1" lang="en-US" altLang="ja-JP" dirty="0"/>
+          </a:p>
+          <a:p>
+            <a:r>
+              <a:rPr lang="en-US" altLang="ja-JP" dirty="0"/>
+              <a:t>Teams</a:t>
+            </a:r>
+            <a:endParaRPr kumimoji="1" lang="ja-JP" altLang="en-US" dirty="0"/>
+          </a:p>
+        </p:txBody>
+      </p:sp>
+      <p:sp>
+        <p:nvSpPr>
+          <p:cNvPr id="4" name="日付プレースホルダー 3">
+            <a:extLst>
+              <a:ext uri="{FF2B5EF4-FFF2-40B4-BE49-F238E27FC236}">
+                <a16:creationId xmlns:a16="http://schemas.microsoft.com/office/drawing/2014/main" id="{606E1F88-A6BD-4F79-B696-07BF2583D2F0}"/>
+              </a:ext>
+            </a:extLst>
+          </p:cNvPr>
+          <p:cNvSpPr>
+            <a:spLocks noGrp="1"/>
+          </p:cNvSpPr>
+          <p:nvPr>
+            <p:ph type="dt" sz="half" idx="10"/>
+          </p:nvPr>
+        </p:nvSpPr>
+        <p:spPr/>
+        <p:txBody>
+          <a:bodyPr/>
+          <a:lstStyle/>
+          <a:p>
+            <a:r>
+              <a:rPr kumimoji="1" lang="en-US" altLang="ja-JP"/>
+              <a:t>2020/9/11</a:t>
+            </a:r>
+            <a:endParaRPr kumimoji="1" lang="ja-JP" altLang="en-US"/>
+          </a:p>
+        </p:txBody>
+      </p:sp>
+      <p:sp>
+        <p:nvSpPr>
+          <p:cNvPr id="5" name="フッター プレースホルダー 4">
+            <a:extLst>
+              <a:ext uri="{FF2B5EF4-FFF2-40B4-BE49-F238E27FC236}">
+                <a16:creationId xmlns:a16="http://schemas.microsoft.com/office/drawing/2014/main" id="{EE45174F-B150-4D1E-B711-D6AFC3E14566}"/>
+              </a:ext>
+            </a:extLst>
+          </p:cNvPr>
+          <p:cNvSpPr>
+            <a:spLocks noGrp="1"/>
+          </p:cNvSpPr>
+          <p:nvPr>
+            <p:ph type="ftr" sz="quarter" idx="11"/>
+          </p:nvPr>
+        </p:nvSpPr>
+        <p:spPr/>
+        <p:txBody>
+          <a:bodyPr/>
+          <a:lstStyle/>
+          <a:p>
+            <a:r>
+              <a:rPr kumimoji="1" lang="en-US" altLang="ja-JP"/>
+              <a:t>A</a:t>
+            </a:r>
+            <a:r>
+              <a:rPr kumimoji="1" lang="ja-JP" altLang="en-US"/>
+              <a:t>セメスタ説明会 </a:t>
+            </a:r>
+            <a:r>
+              <a:rPr kumimoji="1" lang="en-US" altLang="ja-JP"/>
+              <a:t>utelecon.github.io</a:t>
+            </a:r>
+            <a:endParaRPr kumimoji="1" lang="ja-JP" altLang="en-US"/>
+          </a:p>
+        </p:txBody>
+      </p:sp>
+      <p:sp>
+        <p:nvSpPr>
+          <p:cNvPr id="6" name="スライド番号プレースホルダー 5">
+            <a:extLst>
+              <a:ext uri="{FF2B5EF4-FFF2-40B4-BE49-F238E27FC236}">
+                <a16:creationId xmlns:a16="http://schemas.microsoft.com/office/drawing/2014/main" id="{3212E169-32EE-4A2E-8F54-5B66A213F654}"/>
+              </a:ext>
+            </a:extLst>
+          </p:cNvPr>
+          <p:cNvSpPr>
+            <a:spLocks noGrp="1"/>
+          </p:cNvSpPr>
+          <p:nvPr>
+            <p:ph type="sldNum" sz="quarter" idx="12"/>
+          </p:nvPr>
+        </p:nvSpPr>
+        <p:spPr/>
+        <p:txBody>
+          <a:bodyPr/>
+          <a:lstStyle/>
+          <a:p>
+            <a:fld id="{EDF77D8D-9987-453A-9A05-EB91CA595C68}" type="slidenum">
+              <a:rPr kumimoji="1" lang="ja-JP" altLang="en-US" smtClean="0"/>
+              <a:pPr/>
+              <a:t>9</a:t>
+            </a:fld>
+            <a:endParaRPr kumimoji="1" lang="ja-JP" altLang="en-US"/>
+          </a:p>
+        </p:txBody>
+      </p:sp>
+      <p:sp>
+        <p:nvSpPr>
+          <p:cNvPr id="8" name="正方形/長方形 7">
+            <a:extLst>
+              <a:ext uri="{FF2B5EF4-FFF2-40B4-BE49-F238E27FC236}">
+                <a16:creationId xmlns:a16="http://schemas.microsoft.com/office/drawing/2014/main" id="{85E51D56-9C19-4617-8A0F-EB051BDF25F5}"/>
+              </a:ext>
+            </a:extLst>
+          </p:cNvPr>
+          <p:cNvSpPr/>
+          <p:nvPr/>
+        </p:nvSpPr>
+        <p:spPr>
+          <a:xfrm rot="20613984">
+            <a:off x="-181804" y="50601"/>
+            <a:ext cx="2958620" cy="360040"/>
+          </a:xfrm>
+          <a:prstGeom prst="rect">
+            <a:avLst/>
+          </a:prstGeom>
+        </p:spPr>
+        <p:style>
+          <a:lnRef idx="2">
+            <a:schemeClr val="accent1">
+              <a:shade val="50000"/>
+            </a:schemeClr>
+          </a:lnRef>
+          <a:fillRef idx="1">
+            <a:schemeClr val="accent1"/>
+          </a:fillRef>
+          <a:effectRef idx="0">
+            <a:schemeClr val="accent1"/>
+          </a:effectRef>
+          <a:fontRef idx="minor">
+            <a:schemeClr val="lt1"/>
+          </a:fontRef>
+        </p:style>
+        <p:txBody>
+          <a:bodyPr rtlCol="0" anchor="ctr"/>
+          <a:lstStyle/>
+          <a:p>
+            <a:pPr algn="ctr"/>
+            <a:r>
+              <a:rPr lang="en-US" altLang="ja-JP" dirty="0"/>
+              <a:t>S </a:t>
+            </a:r>
+            <a:r>
+              <a:rPr lang="en-US" altLang="ja-JP" dirty="0">
+                <a:sym typeface="Symbol" panose="05050102010706020507" pitchFamily="18" charset="2"/>
+              </a:rPr>
+              <a:t> </a:t>
+            </a:r>
+            <a:r>
+              <a:rPr lang="en-US" altLang="ja-JP" dirty="0"/>
+              <a:t>A</a:t>
+            </a:r>
+            <a:endParaRPr kumimoji="1" lang="ja-JP" altLang="en-US" dirty="0"/>
+          </a:p>
+        </p:txBody>
+      </p:sp>
+    </p:spTree>
+    <p:extLst>
+      <p:ext uri="{BB962C8B-B14F-4D97-AF65-F5344CB8AC3E}">
+        <p14:creationId xmlns:p14="http://schemas.microsoft.com/office/powerpoint/2010/main" val="2378395276"/>
+      </p:ext>
+    </p:extLst>
   </p:cSld>
   <p:clrMapOvr>
     <a:masterClrMapping/>

--- a/events/2020-09-11/slides/01-ict-overview.pptx
+++ b/events/2020-09-11/slides/01-ict-overview.pptx
@@ -5,19 +5,30 @@
     <p:sldMasterId id="2147483660" r:id="rId1"/>
   </p:sldMasterIdLst>
   <p:notesMasterIdLst>
-    <p:notesMasterId r:id="rId12"/>
+    <p:notesMasterId r:id="rId23"/>
   </p:notesMasterIdLst>
   <p:sldIdLst>
     <p:sldId id="256" r:id="rId2"/>
     <p:sldId id="257" r:id="rId3"/>
-    <p:sldId id="365" r:id="rId4"/>
-    <p:sldId id="366" r:id="rId5"/>
-    <p:sldId id="367" r:id="rId6"/>
-    <p:sldId id="368" r:id="rId7"/>
-    <p:sldId id="369" r:id="rId8"/>
-    <p:sldId id="372" r:id="rId9"/>
-    <p:sldId id="371" r:id="rId10"/>
-    <p:sldId id="370" r:id="rId11"/>
+    <p:sldId id="373" r:id="rId4"/>
+    <p:sldId id="365" r:id="rId5"/>
+    <p:sldId id="374" r:id="rId6"/>
+    <p:sldId id="375" r:id="rId7"/>
+    <p:sldId id="366" r:id="rId8"/>
+    <p:sldId id="367" r:id="rId9"/>
+    <p:sldId id="376" r:id="rId10"/>
+    <p:sldId id="368" r:id="rId11"/>
+    <p:sldId id="377" r:id="rId12"/>
+    <p:sldId id="378" r:id="rId13"/>
+    <p:sldId id="369" r:id="rId14"/>
+    <p:sldId id="379" r:id="rId15"/>
+    <p:sldId id="383" r:id="rId16"/>
+    <p:sldId id="380" r:id="rId17"/>
+    <p:sldId id="381" r:id="rId18"/>
+    <p:sldId id="382" r:id="rId19"/>
+    <p:sldId id="385" r:id="rId20"/>
+    <p:sldId id="372" r:id="rId21"/>
+    <p:sldId id="384" r:id="rId22"/>
   </p:sldIdLst>
   <p:sldSz cx="9144000" cy="6858000" type="screen4x3"/>
   <p:notesSz cx="6858000" cy="9144000"/>
@@ -149,6 +160,18 @@
 </p:presentation>
 </file>
 
+<file path=ppt/commentAuthors.xml><?xml version="1.0" encoding="utf-8"?>
+<p:cmAuthorLst xmlns:a="http://schemas.openxmlformats.org/drawingml/2006/main" xmlns:r="http://schemas.openxmlformats.org/officeDocument/2006/relationships" xmlns:p="http://schemas.openxmlformats.org/presentationml/2006/main">
+  <p:cmAuthor id="1" name="田浦　健次朗" initials="田浦　健次朗" lastIdx="1" clrIdx="0">
+    <p:extLst>
+      <p:ext uri="{19B8F6BF-5375-455C-9EA6-DF929625EA0E}">
+        <p15:presenceInfo xmlns:p15="http://schemas.microsoft.com/office/powerpoint/2012/main" userId="田浦　健次朗" providerId="None"/>
+      </p:ext>
+    </p:extLst>
+  </p:cmAuthor>
+</p:cmAuthorLst>
+</file>
+
 <file path=ppt/notesMasters/notesMaster1.xml><?xml version="1.0" encoding="utf-8"?>
 <p:notesMaster xmlns:a="http://schemas.openxmlformats.org/drawingml/2006/main" xmlns:r="http://schemas.openxmlformats.org/officeDocument/2006/relationships" xmlns:p="http://schemas.openxmlformats.org/presentationml/2006/main">
   <p:cSld>
@@ -232,7 +255,7 @@
             <a:fld id="{35305EB0-020F-4995-961E-A35B2BB78D2B}" type="datetimeFigureOut">
               <a:rPr kumimoji="1" lang="ja-JP" altLang="en-US" smtClean="0"/>
               <a:pPr/>
-              <a:t>2020/9/4</a:t>
+              <a:t>2020/9/7</a:t>
             </a:fld>
             <a:endParaRPr kumimoji="1" lang="ja-JP" altLang="en-US"/>
           </a:p>
@@ -52560,7 +52583,7 @@
           <p:cNvPr id="2" name="タイトル 1">
             <a:extLst>
               <a:ext uri="{FF2B5EF4-FFF2-40B4-BE49-F238E27FC236}">
-                <a16:creationId xmlns:a16="http://schemas.microsoft.com/office/drawing/2014/main" id="{58DED090-327D-4507-9CB3-8E4557F72160}"/>
+                <a16:creationId xmlns:a16="http://schemas.microsoft.com/office/drawing/2014/main" id="{3DF3FEEC-D9C0-46ED-8474-E8E66126B811}"/>
               </a:ext>
             </a:extLst>
           </p:cNvPr>
@@ -52578,11 +52601,19 @@
           <a:p>
             <a:r>
               <a:rPr kumimoji="1" lang="en-US" altLang="ja-JP" dirty="0"/>
-              <a:t>Zoom</a:t>
+              <a:t>Microsoft</a:t>
             </a:r>
             <a:r>
               <a:rPr kumimoji="1" lang="ja-JP" altLang="en-US" dirty="0"/>
-              <a:t>ライセンスの今後</a:t>
+              <a:t>（</a:t>
+            </a:r>
+            <a:r>
+              <a:rPr kumimoji="1" lang="en-US" altLang="ja-JP" dirty="0"/>
+              <a:t>Microsoft 365</a:t>
+            </a:r>
+            <a:r>
+              <a:rPr kumimoji="1" lang="ja-JP" altLang="en-US" dirty="0"/>
+              <a:t>）</a:t>
             </a:r>
           </a:p>
         </p:txBody>
@@ -52592,7 +52623,7 @@
           <p:cNvPr id="3" name="コンテンツ プレースホルダー 2">
             <a:extLst>
               <a:ext uri="{FF2B5EF4-FFF2-40B4-BE49-F238E27FC236}">
-                <a16:creationId xmlns:a16="http://schemas.microsoft.com/office/drawing/2014/main" id="{12B5971E-77C1-4CBE-AC2A-80934A66DC3B}"/>
+                <a16:creationId xmlns:a16="http://schemas.microsoft.com/office/drawing/2014/main" id="{DF5C4F2B-1263-49D4-85EB-7813C5564055}"/>
               </a:ext>
             </a:extLst>
           </p:cNvPr>
@@ -52608,7 +52639,74 @@
           <a:bodyPr/>
           <a:lstStyle/>
           <a:p>
-            <a:endParaRPr kumimoji="1" lang="ja-JP" altLang="en-US"/>
+            <a:r>
+              <a:rPr kumimoji="1" lang="ja-JP" altLang="en-US" dirty="0"/>
+              <a:t>授業と関係が深い機能</a:t>
+            </a:r>
+            <a:endParaRPr kumimoji="1" lang="en-US" altLang="ja-JP" dirty="0"/>
+          </a:p>
+          <a:p>
+            <a:pPr lvl="1"/>
+            <a:r>
+              <a:rPr lang="en-US" altLang="ja-JP" dirty="0"/>
+              <a:t>OneDrive: </a:t>
+            </a:r>
+            <a:r>
+              <a:rPr lang="ja-JP" altLang="en-US" dirty="0"/>
+              <a:t>ドキュメント共有</a:t>
+            </a:r>
+            <a:endParaRPr lang="en-US" altLang="ja-JP" dirty="0"/>
+          </a:p>
+          <a:p>
+            <a:pPr lvl="1"/>
+            <a:r>
+              <a:rPr lang="en-US" altLang="ja-JP" dirty="0"/>
+              <a:t>Office</a:t>
+            </a:r>
+            <a:r>
+              <a:rPr lang="ja-JP" altLang="en-US" dirty="0"/>
+              <a:t>クラウド版（正式名称</a:t>
+            </a:r>
+            <a:r>
+              <a:rPr lang="en-US" altLang="ja-JP" dirty="0"/>
+              <a:t>?</a:t>
+            </a:r>
+            <a:r>
+              <a:rPr lang="ja-JP" altLang="en-US" dirty="0"/>
+              <a:t>）</a:t>
+            </a:r>
+            <a:r>
+              <a:rPr lang="en-US" altLang="ja-JP" dirty="0"/>
+              <a:t>: Word, Excel, PowerPoint</a:t>
+            </a:r>
+            <a:r>
+              <a:rPr lang="ja-JP" altLang="en-US" dirty="0"/>
+              <a:t>オンライン版</a:t>
+            </a:r>
+            <a:endParaRPr lang="en-US" altLang="ja-JP" dirty="0"/>
+          </a:p>
+          <a:p>
+            <a:pPr lvl="1"/>
+            <a:r>
+              <a:rPr lang="en-US" altLang="ja-JP" dirty="0"/>
+              <a:t>Office</a:t>
+            </a:r>
+            <a:r>
+              <a:rPr lang="ja-JP" altLang="en-US" dirty="0"/>
+              <a:t>インストール版</a:t>
+            </a:r>
+            <a:endParaRPr lang="en-US" altLang="ja-JP" dirty="0"/>
+          </a:p>
+          <a:p>
+            <a:pPr lvl="1"/>
+            <a:r>
+              <a:rPr kumimoji="1" lang="en-US" altLang="ja-JP" dirty="0"/>
+              <a:t>Teams: Web</a:t>
+            </a:r>
+            <a:r>
+              <a:rPr kumimoji="1" lang="ja-JP" altLang="en-US" dirty="0"/>
+              <a:t>会議</a:t>
+            </a:r>
           </a:p>
         </p:txBody>
       </p:sp>
@@ -52617,7 +52715,7 @@
           <p:cNvPr id="4" name="日付プレースホルダー 3">
             <a:extLst>
               <a:ext uri="{FF2B5EF4-FFF2-40B4-BE49-F238E27FC236}">
-                <a16:creationId xmlns:a16="http://schemas.microsoft.com/office/drawing/2014/main" id="{9BD1CC50-CE6F-4D5D-AF44-CD7D74AC3586}"/>
+                <a16:creationId xmlns:a16="http://schemas.microsoft.com/office/drawing/2014/main" id="{E83B294F-5657-40E1-B0C8-29D38D293418}"/>
               </a:ext>
             </a:extLst>
           </p:cNvPr>
@@ -52646,7 +52744,7 @@
           <p:cNvPr id="5" name="フッター プレースホルダー 4">
             <a:extLst>
               <a:ext uri="{FF2B5EF4-FFF2-40B4-BE49-F238E27FC236}">
-                <a16:creationId xmlns:a16="http://schemas.microsoft.com/office/drawing/2014/main" id="{1195465F-E283-4C0E-99B6-22ADC280BDC4}"/>
+                <a16:creationId xmlns:a16="http://schemas.microsoft.com/office/drawing/2014/main" id="{140FFE7A-577A-40A4-881C-25E4069F76B1}"/>
               </a:ext>
             </a:extLst>
           </p:cNvPr>
@@ -52683,7 +52781,7 @@
           <p:cNvPr id="6" name="スライド番号プレースホルダー 5">
             <a:extLst>
               <a:ext uri="{FF2B5EF4-FFF2-40B4-BE49-F238E27FC236}">
-                <a16:creationId xmlns:a16="http://schemas.microsoft.com/office/drawing/2014/main" id="{42B381A9-2A6F-4A51-8684-6DB4ED4A1325}"/>
+                <a16:creationId xmlns:a16="http://schemas.microsoft.com/office/drawing/2014/main" id="{A968A61C-3D3B-4526-A04B-EE3F53D90D77}"/>
               </a:ext>
             </a:extLst>
           </p:cNvPr>
@@ -52711,7 +52809,3252 @@
     </p:spTree>
     <p:extLst>
       <p:ext uri="{BB962C8B-B14F-4D97-AF65-F5344CB8AC3E}">
-        <p14:creationId xmlns:p14="http://schemas.microsoft.com/office/powerpoint/2010/main" val="1467302175"/>
+        <p14:creationId xmlns:p14="http://schemas.microsoft.com/office/powerpoint/2010/main" val="2464703732"/>
+      </p:ext>
+    </p:extLst>
+  </p:cSld>
+  <p:clrMapOvr>
+    <a:masterClrMapping/>
+  </p:clrMapOvr>
+</p:sld>
+</file>
+
+<file path=ppt/slides/slide11.xml><?xml version="1.0" encoding="utf-8"?>
+<p:sld xmlns:a="http://schemas.openxmlformats.org/drawingml/2006/main" xmlns:r="http://schemas.openxmlformats.org/officeDocument/2006/relationships" xmlns:p="http://schemas.openxmlformats.org/presentationml/2006/main">
+  <p:cSld>
+    <p:spTree>
+      <p:nvGrpSpPr>
+        <p:cNvPr id="1" name=""/>
+        <p:cNvGrpSpPr/>
+        <p:nvPr/>
+      </p:nvGrpSpPr>
+      <p:grpSpPr>
+        <a:xfrm>
+          <a:off x="0" y="0"/>
+          <a:ext cx="0" cy="0"/>
+          <a:chOff x="0" y="0"/>
+          <a:chExt cx="0" cy="0"/>
+        </a:xfrm>
+      </p:grpSpPr>
+      <p:sp>
+        <p:nvSpPr>
+          <p:cNvPr id="2" name="タイトル 1">
+            <a:extLst>
+              <a:ext uri="{FF2B5EF4-FFF2-40B4-BE49-F238E27FC236}">
+                <a16:creationId xmlns:a16="http://schemas.microsoft.com/office/drawing/2014/main" id="{F299562B-BDD4-4191-A244-5A0D45C1E370}"/>
+              </a:ext>
+            </a:extLst>
+          </p:cNvPr>
+          <p:cNvSpPr>
+            <a:spLocks noGrp="1"/>
+          </p:cNvSpPr>
+          <p:nvPr>
+            <p:ph type="title"/>
+          </p:nvPr>
+        </p:nvSpPr>
+        <p:spPr/>
+        <p:txBody>
+          <a:bodyPr/>
+          <a:lstStyle/>
+          <a:p>
+            <a:endParaRPr kumimoji="1" lang="ja-JP" altLang="en-US"/>
+          </a:p>
+        </p:txBody>
+      </p:sp>
+      <p:sp>
+        <p:nvSpPr>
+          <p:cNvPr id="4" name="日付プレースホルダー 3">
+            <a:extLst>
+              <a:ext uri="{FF2B5EF4-FFF2-40B4-BE49-F238E27FC236}">
+                <a16:creationId xmlns:a16="http://schemas.microsoft.com/office/drawing/2014/main" id="{DE88C0DA-F7B2-4B78-BADD-A9E3EEF4B527}"/>
+              </a:ext>
+            </a:extLst>
+          </p:cNvPr>
+          <p:cNvSpPr>
+            <a:spLocks noGrp="1"/>
+          </p:cNvSpPr>
+          <p:nvPr>
+            <p:ph type="dt" sz="half" idx="10"/>
+          </p:nvPr>
+        </p:nvSpPr>
+        <p:spPr/>
+        <p:txBody>
+          <a:bodyPr/>
+          <a:lstStyle/>
+          <a:p>
+            <a:r>
+              <a:rPr kumimoji="1" lang="en-US" altLang="ja-JP"/>
+              <a:t>2020/9/11</a:t>
+            </a:r>
+            <a:endParaRPr kumimoji="1" lang="ja-JP" altLang="en-US"/>
+          </a:p>
+        </p:txBody>
+      </p:sp>
+      <p:sp>
+        <p:nvSpPr>
+          <p:cNvPr id="5" name="フッター プレースホルダー 4">
+            <a:extLst>
+              <a:ext uri="{FF2B5EF4-FFF2-40B4-BE49-F238E27FC236}">
+                <a16:creationId xmlns:a16="http://schemas.microsoft.com/office/drawing/2014/main" id="{07073C1B-AACC-45E8-B0BC-5E45B90BDB5B}"/>
+              </a:ext>
+            </a:extLst>
+          </p:cNvPr>
+          <p:cNvSpPr>
+            <a:spLocks noGrp="1"/>
+          </p:cNvSpPr>
+          <p:nvPr>
+            <p:ph type="ftr" sz="quarter" idx="11"/>
+          </p:nvPr>
+        </p:nvSpPr>
+        <p:spPr/>
+        <p:txBody>
+          <a:bodyPr/>
+          <a:lstStyle/>
+          <a:p>
+            <a:r>
+              <a:rPr kumimoji="1" lang="en-US" altLang="ja-JP"/>
+              <a:t>A</a:t>
+            </a:r>
+            <a:r>
+              <a:rPr kumimoji="1" lang="ja-JP" altLang="en-US"/>
+              <a:t>セメスタ説明会 </a:t>
+            </a:r>
+            <a:r>
+              <a:rPr kumimoji="1" lang="en-US" altLang="ja-JP"/>
+              <a:t>utelecon.github.io</a:t>
+            </a:r>
+            <a:endParaRPr kumimoji="1" lang="ja-JP" altLang="en-US"/>
+          </a:p>
+        </p:txBody>
+      </p:sp>
+      <p:sp>
+        <p:nvSpPr>
+          <p:cNvPr id="6" name="スライド番号プレースホルダー 5">
+            <a:extLst>
+              <a:ext uri="{FF2B5EF4-FFF2-40B4-BE49-F238E27FC236}">
+                <a16:creationId xmlns:a16="http://schemas.microsoft.com/office/drawing/2014/main" id="{8DD994DB-B8C9-43B0-BA43-7E92A50D5A81}"/>
+              </a:ext>
+            </a:extLst>
+          </p:cNvPr>
+          <p:cNvSpPr>
+            <a:spLocks noGrp="1"/>
+          </p:cNvSpPr>
+          <p:nvPr>
+            <p:ph type="sldNum" sz="quarter" idx="12"/>
+          </p:nvPr>
+        </p:nvSpPr>
+        <p:spPr/>
+        <p:txBody>
+          <a:bodyPr/>
+          <a:lstStyle/>
+          <a:p>
+            <a:fld id="{EDF77D8D-9987-453A-9A05-EB91CA595C68}" type="slidenum">
+              <a:rPr kumimoji="1" lang="ja-JP" altLang="en-US" smtClean="0"/>
+              <a:pPr/>
+              <a:t>11</a:t>
+            </a:fld>
+            <a:endParaRPr kumimoji="1" lang="ja-JP" altLang="en-US"/>
+          </a:p>
+        </p:txBody>
+      </p:sp>
+      <p:graphicFrame>
+        <p:nvGraphicFramePr>
+          <p:cNvPr id="10" name="表 10">
+            <a:extLst>
+              <a:ext uri="{FF2B5EF4-FFF2-40B4-BE49-F238E27FC236}">
+                <a16:creationId xmlns:a16="http://schemas.microsoft.com/office/drawing/2014/main" id="{24687996-0552-4AB0-91EF-E0D8337ABE95}"/>
+              </a:ext>
+            </a:extLst>
+          </p:cNvPr>
+          <p:cNvGraphicFramePr>
+            <a:graphicFrameLocks noGrp="1"/>
+          </p:cNvGraphicFramePr>
+          <p:nvPr>
+            <p:ph idx="1"/>
+            <p:extLst>
+              <p:ext uri="{D42A27DB-BD31-4B8C-83A1-F6EECF244321}">
+                <p14:modId xmlns:p14="http://schemas.microsoft.com/office/powerpoint/2010/main" val="549043633"/>
+              </p:ext>
+            </p:extLst>
+          </p:nvPr>
+        </p:nvGraphicFramePr>
+        <p:xfrm>
+          <a:off x="179512" y="1500188"/>
+          <a:ext cx="8784978" cy="2865120"/>
+        </p:xfrm>
+        <a:graphic>
+          <a:graphicData uri="http://schemas.openxmlformats.org/drawingml/2006/table">
+            <a:tbl>
+              <a:tblPr firstRow="1" bandRow="1">
+                <a:tableStyleId>{5C22544A-7EE6-4342-B048-85BDC9FD1C3A}</a:tableStyleId>
+              </a:tblPr>
+              <a:tblGrid>
+                <a:gridCol w="2470802">
+                  <a:extLst>
+                    <a:ext uri="{9D8B030D-6E8A-4147-A177-3AD203B41FA5}">
+                      <a16:colId xmlns:a16="http://schemas.microsoft.com/office/drawing/2014/main" val="3502619273"/>
+                    </a:ext>
+                  </a:extLst>
+                </a:gridCol>
+                <a:gridCol w="3305302">
+                  <a:extLst>
+                    <a:ext uri="{9D8B030D-6E8A-4147-A177-3AD203B41FA5}">
+                      <a16:colId xmlns:a16="http://schemas.microsoft.com/office/drawing/2014/main" val="1248363759"/>
+                    </a:ext>
+                  </a:extLst>
+                </a:gridCol>
+                <a:gridCol w="3008874">
+                  <a:extLst>
+                    <a:ext uri="{9D8B030D-6E8A-4147-A177-3AD203B41FA5}">
+                      <a16:colId xmlns:a16="http://schemas.microsoft.com/office/drawing/2014/main" val="1417132235"/>
+                    </a:ext>
+                  </a:extLst>
+                </a:gridCol>
+              </a:tblGrid>
+              <a:tr h="370840">
+                <a:tc>
+                  <a:txBody>
+                    <a:bodyPr/>
+                    <a:lstStyle/>
+                    <a:p>
+                      <a:endParaRPr kumimoji="1" lang="ja-JP" altLang="en-US"/>
+                    </a:p>
+                  </a:txBody>
+                  <a:tcPr/>
+                </a:tc>
+                <a:tc>
+                  <a:txBody>
+                    <a:bodyPr/>
+                    <a:lstStyle/>
+                    <a:p>
+                      <a:r>
+                        <a:rPr kumimoji="1" lang="en-US" altLang="ja-JP" dirty="0"/>
+                        <a:t>G</a:t>
+                      </a:r>
+                      <a:r>
+                        <a:rPr kumimoji="1" lang="ja-JP" altLang="en-US" dirty="0"/>
+                        <a:t>社</a:t>
+                      </a:r>
+                    </a:p>
+                  </a:txBody>
+                  <a:tcPr/>
+                </a:tc>
+                <a:tc>
+                  <a:txBody>
+                    <a:bodyPr/>
+                    <a:lstStyle/>
+                    <a:p>
+                      <a:r>
+                        <a:rPr kumimoji="1" lang="en-US" altLang="ja-JP" dirty="0"/>
+                        <a:t>M</a:t>
+                      </a:r>
+                      <a:r>
+                        <a:rPr kumimoji="1" lang="ja-JP" altLang="en-US" dirty="0"/>
+                        <a:t>社</a:t>
+                      </a:r>
+                    </a:p>
+                  </a:txBody>
+                  <a:tcPr/>
+                </a:tc>
+                <a:extLst>
+                  <a:ext uri="{0D108BD9-81ED-4DB2-BD59-A6C34878D82A}">
+                    <a16:rowId xmlns:a16="http://schemas.microsoft.com/office/drawing/2014/main" val="3261051779"/>
+                  </a:ext>
+                </a:extLst>
+              </a:tr>
+              <a:tr h="370840">
+                <a:tc>
+                  <a:txBody>
+                    <a:bodyPr/>
+                    <a:lstStyle/>
+                    <a:p>
+                      <a:r>
+                        <a:rPr kumimoji="1" lang="ja-JP" altLang="en-US" dirty="0"/>
+                        <a:t>ファイル共有</a:t>
+                      </a:r>
+                    </a:p>
+                  </a:txBody>
+                  <a:tcPr/>
+                </a:tc>
+                <a:tc>
+                  <a:txBody>
+                    <a:bodyPr/>
+                    <a:lstStyle/>
+                    <a:p>
+                      <a:r>
+                        <a:rPr kumimoji="1" lang="en-US" altLang="ja-JP" dirty="0"/>
+                        <a:t>Google Drive</a:t>
+                      </a:r>
+                      <a:endParaRPr kumimoji="1" lang="ja-JP" altLang="en-US" dirty="0"/>
+                    </a:p>
+                  </a:txBody>
+                  <a:tcPr/>
+                </a:tc>
+                <a:tc>
+                  <a:txBody>
+                    <a:bodyPr/>
+                    <a:lstStyle/>
+                    <a:p>
+                      <a:r>
+                        <a:rPr kumimoji="1" lang="en-US" altLang="ja-JP" dirty="0"/>
+                        <a:t>OneDrive</a:t>
+                      </a:r>
+                      <a:endParaRPr kumimoji="1" lang="ja-JP" altLang="en-US" dirty="0"/>
+                    </a:p>
+                  </a:txBody>
+                  <a:tcPr/>
+                </a:tc>
+                <a:extLst>
+                  <a:ext uri="{0D108BD9-81ED-4DB2-BD59-A6C34878D82A}">
+                    <a16:rowId xmlns:a16="http://schemas.microsoft.com/office/drawing/2014/main" val="1168393993"/>
+                  </a:ext>
+                </a:extLst>
+              </a:tr>
+              <a:tr h="370840">
+                <a:tc>
+                  <a:txBody>
+                    <a:bodyPr/>
+                    <a:lstStyle/>
+                    <a:p>
+                      <a:r>
+                        <a:rPr kumimoji="1" lang="ja-JP" altLang="en-US" dirty="0"/>
+                        <a:t>オフィス系ソフト</a:t>
+                      </a:r>
+                    </a:p>
+                  </a:txBody>
+                  <a:tcPr/>
+                </a:tc>
+                <a:tc>
+                  <a:txBody>
+                    <a:bodyPr/>
+                    <a:lstStyle/>
+                    <a:p>
+                      <a:r>
+                        <a:rPr kumimoji="1" lang="en-US" altLang="ja-JP" dirty="0"/>
+                        <a:t>Google</a:t>
+                      </a:r>
+                      <a:r>
+                        <a:rPr kumimoji="1" lang="ja-JP" altLang="en-US" dirty="0"/>
+                        <a:t>ドキュメント、スプレッドシート、スライド</a:t>
+                      </a:r>
+                    </a:p>
+                  </a:txBody>
+                  <a:tcPr/>
+                </a:tc>
+                <a:tc>
+                  <a:txBody>
+                    <a:bodyPr/>
+                    <a:lstStyle/>
+                    <a:p>
+                      <a:r>
+                        <a:rPr kumimoji="1" lang="en-US" altLang="ja-JP" dirty="0"/>
+                        <a:t>Word, Excel, PowerPoint</a:t>
+                      </a:r>
+                      <a:endParaRPr kumimoji="1" lang="ja-JP" altLang="en-US" dirty="0"/>
+                    </a:p>
+                  </a:txBody>
+                  <a:tcPr/>
+                </a:tc>
+                <a:extLst>
+                  <a:ext uri="{0D108BD9-81ED-4DB2-BD59-A6C34878D82A}">
+                    <a16:rowId xmlns:a16="http://schemas.microsoft.com/office/drawing/2014/main" val="4276310004"/>
+                  </a:ext>
+                </a:extLst>
+              </a:tr>
+              <a:tr h="370840">
+                <a:tc>
+                  <a:txBody>
+                    <a:bodyPr/>
+                    <a:lstStyle/>
+                    <a:p>
+                      <a:r>
+                        <a:rPr kumimoji="1" lang="en-US" altLang="ja-JP" dirty="0"/>
+                        <a:t>Web</a:t>
+                      </a:r>
+                      <a:r>
+                        <a:rPr kumimoji="1" lang="ja-JP" altLang="en-US" dirty="0"/>
+                        <a:t>会議</a:t>
+                      </a:r>
+                    </a:p>
+                  </a:txBody>
+                  <a:tcPr/>
+                </a:tc>
+                <a:tc>
+                  <a:txBody>
+                    <a:bodyPr/>
+                    <a:lstStyle/>
+                    <a:p>
+                      <a:r>
+                        <a:rPr kumimoji="1" lang="en-US" altLang="ja-JP" dirty="0"/>
+                        <a:t>Google Meet</a:t>
+                      </a:r>
+                      <a:endParaRPr kumimoji="1" lang="ja-JP" altLang="en-US" dirty="0"/>
+                    </a:p>
+                  </a:txBody>
+                  <a:tcPr/>
+                </a:tc>
+                <a:tc>
+                  <a:txBody>
+                    <a:bodyPr/>
+                    <a:lstStyle/>
+                    <a:p>
+                      <a:r>
+                        <a:rPr kumimoji="1" lang="en-US" altLang="ja-JP" dirty="0"/>
+                        <a:t>Teams</a:t>
+                      </a:r>
+                      <a:r>
+                        <a:rPr kumimoji="1" lang="ja-JP" altLang="en-US" dirty="0"/>
+                        <a:t>（教職員のみ）</a:t>
+                      </a:r>
+                    </a:p>
+                  </a:txBody>
+                  <a:tcPr/>
+                </a:tc>
+                <a:extLst>
+                  <a:ext uri="{0D108BD9-81ED-4DB2-BD59-A6C34878D82A}">
+                    <a16:rowId xmlns:a16="http://schemas.microsoft.com/office/drawing/2014/main" val="3957727634"/>
+                  </a:ext>
+                </a:extLst>
+              </a:tr>
+              <a:tr h="370840">
+                <a:tc>
+                  <a:txBody>
+                    <a:bodyPr/>
+                    <a:lstStyle/>
+                    <a:p>
+                      <a:r>
+                        <a:rPr kumimoji="1" lang="ja-JP" altLang="en-US" dirty="0"/>
+                        <a:t>アンケート・クイズ</a:t>
+                      </a:r>
+                    </a:p>
+                  </a:txBody>
+                  <a:tcPr/>
+                </a:tc>
+                <a:tc>
+                  <a:txBody>
+                    <a:bodyPr/>
+                    <a:lstStyle/>
+                    <a:p>
+                      <a:r>
+                        <a:rPr kumimoji="1" lang="en-US" altLang="ja-JP" dirty="0"/>
+                        <a:t>Google Form</a:t>
+                      </a:r>
+                      <a:endParaRPr kumimoji="1" lang="ja-JP" altLang="en-US" dirty="0"/>
+                    </a:p>
+                  </a:txBody>
+                  <a:tcPr/>
+                </a:tc>
+                <a:tc>
+                  <a:txBody>
+                    <a:bodyPr/>
+                    <a:lstStyle/>
+                    <a:p>
+                      <a:r>
+                        <a:rPr kumimoji="1" lang="en-US" altLang="ja-JP" dirty="0"/>
+                        <a:t>MS Forms</a:t>
+                      </a:r>
+                      <a:endParaRPr kumimoji="1" lang="ja-JP" altLang="en-US" dirty="0"/>
+                    </a:p>
+                  </a:txBody>
+                  <a:tcPr/>
+                </a:tc>
+                <a:extLst>
+                  <a:ext uri="{0D108BD9-81ED-4DB2-BD59-A6C34878D82A}">
+                    <a16:rowId xmlns:a16="http://schemas.microsoft.com/office/drawing/2014/main" val="193598984"/>
+                  </a:ext>
+                </a:extLst>
+              </a:tr>
+              <a:tr h="370840">
+                <a:tc>
+                  <a:txBody>
+                    <a:bodyPr/>
+                    <a:lstStyle/>
+                    <a:p>
+                      <a:r>
+                        <a:rPr kumimoji="1" lang="en-US" altLang="ja-JP" dirty="0"/>
+                        <a:t>LMS</a:t>
+                      </a:r>
+                      <a:r>
+                        <a:rPr kumimoji="1" lang="ja-JP" altLang="en-US" dirty="0"/>
+                        <a:t>相当機能</a:t>
+                      </a:r>
+                    </a:p>
+                  </a:txBody>
+                  <a:tcPr/>
+                </a:tc>
+                <a:tc>
+                  <a:txBody>
+                    <a:bodyPr/>
+                    <a:lstStyle/>
+                    <a:p>
+                      <a:r>
+                        <a:rPr kumimoji="1" lang="en-US" altLang="ja-JP" dirty="0"/>
+                        <a:t>Google Classroom</a:t>
+                      </a:r>
+                      <a:endParaRPr kumimoji="1" lang="ja-JP" altLang="en-US" dirty="0"/>
+                    </a:p>
+                  </a:txBody>
+                  <a:tcPr/>
+                </a:tc>
+                <a:tc>
+                  <a:txBody>
+                    <a:bodyPr/>
+                    <a:lstStyle/>
+                    <a:p>
+                      <a:r>
+                        <a:rPr kumimoji="1" lang="en-US" altLang="ja-JP" dirty="0"/>
+                        <a:t>Class Notebook</a:t>
+                      </a:r>
+                      <a:endParaRPr kumimoji="1" lang="ja-JP" altLang="en-US" dirty="0"/>
+                    </a:p>
+                  </a:txBody>
+                  <a:tcPr/>
+                </a:tc>
+                <a:extLst>
+                  <a:ext uri="{0D108BD9-81ED-4DB2-BD59-A6C34878D82A}">
+                    <a16:rowId xmlns:a16="http://schemas.microsoft.com/office/drawing/2014/main" val="438228984"/>
+                  </a:ext>
+                </a:extLst>
+              </a:tr>
+              <a:tr h="370840">
+                <a:tc>
+                  <a:txBody>
+                    <a:bodyPr/>
+                    <a:lstStyle/>
+                    <a:p>
+                      <a:r>
+                        <a:rPr kumimoji="1" lang="ja-JP" altLang="en-US" dirty="0"/>
+                        <a:t>本学アカウント</a:t>
+                      </a:r>
+                    </a:p>
+                  </a:txBody>
+                  <a:tcPr/>
+                </a:tc>
+                <a:tc>
+                  <a:txBody>
+                    <a:bodyPr/>
+                    <a:lstStyle/>
+                    <a:p>
+                      <a:r>
+                        <a:rPr kumimoji="1" lang="ja-JP" altLang="en-US" dirty="0"/>
+                        <a:t>文字列</a:t>
+                      </a:r>
+                      <a:r>
+                        <a:rPr kumimoji="1" lang="en-US" altLang="ja-JP" dirty="0"/>
+                        <a:t>@g.ecc.u-tokyo.ac.jp</a:t>
+                      </a:r>
+                      <a:endParaRPr kumimoji="1" lang="ja-JP" altLang="en-US" dirty="0"/>
+                    </a:p>
+                  </a:txBody>
+                  <a:tcPr/>
+                </a:tc>
+                <a:tc>
+                  <a:txBody>
+                    <a:bodyPr/>
+                    <a:lstStyle/>
+                    <a:p>
+                      <a:r>
+                        <a:rPr kumimoji="1" lang="en-US" altLang="ja-JP" dirty="0"/>
+                        <a:t>10</a:t>
+                      </a:r>
+                      <a:r>
+                        <a:rPr kumimoji="1" lang="ja-JP" altLang="en-US" dirty="0"/>
+                        <a:t>桁</a:t>
+                      </a:r>
+                      <a:r>
+                        <a:rPr kumimoji="1" lang="en-US" altLang="ja-JP" dirty="0"/>
+                        <a:t>@utac.u-tokyo.ac.jp</a:t>
+                      </a:r>
+                      <a:endParaRPr kumimoji="1" lang="ja-JP" altLang="en-US" dirty="0"/>
+                    </a:p>
+                  </a:txBody>
+                  <a:tcPr/>
+                </a:tc>
+                <a:extLst>
+                  <a:ext uri="{0D108BD9-81ED-4DB2-BD59-A6C34878D82A}">
+                    <a16:rowId xmlns:a16="http://schemas.microsoft.com/office/drawing/2014/main" val="1056618288"/>
+                  </a:ext>
+                </a:extLst>
+              </a:tr>
+            </a:tbl>
+          </a:graphicData>
+        </a:graphic>
+      </p:graphicFrame>
+    </p:spTree>
+    <p:extLst>
+      <p:ext uri="{BB962C8B-B14F-4D97-AF65-F5344CB8AC3E}">
+        <p14:creationId xmlns:p14="http://schemas.microsoft.com/office/powerpoint/2010/main" val="3566069528"/>
+      </p:ext>
+    </p:extLst>
+  </p:cSld>
+  <p:clrMapOvr>
+    <a:masterClrMapping/>
+  </p:clrMapOvr>
+</p:sld>
+</file>
+
+<file path=ppt/slides/slide12.xml><?xml version="1.0" encoding="utf-8"?>
+<p:sld xmlns:a="http://schemas.openxmlformats.org/drawingml/2006/main" xmlns:r="http://schemas.openxmlformats.org/officeDocument/2006/relationships" xmlns:p="http://schemas.openxmlformats.org/presentationml/2006/main">
+  <p:cSld>
+    <p:spTree>
+      <p:nvGrpSpPr>
+        <p:cNvPr id="1" name=""/>
+        <p:cNvGrpSpPr/>
+        <p:nvPr/>
+      </p:nvGrpSpPr>
+      <p:grpSpPr>
+        <a:xfrm>
+          <a:off x="0" y="0"/>
+          <a:ext cx="0" cy="0"/>
+          <a:chOff x="0" y="0"/>
+          <a:chExt cx="0" cy="0"/>
+        </a:xfrm>
+      </p:grpSpPr>
+      <p:sp>
+        <p:nvSpPr>
+          <p:cNvPr id="2" name="タイトル 1">
+            <a:extLst>
+              <a:ext uri="{FF2B5EF4-FFF2-40B4-BE49-F238E27FC236}">
+                <a16:creationId xmlns:a16="http://schemas.microsoft.com/office/drawing/2014/main" id="{60092DBE-063A-4AE0-B776-354A1D5D8556}"/>
+              </a:ext>
+            </a:extLst>
+          </p:cNvPr>
+          <p:cNvSpPr>
+            <a:spLocks noGrp="1"/>
+          </p:cNvSpPr>
+          <p:nvPr>
+            <p:ph type="title"/>
+          </p:nvPr>
+        </p:nvSpPr>
+        <p:spPr/>
+        <p:txBody>
+          <a:bodyPr>
+            <a:normAutofit/>
+          </a:bodyPr>
+          <a:lstStyle/>
+          <a:p>
+            <a:r>
+              <a:rPr lang="ja-JP" altLang="en-US" dirty="0"/>
+              <a:t>夏学期当初からのサービス変更</a:t>
+            </a:r>
+            <a:endParaRPr kumimoji="1" lang="ja-JP" altLang="en-US" dirty="0"/>
+          </a:p>
+        </p:txBody>
+      </p:sp>
+      <p:sp>
+        <p:nvSpPr>
+          <p:cNvPr id="3" name="コンテンツ プレースホルダー 2">
+            <a:extLst>
+              <a:ext uri="{FF2B5EF4-FFF2-40B4-BE49-F238E27FC236}">
+                <a16:creationId xmlns:a16="http://schemas.microsoft.com/office/drawing/2014/main" id="{4512CE2D-2642-4718-9821-6F5366DD36CD}"/>
+              </a:ext>
+            </a:extLst>
+          </p:cNvPr>
+          <p:cNvSpPr>
+            <a:spLocks noGrp="1"/>
+          </p:cNvSpPr>
+          <p:nvPr>
+            <p:ph idx="1"/>
+          </p:nvPr>
+        </p:nvSpPr>
+        <p:spPr/>
+        <p:txBody>
+          <a:bodyPr/>
+          <a:lstStyle/>
+          <a:p>
+            <a:r>
+              <a:rPr lang="en-US" altLang="ja-JP" dirty="0"/>
+              <a:t>Microsoft One Drive</a:t>
+            </a:r>
+            <a:r>
+              <a:rPr lang="ja-JP" altLang="en-US" dirty="0"/>
+              <a:t>で組織外とのファイル共有を可能にしました</a:t>
+            </a:r>
+            <a:endParaRPr lang="en-US" altLang="ja-JP" dirty="0"/>
+          </a:p>
+          <a:p>
+            <a:r>
+              <a:rPr kumimoji="1" lang="ja-JP" altLang="en-US" dirty="0"/>
+              <a:t>それにともない</a:t>
+            </a:r>
+            <a:r>
+              <a:rPr kumimoji="1" lang="en-US" altLang="ja-JP" dirty="0"/>
+              <a:t>Microsoft One Drive</a:t>
+            </a:r>
+            <a:r>
+              <a:rPr kumimoji="1" lang="ja-JP" altLang="en-US" dirty="0"/>
+              <a:t>で「ファイルのアップロード」機能が有効になりました</a:t>
+            </a:r>
+            <a:endParaRPr kumimoji="1" lang="en-US" altLang="ja-JP" dirty="0"/>
+          </a:p>
+          <a:p>
+            <a:pPr lvl="1"/>
+            <a:r>
+              <a:rPr kumimoji="1" lang="ja-JP" altLang="en-US" dirty="0"/>
+              <a:t>組織外の人（</a:t>
+            </a:r>
+            <a:r>
+              <a:rPr kumimoji="1" lang="en-US" altLang="ja-JP" dirty="0"/>
+              <a:t>e.g., </a:t>
+            </a:r>
+            <a:r>
+              <a:rPr kumimoji="1" lang="ja-JP" altLang="en-US" dirty="0"/>
+              <a:t>受験生）からの答案回収</a:t>
+            </a:r>
+            <a:endParaRPr kumimoji="1" lang="en-US" altLang="ja-JP" dirty="0"/>
+          </a:p>
+          <a:p>
+            <a:r>
+              <a:rPr lang="en-US" altLang="ja-JP" dirty="0"/>
+              <a:t>Teams</a:t>
+            </a:r>
+            <a:r>
+              <a:rPr lang="ja-JP" altLang="en-US" dirty="0"/>
+              <a:t>を有効にしました</a:t>
+            </a:r>
+            <a:endParaRPr lang="en-US" altLang="ja-JP" dirty="0"/>
+          </a:p>
+          <a:p>
+            <a:pPr lvl="1"/>
+            <a:r>
+              <a:rPr lang="ja-JP" altLang="en-US" dirty="0"/>
+              <a:t>少しは使い方言いたい</a:t>
+            </a:r>
+            <a:endParaRPr kumimoji="1" lang="ja-JP" altLang="en-US" dirty="0"/>
+          </a:p>
+        </p:txBody>
+      </p:sp>
+      <p:sp>
+        <p:nvSpPr>
+          <p:cNvPr id="4" name="日付プレースホルダー 3">
+            <a:extLst>
+              <a:ext uri="{FF2B5EF4-FFF2-40B4-BE49-F238E27FC236}">
+                <a16:creationId xmlns:a16="http://schemas.microsoft.com/office/drawing/2014/main" id="{C172FBE9-55AD-493A-B9A9-1885969AF2DE}"/>
+              </a:ext>
+            </a:extLst>
+          </p:cNvPr>
+          <p:cNvSpPr>
+            <a:spLocks noGrp="1"/>
+          </p:cNvSpPr>
+          <p:nvPr>
+            <p:ph type="dt" sz="half" idx="10"/>
+          </p:nvPr>
+        </p:nvSpPr>
+        <p:spPr/>
+        <p:txBody>
+          <a:bodyPr/>
+          <a:lstStyle/>
+          <a:p>
+            <a:r>
+              <a:rPr kumimoji="1" lang="en-US" altLang="ja-JP"/>
+              <a:t>2020/9/11</a:t>
+            </a:r>
+            <a:endParaRPr kumimoji="1" lang="ja-JP" altLang="en-US"/>
+          </a:p>
+        </p:txBody>
+      </p:sp>
+      <p:sp>
+        <p:nvSpPr>
+          <p:cNvPr id="5" name="フッター プレースホルダー 4">
+            <a:extLst>
+              <a:ext uri="{FF2B5EF4-FFF2-40B4-BE49-F238E27FC236}">
+                <a16:creationId xmlns:a16="http://schemas.microsoft.com/office/drawing/2014/main" id="{5EFCC321-4779-41B7-9148-2AC290E298DF}"/>
+              </a:ext>
+            </a:extLst>
+          </p:cNvPr>
+          <p:cNvSpPr>
+            <a:spLocks noGrp="1"/>
+          </p:cNvSpPr>
+          <p:nvPr>
+            <p:ph type="ftr" sz="quarter" idx="11"/>
+          </p:nvPr>
+        </p:nvSpPr>
+        <p:spPr/>
+        <p:txBody>
+          <a:bodyPr/>
+          <a:lstStyle/>
+          <a:p>
+            <a:r>
+              <a:rPr kumimoji="1" lang="en-US" altLang="ja-JP"/>
+              <a:t>A</a:t>
+            </a:r>
+            <a:r>
+              <a:rPr kumimoji="1" lang="ja-JP" altLang="en-US"/>
+              <a:t>セメスタ説明会 </a:t>
+            </a:r>
+            <a:r>
+              <a:rPr kumimoji="1" lang="en-US" altLang="ja-JP"/>
+              <a:t>utelecon.github.io</a:t>
+            </a:r>
+            <a:endParaRPr kumimoji="1" lang="ja-JP" altLang="en-US"/>
+          </a:p>
+        </p:txBody>
+      </p:sp>
+      <p:sp>
+        <p:nvSpPr>
+          <p:cNvPr id="6" name="スライド番号プレースホルダー 5">
+            <a:extLst>
+              <a:ext uri="{FF2B5EF4-FFF2-40B4-BE49-F238E27FC236}">
+                <a16:creationId xmlns:a16="http://schemas.microsoft.com/office/drawing/2014/main" id="{6200E8FB-DFE4-4B9F-A26A-C80C862C3008}"/>
+              </a:ext>
+            </a:extLst>
+          </p:cNvPr>
+          <p:cNvSpPr>
+            <a:spLocks noGrp="1"/>
+          </p:cNvSpPr>
+          <p:nvPr>
+            <p:ph type="sldNum" sz="quarter" idx="12"/>
+          </p:nvPr>
+        </p:nvSpPr>
+        <p:spPr/>
+        <p:txBody>
+          <a:bodyPr/>
+          <a:lstStyle/>
+          <a:p>
+            <a:fld id="{EDF77D8D-9987-453A-9A05-EB91CA595C68}" type="slidenum">
+              <a:rPr kumimoji="1" lang="ja-JP" altLang="en-US" smtClean="0"/>
+              <a:pPr/>
+              <a:t>12</a:t>
+            </a:fld>
+            <a:endParaRPr kumimoji="1" lang="ja-JP" altLang="en-US"/>
+          </a:p>
+        </p:txBody>
+      </p:sp>
+      <p:sp>
+        <p:nvSpPr>
+          <p:cNvPr id="8" name="正方形/長方形 7">
+            <a:extLst>
+              <a:ext uri="{FF2B5EF4-FFF2-40B4-BE49-F238E27FC236}">
+                <a16:creationId xmlns:a16="http://schemas.microsoft.com/office/drawing/2014/main" id="{D926C0FE-E5A7-40F7-98B9-F38157B35574}"/>
+              </a:ext>
+            </a:extLst>
+          </p:cNvPr>
+          <p:cNvSpPr/>
+          <p:nvPr/>
+        </p:nvSpPr>
+        <p:spPr>
+          <a:xfrm rot="20613984">
+            <a:off x="-181804" y="50601"/>
+            <a:ext cx="2958620" cy="360040"/>
+          </a:xfrm>
+          <a:prstGeom prst="rect">
+            <a:avLst/>
+          </a:prstGeom>
+        </p:spPr>
+        <p:style>
+          <a:lnRef idx="2">
+            <a:schemeClr val="accent1">
+              <a:shade val="50000"/>
+            </a:schemeClr>
+          </a:lnRef>
+          <a:fillRef idx="1">
+            <a:schemeClr val="accent1"/>
+          </a:fillRef>
+          <a:effectRef idx="0">
+            <a:schemeClr val="accent1"/>
+          </a:effectRef>
+          <a:fontRef idx="minor">
+            <a:schemeClr val="lt1"/>
+          </a:fontRef>
+        </p:style>
+        <p:txBody>
+          <a:bodyPr rtlCol="0" anchor="ctr"/>
+          <a:lstStyle/>
+          <a:p>
+            <a:pPr algn="ctr"/>
+            <a:r>
+              <a:rPr lang="en-US" altLang="ja-JP" dirty="0"/>
+              <a:t>S </a:t>
+            </a:r>
+            <a:r>
+              <a:rPr lang="en-US" altLang="ja-JP" dirty="0">
+                <a:sym typeface="Symbol" panose="05050102010706020507" pitchFamily="18" charset="2"/>
+              </a:rPr>
+              <a:t> </a:t>
+            </a:r>
+            <a:r>
+              <a:rPr lang="en-US" altLang="ja-JP" dirty="0"/>
+              <a:t>A</a:t>
+            </a:r>
+            <a:endParaRPr kumimoji="1" lang="ja-JP" altLang="en-US" dirty="0"/>
+          </a:p>
+        </p:txBody>
+      </p:sp>
+    </p:spTree>
+    <p:extLst>
+      <p:ext uri="{BB962C8B-B14F-4D97-AF65-F5344CB8AC3E}">
+        <p14:creationId xmlns:p14="http://schemas.microsoft.com/office/powerpoint/2010/main" val="1069505466"/>
+      </p:ext>
+    </p:extLst>
+  </p:cSld>
+  <p:clrMapOvr>
+    <a:masterClrMapping/>
+  </p:clrMapOvr>
+</p:sld>
+</file>
+
+<file path=ppt/slides/slide13.xml><?xml version="1.0" encoding="utf-8"?>
+<p:sld xmlns:a="http://schemas.openxmlformats.org/drawingml/2006/main" xmlns:r="http://schemas.openxmlformats.org/officeDocument/2006/relationships" xmlns:p="http://schemas.openxmlformats.org/presentationml/2006/main">
+  <p:cSld>
+    <p:spTree>
+      <p:nvGrpSpPr>
+        <p:cNvPr id="1" name=""/>
+        <p:cNvGrpSpPr/>
+        <p:nvPr/>
+      </p:nvGrpSpPr>
+      <p:grpSpPr>
+        <a:xfrm>
+          <a:off x="0" y="0"/>
+          <a:ext cx="0" cy="0"/>
+          <a:chOff x="0" y="0"/>
+          <a:chExt cx="0" cy="0"/>
+        </a:xfrm>
+      </p:grpSpPr>
+      <p:sp>
+        <p:nvSpPr>
+          <p:cNvPr id="2" name="タイトル 1">
+            <a:extLst>
+              <a:ext uri="{FF2B5EF4-FFF2-40B4-BE49-F238E27FC236}">
+                <a16:creationId xmlns:a16="http://schemas.microsoft.com/office/drawing/2014/main" id="{2DC2A653-7C57-4A33-88AC-52393F12EB02}"/>
+              </a:ext>
+            </a:extLst>
+          </p:cNvPr>
+          <p:cNvSpPr>
+            <a:spLocks noGrp="1"/>
+          </p:cNvSpPr>
+          <p:nvPr>
+            <p:ph type="title"/>
+          </p:nvPr>
+        </p:nvSpPr>
+        <p:spPr/>
+        <p:txBody>
+          <a:bodyPr/>
+          <a:lstStyle/>
+          <a:p>
+            <a:r>
+              <a:rPr kumimoji="1" lang="en-US" altLang="ja-JP" dirty="0"/>
+              <a:t>Web</a:t>
+            </a:r>
+            <a:r>
+              <a:rPr kumimoji="1" lang="ja-JP" altLang="en-US" dirty="0"/>
+              <a:t>会議システム</a:t>
+            </a:r>
+          </a:p>
+        </p:txBody>
+      </p:sp>
+      <p:sp>
+        <p:nvSpPr>
+          <p:cNvPr id="3" name="コンテンツ プレースホルダー 2">
+            <a:extLst>
+              <a:ext uri="{FF2B5EF4-FFF2-40B4-BE49-F238E27FC236}">
+                <a16:creationId xmlns:a16="http://schemas.microsoft.com/office/drawing/2014/main" id="{9CB73C36-65C7-41AC-AC2A-C1710F3839CD}"/>
+              </a:ext>
+            </a:extLst>
+          </p:cNvPr>
+          <p:cNvSpPr>
+            <a:spLocks noGrp="1"/>
+          </p:cNvSpPr>
+          <p:nvPr>
+            <p:ph idx="1"/>
+          </p:nvPr>
+        </p:nvSpPr>
+        <p:spPr/>
+        <p:txBody>
+          <a:bodyPr/>
+          <a:lstStyle/>
+          <a:p>
+            <a:r>
+              <a:rPr kumimoji="1" lang="en-US" altLang="ja-JP" dirty="0"/>
+              <a:t>Zoom</a:t>
+            </a:r>
+          </a:p>
+          <a:p>
+            <a:r>
+              <a:rPr lang="en-US" altLang="ja-JP" dirty="0"/>
+              <a:t>WebEx</a:t>
+            </a:r>
+          </a:p>
+          <a:p>
+            <a:r>
+              <a:rPr kumimoji="1" lang="en-US" altLang="ja-JP" dirty="0"/>
+              <a:t>Google Meet</a:t>
+            </a:r>
+          </a:p>
+          <a:p>
+            <a:r>
+              <a:rPr lang="en-US" altLang="ja-JP" dirty="0"/>
+              <a:t>Teams</a:t>
+            </a:r>
+          </a:p>
+          <a:p>
+            <a:r>
+              <a:rPr lang="en-US" altLang="ja-JP" dirty="0"/>
+              <a:t>Zoom</a:t>
+            </a:r>
+            <a:r>
+              <a:rPr lang="ja-JP" altLang="en-US" dirty="0"/>
+              <a:t>の授業での使い方、ポイントについては</a:t>
+            </a:r>
+            <a:r>
+              <a:rPr lang="en-US" altLang="ja-JP" dirty="0"/>
+              <a:t>Chapter 4</a:t>
+            </a:r>
+            <a:r>
+              <a:rPr lang="ja-JP" altLang="en-US" dirty="0"/>
+              <a:t>で説明</a:t>
+            </a:r>
+            <a:endParaRPr lang="en-US" altLang="ja-JP" dirty="0"/>
+          </a:p>
+        </p:txBody>
+      </p:sp>
+      <p:sp>
+        <p:nvSpPr>
+          <p:cNvPr id="4" name="日付プレースホルダー 3">
+            <a:extLst>
+              <a:ext uri="{FF2B5EF4-FFF2-40B4-BE49-F238E27FC236}">
+                <a16:creationId xmlns:a16="http://schemas.microsoft.com/office/drawing/2014/main" id="{DF30F974-22D7-4B7D-9B11-BFC81DF49748}"/>
+              </a:ext>
+            </a:extLst>
+          </p:cNvPr>
+          <p:cNvSpPr>
+            <a:spLocks noGrp="1"/>
+          </p:cNvSpPr>
+          <p:nvPr>
+            <p:ph type="dt" sz="half" idx="10"/>
+          </p:nvPr>
+        </p:nvSpPr>
+        <p:spPr/>
+        <p:txBody>
+          <a:bodyPr/>
+          <a:lstStyle/>
+          <a:p>
+            <a:r>
+              <a:rPr kumimoji="1" lang="en-US" altLang="ja-JP"/>
+              <a:t>2020/9/11</a:t>
+            </a:r>
+            <a:endParaRPr kumimoji="1" lang="ja-JP" altLang="en-US"/>
+          </a:p>
+        </p:txBody>
+      </p:sp>
+      <p:sp>
+        <p:nvSpPr>
+          <p:cNvPr id="5" name="フッター プレースホルダー 4">
+            <a:extLst>
+              <a:ext uri="{FF2B5EF4-FFF2-40B4-BE49-F238E27FC236}">
+                <a16:creationId xmlns:a16="http://schemas.microsoft.com/office/drawing/2014/main" id="{72182DF3-BC65-44D1-AADB-9D796F4665D8}"/>
+              </a:ext>
+            </a:extLst>
+          </p:cNvPr>
+          <p:cNvSpPr>
+            <a:spLocks noGrp="1"/>
+          </p:cNvSpPr>
+          <p:nvPr>
+            <p:ph type="ftr" sz="quarter" idx="11"/>
+          </p:nvPr>
+        </p:nvSpPr>
+        <p:spPr/>
+        <p:txBody>
+          <a:bodyPr/>
+          <a:lstStyle/>
+          <a:p>
+            <a:r>
+              <a:rPr kumimoji="1" lang="en-US" altLang="ja-JP"/>
+              <a:t>A</a:t>
+            </a:r>
+            <a:r>
+              <a:rPr kumimoji="1" lang="ja-JP" altLang="en-US"/>
+              <a:t>セメスタ説明会 </a:t>
+            </a:r>
+            <a:r>
+              <a:rPr kumimoji="1" lang="en-US" altLang="ja-JP"/>
+              <a:t>utelecon.github.io</a:t>
+            </a:r>
+            <a:endParaRPr kumimoji="1" lang="ja-JP" altLang="en-US"/>
+          </a:p>
+        </p:txBody>
+      </p:sp>
+      <p:sp>
+        <p:nvSpPr>
+          <p:cNvPr id="6" name="スライド番号プレースホルダー 5">
+            <a:extLst>
+              <a:ext uri="{FF2B5EF4-FFF2-40B4-BE49-F238E27FC236}">
+                <a16:creationId xmlns:a16="http://schemas.microsoft.com/office/drawing/2014/main" id="{13C338E4-A3DE-4BCD-B685-2052B292EE5A}"/>
+              </a:ext>
+            </a:extLst>
+          </p:cNvPr>
+          <p:cNvSpPr>
+            <a:spLocks noGrp="1"/>
+          </p:cNvSpPr>
+          <p:nvPr>
+            <p:ph type="sldNum" sz="quarter" idx="12"/>
+          </p:nvPr>
+        </p:nvSpPr>
+        <p:spPr/>
+        <p:txBody>
+          <a:bodyPr/>
+          <a:lstStyle/>
+          <a:p>
+            <a:fld id="{EDF77D8D-9987-453A-9A05-EB91CA595C68}" type="slidenum">
+              <a:rPr kumimoji="1" lang="ja-JP" altLang="en-US" smtClean="0"/>
+              <a:pPr/>
+              <a:t>13</a:t>
+            </a:fld>
+            <a:endParaRPr kumimoji="1" lang="ja-JP" altLang="en-US"/>
+          </a:p>
+        </p:txBody>
+      </p:sp>
+    </p:spTree>
+    <p:extLst>
+      <p:ext uri="{BB962C8B-B14F-4D97-AF65-F5344CB8AC3E}">
+        <p14:creationId xmlns:p14="http://schemas.microsoft.com/office/powerpoint/2010/main" val="3909624256"/>
+      </p:ext>
+    </p:extLst>
+  </p:cSld>
+  <p:clrMapOvr>
+    <a:masterClrMapping/>
+  </p:clrMapOvr>
+</p:sld>
+</file>
+
+<file path=ppt/slides/slide14.xml><?xml version="1.0" encoding="utf-8"?>
+<p:sld xmlns:a="http://schemas.openxmlformats.org/drawingml/2006/main" xmlns:r="http://schemas.openxmlformats.org/officeDocument/2006/relationships" xmlns:p="http://schemas.openxmlformats.org/presentationml/2006/main">
+  <p:cSld>
+    <p:spTree>
+      <p:nvGrpSpPr>
+        <p:cNvPr id="1" name=""/>
+        <p:cNvGrpSpPr/>
+        <p:nvPr/>
+      </p:nvGrpSpPr>
+      <p:grpSpPr>
+        <a:xfrm>
+          <a:off x="0" y="0"/>
+          <a:ext cx="0" cy="0"/>
+          <a:chOff x="0" y="0"/>
+          <a:chExt cx="0" cy="0"/>
+        </a:xfrm>
+      </p:grpSpPr>
+      <p:sp>
+        <p:nvSpPr>
+          <p:cNvPr id="2" name="タイトル 1">
+            <a:extLst>
+              <a:ext uri="{FF2B5EF4-FFF2-40B4-BE49-F238E27FC236}">
+                <a16:creationId xmlns:a16="http://schemas.microsoft.com/office/drawing/2014/main" id="{110342B6-6AB6-4F98-A4B0-8B1A2F483853}"/>
+              </a:ext>
+            </a:extLst>
+          </p:cNvPr>
+          <p:cNvSpPr>
+            <a:spLocks noGrp="1"/>
+          </p:cNvSpPr>
+          <p:nvPr>
+            <p:ph type="title"/>
+          </p:nvPr>
+        </p:nvSpPr>
+        <p:spPr/>
+        <p:txBody>
+          <a:bodyPr>
+            <a:normAutofit/>
+          </a:bodyPr>
+          <a:lstStyle/>
+          <a:p>
+            <a:r>
+              <a:rPr kumimoji="1" lang="en-US" altLang="ja-JP" dirty="0"/>
+              <a:t>Zoom</a:t>
+            </a:r>
+            <a:r>
+              <a:rPr kumimoji="1" lang="ja-JP" altLang="en-US" dirty="0"/>
+              <a:t>アカウント</a:t>
+            </a:r>
+          </a:p>
+        </p:txBody>
+      </p:sp>
+      <p:sp>
+        <p:nvSpPr>
+          <p:cNvPr id="3" name="コンテンツ プレースホルダー 2">
+            <a:extLst>
+              <a:ext uri="{FF2B5EF4-FFF2-40B4-BE49-F238E27FC236}">
+                <a16:creationId xmlns:a16="http://schemas.microsoft.com/office/drawing/2014/main" id="{A6248F2F-A962-47CE-89CE-AAA50DC7EFC8}"/>
+              </a:ext>
+            </a:extLst>
+          </p:cNvPr>
+          <p:cNvSpPr>
+            <a:spLocks noGrp="1"/>
+          </p:cNvSpPr>
+          <p:nvPr>
+            <p:ph idx="1"/>
+          </p:nvPr>
+        </p:nvSpPr>
+        <p:spPr/>
+        <p:txBody>
+          <a:bodyPr/>
+          <a:lstStyle/>
+          <a:p>
+            <a:r>
+              <a:rPr kumimoji="1" lang="en-US" altLang="ja-JP" dirty="0"/>
+              <a:t>Zoom</a:t>
+            </a:r>
+            <a:r>
+              <a:rPr kumimoji="1" lang="ja-JP" altLang="en-US" dirty="0"/>
+              <a:t>アカウント</a:t>
+            </a:r>
+            <a:endParaRPr kumimoji="1" lang="en-US" altLang="ja-JP" dirty="0"/>
+          </a:p>
+          <a:p>
+            <a:pPr lvl="1"/>
+            <a:r>
+              <a:rPr lang="ja-JP" altLang="en-US" dirty="0"/>
+              <a:t>まだ持ってない人へ作り方の説明かるく</a:t>
+            </a:r>
+            <a:endParaRPr lang="en-US" altLang="ja-JP" dirty="0"/>
+          </a:p>
+        </p:txBody>
+      </p:sp>
+      <p:sp>
+        <p:nvSpPr>
+          <p:cNvPr id="4" name="日付プレースホルダー 3">
+            <a:extLst>
+              <a:ext uri="{FF2B5EF4-FFF2-40B4-BE49-F238E27FC236}">
+                <a16:creationId xmlns:a16="http://schemas.microsoft.com/office/drawing/2014/main" id="{193314F2-AEF6-42DF-AE05-860E972D3CDB}"/>
+              </a:ext>
+            </a:extLst>
+          </p:cNvPr>
+          <p:cNvSpPr>
+            <a:spLocks noGrp="1"/>
+          </p:cNvSpPr>
+          <p:nvPr>
+            <p:ph type="dt" sz="half" idx="10"/>
+          </p:nvPr>
+        </p:nvSpPr>
+        <p:spPr/>
+        <p:txBody>
+          <a:bodyPr/>
+          <a:lstStyle/>
+          <a:p>
+            <a:r>
+              <a:rPr kumimoji="1" lang="en-US" altLang="ja-JP"/>
+              <a:t>2020/9/11</a:t>
+            </a:r>
+            <a:endParaRPr kumimoji="1" lang="ja-JP" altLang="en-US"/>
+          </a:p>
+        </p:txBody>
+      </p:sp>
+      <p:sp>
+        <p:nvSpPr>
+          <p:cNvPr id="5" name="フッター プレースホルダー 4">
+            <a:extLst>
+              <a:ext uri="{FF2B5EF4-FFF2-40B4-BE49-F238E27FC236}">
+                <a16:creationId xmlns:a16="http://schemas.microsoft.com/office/drawing/2014/main" id="{8EE06213-3EAB-44BE-81C7-9071C16B1AF6}"/>
+              </a:ext>
+            </a:extLst>
+          </p:cNvPr>
+          <p:cNvSpPr>
+            <a:spLocks noGrp="1"/>
+          </p:cNvSpPr>
+          <p:nvPr>
+            <p:ph type="ftr" sz="quarter" idx="11"/>
+          </p:nvPr>
+        </p:nvSpPr>
+        <p:spPr/>
+        <p:txBody>
+          <a:bodyPr/>
+          <a:lstStyle/>
+          <a:p>
+            <a:r>
+              <a:rPr kumimoji="1" lang="en-US" altLang="ja-JP"/>
+              <a:t>A</a:t>
+            </a:r>
+            <a:r>
+              <a:rPr kumimoji="1" lang="ja-JP" altLang="en-US"/>
+              <a:t>セメスタ説明会 </a:t>
+            </a:r>
+            <a:r>
+              <a:rPr kumimoji="1" lang="en-US" altLang="ja-JP"/>
+              <a:t>utelecon.github.io</a:t>
+            </a:r>
+            <a:endParaRPr kumimoji="1" lang="ja-JP" altLang="en-US"/>
+          </a:p>
+        </p:txBody>
+      </p:sp>
+      <p:sp>
+        <p:nvSpPr>
+          <p:cNvPr id="6" name="スライド番号プレースホルダー 5">
+            <a:extLst>
+              <a:ext uri="{FF2B5EF4-FFF2-40B4-BE49-F238E27FC236}">
+                <a16:creationId xmlns:a16="http://schemas.microsoft.com/office/drawing/2014/main" id="{786245DD-AB69-4F71-ACE3-DEF66898AB9D}"/>
+              </a:ext>
+            </a:extLst>
+          </p:cNvPr>
+          <p:cNvSpPr>
+            <a:spLocks noGrp="1"/>
+          </p:cNvSpPr>
+          <p:nvPr>
+            <p:ph type="sldNum" sz="quarter" idx="12"/>
+          </p:nvPr>
+        </p:nvSpPr>
+        <p:spPr/>
+        <p:txBody>
+          <a:bodyPr/>
+          <a:lstStyle/>
+          <a:p>
+            <a:fld id="{EDF77D8D-9987-453A-9A05-EB91CA595C68}" type="slidenum">
+              <a:rPr kumimoji="1" lang="ja-JP" altLang="en-US" smtClean="0"/>
+              <a:pPr/>
+              <a:t>14</a:t>
+            </a:fld>
+            <a:endParaRPr kumimoji="1" lang="ja-JP" altLang="en-US"/>
+          </a:p>
+        </p:txBody>
+      </p:sp>
+    </p:spTree>
+    <p:extLst>
+      <p:ext uri="{BB962C8B-B14F-4D97-AF65-F5344CB8AC3E}">
+        <p14:creationId xmlns:p14="http://schemas.microsoft.com/office/powerpoint/2010/main" val="2401861477"/>
+      </p:ext>
+    </p:extLst>
+  </p:cSld>
+  <p:clrMapOvr>
+    <a:masterClrMapping/>
+  </p:clrMapOvr>
+</p:sld>
+</file>
+
+<file path=ppt/slides/slide15.xml><?xml version="1.0" encoding="utf-8"?>
+<p:sld xmlns:a="http://schemas.openxmlformats.org/drawingml/2006/main" xmlns:r="http://schemas.openxmlformats.org/officeDocument/2006/relationships" xmlns:p="http://schemas.openxmlformats.org/presentationml/2006/main">
+  <p:cSld>
+    <p:spTree>
+      <p:nvGrpSpPr>
+        <p:cNvPr id="1" name=""/>
+        <p:cNvGrpSpPr/>
+        <p:nvPr/>
+      </p:nvGrpSpPr>
+      <p:grpSpPr>
+        <a:xfrm>
+          <a:off x="0" y="0"/>
+          <a:ext cx="0" cy="0"/>
+          <a:chOff x="0" y="0"/>
+          <a:chExt cx="0" cy="0"/>
+        </a:xfrm>
+      </p:grpSpPr>
+      <p:sp>
+        <p:nvSpPr>
+          <p:cNvPr id="2" name="タイトル 1">
+            <a:extLst>
+              <a:ext uri="{FF2B5EF4-FFF2-40B4-BE49-F238E27FC236}">
+                <a16:creationId xmlns:a16="http://schemas.microsoft.com/office/drawing/2014/main" id="{0406A9E0-7354-437D-B81A-D9FE2D62DF98}"/>
+              </a:ext>
+            </a:extLst>
+          </p:cNvPr>
+          <p:cNvSpPr>
+            <a:spLocks noGrp="1"/>
+          </p:cNvSpPr>
+          <p:nvPr>
+            <p:ph type="title"/>
+          </p:nvPr>
+        </p:nvSpPr>
+        <p:spPr/>
+        <p:txBody>
+          <a:bodyPr/>
+          <a:lstStyle/>
+          <a:p>
+            <a:r>
+              <a:rPr kumimoji="1" lang="en-US" altLang="ja-JP" dirty="0"/>
+              <a:t>Zoom</a:t>
+            </a:r>
+            <a:r>
+              <a:rPr kumimoji="1" lang="ja-JP" altLang="en-US" dirty="0"/>
+              <a:t>アカウント</a:t>
+            </a:r>
+          </a:p>
+        </p:txBody>
+      </p:sp>
+      <p:sp>
+        <p:nvSpPr>
+          <p:cNvPr id="3" name="コンテンツ プレースホルダー 2">
+            <a:extLst>
+              <a:ext uri="{FF2B5EF4-FFF2-40B4-BE49-F238E27FC236}">
+                <a16:creationId xmlns:a16="http://schemas.microsoft.com/office/drawing/2014/main" id="{217878A8-0B3E-4201-B98B-7D0C2F904648}"/>
+              </a:ext>
+            </a:extLst>
+          </p:cNvPr>
+          <p:cNvSpPr>
+            <a:spLocks noGrp="1"/>
+          </p:cNvSpPr>
+          <p:nvPr>
+            <p:ph idx="1"/>
+          </p:nvPr>
+        </p:nvSpPr>
+        <p:spPr/>
+        <p:txBody>
+          <a:bodyPr/>
+          <a:lstStyle/>
+          <a:p>
+            <a:r>
+              <a:rPr kumimoji="1" lang="ja-JP" altLang="en-US" dirty="0"/>
+              <a:t>すでに持っている人への説明</a:t>
+            </a:r>
+            <a:endParaRPr kumimoji="1" lang="en-US" altLang="ja-JP" dirty="0"/>
+          </a:p>
+          <a:p>
+            <a:pPr lvl="1"/>
+            <a:r>
+              <a:rPr lang="en-US" altLang="ja-JP" dirty="0">
+                <a:hlinkClick r:id="rId2"/>
+              </a:rPr>
+              <a:t>10</a:t>
+            </a:r>
+            <a:r>
+              <a:rPr lang="ja-JP" altLang="en-US" dirty="0">
+                <a:hlinkClick r:id="rId2"/>
+              </a:rPr>
+              <a:t>桁</a:t>
+            </a:r>
+            <a:r>
+              <a:rPr lang="en-US" altLang="ja-JP" dirty="0">
+                <a:hlinkClick r:id="rId2"/>
+              </a:rPr>
+              <a:t>@g.ecc.u-tokyo.ac.jp</a:t>
+            </a:r>
+            <a:r>
+              <a:rPr lang="en-US" altLang="ja-JP" dirty="0"/>
+              <a:t> </a:t>
+            </a:r>
+            <a:r>
+              <a:rPr lang="ja-JP" altLang="en-US" dirty="0"/>
+              <a:t>にしてください</a:t>
+            </a:r>
+            <a:endParaRPr lang="en-US" altLang="ja-JP" dirty="0"/>
+          </a:p>
+          <a:p>
+            <a:pPr lvl="1"/>
+            <a:r>
+              <a:rPr lang="ja-JP" altLang="en-US" dirty="0"/>
+              <a:t>変更方法</a:t>
+            </a:r>
+            <a:endParaRPr lang="en-US" altLang="ja-JP" dirty="0"/>
+          </a:p>
+          <a:p>
+            <a:pPr lvl="1"/>
+            <a:r>
+              <a:rPr kumimoji="1" lang="ja-JP" altLang="en-US" dirty="0"/>
+              <a:t>現在 </a:t>
+            </a:r>
+            <a:r>
+              <a:rPr kumimoji="1" lang="ja-JP" altLang="en-US" dirty="0">
+                <a:hlinkClick r:id="rId3"/>
+              </a:rPr>
+              <a:t>任意の文字列</a:t>
+            </a:r>
+            <a:r>
+              <a:rPr kumimoji="1" lang="en-US" altLang="ja-JP" dirty="0">
+                <a:hlinkClick r:id="rId3"/>
+              </a:rPr>
+              <a:t>@g.ecc.u-tokyo.ac.jp</a:t>
+            </a:r>
+            <a:r>
+              <a:rPr kumimoji="1" lang="en-US" altLang="ja-JP" dirty="0"/>
+              <a:t> </a:t>
+            </a:r>
+            <a:r>
+              <a:rPr kumimoji="1" lang="ja-JP" altLang="en-US" dirty="0"/>
+              <a:t>で使えてしまいますが、じきに使えなくなります</a:t>
+            </a:r>
+            <a:endParaRPr kumimoji="1" lang="en-US" altLang="ja-JP" dirty="0"/>
+          </a:p>
+          <a:p>
+            <a:pPr lvl="1"/>
+            <a:r>
+              <a:rPr lang="en-US" altLang="ja-JP" dirty="0">
+                <a:hlinkClick r:id="rId2"/>
+              </a:rPr>
+              <a:t>10</a:t>
+            </a:r>
+            <a:r>
+              <a:rPr lang="ja-JP" altLang="en-US" dirty="0">
+                <a:hlinkClick r:id="rId2"/>
+              </a:rPr>
+              <a:t>桁</a:t>
+            </a:r>
+            <a:r>
+              <a:rPr lang="en-US" altLang="ja-JP" dirty="0">
+                <a:hlinkClick r:id="rId2"/>
+              </a:rPr>
+              <a:t>@g.ecc.u-tokyo.ac.jp</a:t>
+            </a:r>
+            <a:r>
+              <a:rPr lang="en-US" altLang="ja-JP" dirty="0"/>
+              <a:t> </a:t>
+            </a:r>
+            <a:r>
+              <a:rPr lang="ja-JP" altLang="en-US" dirty="0"/>
+              <a:t>でない人には、繰り返しそのメールアドレスにお知らせを流しますが、お知らせがなくてもお早目の対応を</a:t>
+            </a:r>
+            <a:endParaRPr kumimoji="1" lang="ja-JP" altLang="en-US" dirty="0"/>
+          </a:p>
+        </p:txBody>
+      </p:sp>
+      <p:sp>
+        <p:nvSpPr>
+          <p:cNvPr id="4" name="日付プレースホルダー 3">
+            <a:extLst>
+              <a:ext uri="{FF2B5EF4-FFF2-40B4-BE49-F238E27FC236}">
+                <a16:creationId xmlns:a16="http://schemas.microsoft.com/office/drawing/2014/main" id="{1D1A48E4-5247-4F65-87AA-BA791DA09830}"/>
+              </a:ext>
+            </a:extLst>
+          </p:cNvPr>
+          <p:cNvSpPr>
+            <a:spLocks noGrp="1"/>
+          </p:cNvSpPr>
+          <p:nvPr>
+            <p:ph type="dt" sz="half" idx="10"/>
+          </p:nvPr>
+        </p:nvSpPr>
+        <p:spPr/>
+        <p:txBody>
+          <a:bodyPr/>
+          <a:lstStyle/>
+          <a:p>
+            <a:r>
+              <a:rPr kumimoji="1" lang="en-US" altLang="ja-JP"/>
+              <a:t>2020/9/11</a:t>
+            </a:r>
+            <a:endParaRPr kumimoji="1" lang="ja-JP" altLang="en-US"/>
+          </a:p>
+        </p:txBody>
+      </p:sp>
+      <p:sp>
+        <p:nvSpPr>
+          <p:cNvPr id="5" name="フッター プレースホルダー 4">
+            <a:extLst>
+              <a:ext uri="{FF2B5EF4-FFF2-40B4-BE49-F238E27FC236}">
+                <a16:creationId xmlns:a16="http://schemas.microsoft.com/office/drawing/2014/main" id="{AB1E20C9-4498-47E5-BBA6-308E1C06D250}"/>
+              </a:ext>
+            </a:extLst>
+          </p:cNvPr>
+          <p:cNvSpPr>
+            <a:spLocks noGrp="1"/>
+          </p:cNvSpPr>
+          <p:nvPr>
+            <p:ph type="ftr" sz="quarter" idx="11"/>
+          </p:nvPr>
+        </p:nvSpPr>
+        <p:spPr/>
+        <p:txBody>
+          <a:bodyPr/>
+          <a:lstStyle/>
+          <a:p>
+            <a:r>
+              <a:rPr kumimoji="1" lang="en-US" altLang="ja-JP"/>
+              <a:t>A</a:t>
+            </a:r>
+            <a:r>
+              <a:rPr kumimoji="1" lang="ja-JP" altLang="en-US"/>
+              <a:t>セメスタ説明会 </a:t>
+            </a:r>
+            <a:r>
+              <a:rPr kumimoji="1" lang="en-US" altLang="ja-JP"/>
+              <a:t>utelecon.github.io</a:t>
+            </a:r>
+            <a:endParaRPr kumimoji="1" lang="ja-JP" altLang="en-US"/>
+          </a:p>
+        </p:txBody>
+      </p:sp>
+      <p:sp>
+        <p:nvSpPr>
+          <p:cNvPr id="6" name="スライド番号プレースホルダー 5">
+            <a:extLst>
+              <a:ext uri="{FF2B5EF4-FFF2-40B4-BE49-F238E27FC236}">
+                <a16:creationId xmlns:a16="http://schemas.microsoft.com/office/drawing/2014/main" id="{2A43581C-74BC-4BD5-BADD-6C4A4AA02C4B}"/>
+              </a:ext>
+            </a:extLst>
+          </p:cNvPr>
+          <p:cNvSpPr>
+            <a:spLocks noGrp="1"/>
+          </p:cNvSpPr>
+          <p:nvPr>
+            <p:ph type="sldNum" sz="quarter" idx="12"/>
+          </p:nvPr>
+        </p:nvSpPr>
+        <p:spPr/>
+        <p:txBody>
+          <a:bodyPr/>
+          <a:lstStyle/>
+          <a:p>
+            <a:fld id="{EDF77D8D-9987-453A-9A05-EB91CA595C68}" type="slidenum">
+              <a:rPr kumimoji="1" lang="ja-JP" altLang="en-US" smtClean="0"/>
+              <a:pPr/>
+              <a:t>15</a:t>
+            </a:fld>
+            <a:endParaRPr kumimoji="1" lang="ja-JP" altLang="en-US"/>
+          </a:p>
+        </p:txBody>
+      </p:sp>
+      <p:sp>
+        <p:nvSpPr>
+          <p:cNvPr id="8" name="正方形/長方形 7">
+            <a:extLst>
+              <a:ext uri="{FF2B5EF4-FFF2-40B4-BE49-F238E27FC236}">
+                <a16:creationId xmlns:a16="http://schemas.microsoft.com/office/drawing/2014/main" id="{AEB49686-07DF-4461-929C-B66B74E400AA}"/>
+              </a:ext>
+            </a:extLst>
+          </p:cNvPr>
+          <p:cNvSpPr/>
+          <p:nvPr/>
+        </p:nvSpPr>
+        <p:spPr>
+          <a:xfrm rot="20613984">
+            <a:off x="-181804" y="50601"/>
+            <a:ext cx="2958620" cy="360040"/>
+          </a:xfrm>
+          <a:prstGeom prst="rect">
+            <a:avLst/>
+          </a:prstGeom>
+        </p:spPr>
+        <p:style>
+          <a:lnRef idx="2">
+            <a:schemeClr val="accent1">
+              <a:shade val="50000"/>
+            </a:schemeClr>
+          </a:lnRef>
+          <a:fillRef idx="1">
+            <a:schemeClr val="accent1"/>
+          </a:fillRef>
+          <a:effectRef idx="0">
+            <a:schemeClr val="accent1"/>
+          </a:effectRef>
+          <a:fontRef idx="minor">
+            <a:schemeClr val="lt1"/>
+          </a:fontRef>
+        </p:style>
+        <p:txBody>
+          <a:bodyPr rtlCol="0" anchor="ctr"/>
+          <a:lstStyle/>
+          <a:p>
+            <a:pPr algn="ctr"/>
+            <a:r>
+              <a:rPr lang="en-US" altLang="ja-JP" dirty="0"/>
+              <a:t>S </a:t>
+            </a:r>
+            <a:r>
+              <a:rPr lang="en-US" altLang="ja-JP" dirty="0">
+                <a:sym typeface="Symbol" panose="05050102010706020507" pitchFamily="18" charset="2"/>
+              </a:rPr>
+              <a:t> </a:t>
+            </a:r>
+            <a:r>
+              <a:rPr lang="en-US" altLang="ja-JP" dirty="0"/>
+              <a:t>A</a:t>
+            </a:r>
+            <a:endParaRPr kumimoji="1" lang="ja-JP" altLang="en-US" dirty="0"/>
+          </a:p>
+        </p:txBody>
+      </p:sp>
+    </p:spTree>
+    <p:extLst>
+      <p:ext uri="{BB962C8B-B14F-4D97-AF65-F5344CB8AC3E}">
+        <p14:creationId xmlns:p14="http://schemas.microsoft.com/office/powerpoint/2010/main" val="410928984"/>
+      </p:ext>
+    </p:extLst>
+  </p:cSld>
+  <p:clrMapOvr>
+    <a:masterClrMapping/>
+  </p:clrMapOvr>
+</p:sld>
+</file>
+
+<file path=ppt/slides/slide16.xml><?xml version="1.0" encoding="utf-8"?>
+<p:sld xmlns:a="http://schemas.openxmlformats.org/drawingml/2006/main" xmlns:r="http://schemas.openxmlformats.org/officeDocument/2006/relationships" xmlns:p="http://schemas.openxmlformats.org/presentationml/2006/main">
+  <p:cSld>
+    <p:spTree>
+      <p:nvGrpSpPr>
+        <p:cNvPr id="1" name=""/>
+        <p:cNvGrpSpPr/>
+        <p:nvPr/>
+      </p:nvGrpSpPr>
+      <p:grpSpPr>
+        <a:xfrm>
+          <a:off x="0" y="0"/>
+          <a:ext cx="0" cy="0"/>
+          <a:chOff x="0" y="0"/>
+          <a:chExt cx="0" cy="0"/>
+        </a:xfrm>
+      </p:grpSpPr>
+      <p:sp>
+        <p:nvSpPr>
+          <p:cNvPr id="2" name="タイトル 1">
+            <a:extLst>
+              <a:ext uri="{FF2B5EF4-FFF2-40B4-BE49-F238E27FC236}">
+                <a16:creationId xmlns:a16="http://schemas.microsoft.com/office/drawing/2014/main" id="{5680D945-C1B8-4674-BE13-44C4FCF65BD8}"/>
+              </a:ext>
+            </a:extLst>
+          </p:cNvPr>
+          <p:cNvSpPr>
+            <a:spLocks noGrp="1"/>
+          </p:cNvSpPr>
+          <p:nvPr>
+            <p:ph type="title"/>
+          </p:nvPr>
+        </p:nvSpPr>
+        <p:spPr/>
+        <p:txBody>
+          <a:bodyPr>
+            <a:normAutofit fontScale="90000"/>
+          </a:bodyPr>
+          <a:lstStyle/>
+          <a:p>
+            <a:r>
+              <a:rPr kumimoji="1" lang="en-US" altLang="ja-JP" dirty="0"/>
+              <a:t>Zoom</a:t>
+            </a:r>
+            <a:r>
+              <a:rPr kumimoji="1" lang="ja-JP" altLang="en-US" dirty="0"/>
+              <a:t>のライセンス内容（会議の人数制限）について</a:t>
+            </a:r>
+          </a:p>
+        </p:txBody>
+      </p:sp>
+      <p:sp>
+        <p:nvSpPr>
+          <p:cNvPr id="3" name="コンテンツ プレースホルダー 2">
+            <a:extLst>
+              <a:ext uri="{FF2B5EF4-FFF2-40B4-BE49-F238E27FC236}">
+                <a16:creationId xmlns:a16="http://schemas.microsoft.com/office/drawing/2014/main" id="{D854E32B-EB72-4528-BEAD-BA0E627F8171}"/>
+              </a:ext>
+            </a:extLst>
+          </p:cNvPr>
+          <p:cNvSpPr>
+            <a:spLocks noGrp="1"/>
+          </p:cNvSpPr>
+          <p:nvPr>
+            <p:ph idx="1"/>
+          </p:nvPr>
+        </p:nvSpPr>
+        <p:spPr/>
+        <p:txBody>
+          <a:bodyPr/>
+          <a:lstStyle/>
+          <a:p>
+            <a:r>
+              <a:rPr kumimoji="1" lang="ja-JP" altLang="en-US" dirty="0"/>
+              <a:t>デフォルト：</a:t>
+            </a:r>
+            <a:r>
+              <a:rPr kumimoji="1" lang="en-US" altLang="ja-JP" dirty="0"/>
+              <a:t>300</a:t>
+            </a:r>
+            <a:r>
+              <a:rPr kumimoji="1" lang="ja-JP" altLang="en-US" dirty="0"/>
+              <a:t>人まで</a:t>
+            </a:r>
+            <a:endParaRPr kumimoji="1" lang="en-US" altLang="ja-JP" dirty="0"/>
+          </a:p>
+          <a:p>
+            <a:r>
+              <a:rPr lang="ja-JP" altLang="en-US" dirty="0"/>
+              <a:t>申請をして「大規模会議」（</a:t>
+            </a:r>
+            <a:r>
+              <a:rPr lang="en-US" altLang="ja-JP" dirty="0"/>
+              <a:t>500</a:t>
+            </a:r>
+            <a:r>
+              <a:rPr lang="ja-JP" altLang="en-US" dirty="0"/>
+              <a:t>人まで）のラベルを付与</a:t>
+            </a:r>
+            <a:endParaRPr lang="en-US" altLang="ja-JP" dirty="0"/>
+          </a:p>
+          <a:p>
+            <a:r>
+              <a:rPr lang="ja-JP" altLang="en-US" dirty="0"/>
+              <a:t>ラベルを付与するのは大学全体で</a:t>
+            </a:r>
+            <a:r>
+              <a:rPr lang="en-US" altLang="ja-JP" dirty="0"/>
+              <a:t>500</a:t>
+            </a:r>
+            <a:r>
+              <a:rPr lang="ja-JP" altLang="en-US" dirty="0"/>
+              <a:t>人まで</a:t>
+            </a:r>
+            <a:endParaRPr lang="en-US" altLang="ja-JP" dirty="0"/>
+          </a:p>
+          <a:p>
+            <a:r>
+              <a:rPr lang="ja-JP" altLang="en-US" dirty="0"/>
+              <a:t>授業で</a:t>
+            </a:r>
+            <a:r>
+              <a:rPr lang="en-US" altLang="ja-JP" dirty="0"/>
+              <a:t>300</a:t>
+            </a:r>
+            <a:r>
+              <a:rPr lang="ja-JP" altLang="en-US" dirty="0"/>
+              <a:t>人以上の収容人数が必要な先生に割り当てることを想定</a:t>
+            </a:r>
+            <a:endParaRPr lang="en-US" altLang="ja-JP" dirty="0"/>
+          </a:p>
+        </p:txBody>
+      </p:sp>
+      <p:sp>
+        <p:nvSpPr>
+          <p:cNvPr id="4" name="日付プレースホルダー 3">
+            <a:extLst>
+              <a:ext uri="{FF2B5EF4-FFF2-40B4-BE49-F238E27FC236}">
+                <a16:creationId xmlns:a16="http://schemas.microsoft.com/office/drawing/2014/main" id="{6D550246-43A5-4D24-B540-77EAB852E2DC}"/>
+              </a:ext>
+            </a:extLst>
+          </p:cNvPr>
+          <p:cNvSpPr>
+            <a:spLocks noGrp="1"/>
+          </p:cNvSpPr>
+          <p:nvPr>
+            <p:ph type="dt" sz="half" idx="10"/>
+          </p:nvPr>
+        </p:nvSpPr>
+        <p:spPr/>
+        <p:txBody>
+          <a:bodyPr/>
+          <a:lstStyle/>
+          <a:p>
+            <a:r>
+              <a:rPr kumimoji="1" lang="en-US" altLang="ja-JP"/>
+              <a:t>2020/9/11</a:t>
+            </a:r>
+            <a:endParaRPr kumimoji="1" lang="ja-JP" altLang="en-US"/>
+          </a:p>
+        </p:txBody>
+      </p:sp>
+      <p:sp>
+        <p:nvSpPr>
+          <p:cNvPr id="5" name="フッター プレースホルダー 4">
+            <a:extLst>
+              <a:ext uri="{FF2B5EF4-FFF2-40B4-BE49-F238E27FC236}">
+                <a16:creationId xmlns:a16="http://schemas.microsoft.com/office/drawing/2014/main" id="{5192789B-EA20-4DDF-86AB-D76CE5E9011B}"/>
+              </a:ext>
+            </a:extLst>
+          </p:cNvPr>
+          <p:cNvSpPr>
+            <a:spLocks noGrp="1"/>
+          </p:cNvSpPr>
+          <p:nvPr>
+            <p:ph type="ftr" sz="quarter" idx="11"/>
+          </p:nvPr>
+        </p:nvSpPr>
+        <p:spPr/>
+        <p:txBody>
+          <a:bodyPr/>
+          <a:lstStyle/>
+          <a:p>
+            <a:r>
+              <a:rPr kumimoji="1" lang="en-US" altLang="ja-JP"/>
+              <a:t>A</a:t>
+            </a:r>
+            <a:r>
+              <a:rPr kumimoji="1" lang="ja-JP" altLang="en-US"/>
+              <a:t>セメスタ説明会 </a:t>
+            </a:r>
+            <a:r>
+              <a:rPr kumimoji="1" lang="en-US" altLang="ja-JP"/>
+              <a:t>utelecon.github.io</a:t>
+            </a:r>
+            <a:endParaRPr kumimoji="1" lang="ja-JP" altLang="en-US"/>
+          </a:p>
+        </p:txBody>
+      </p:sp>
+      <p:sp>
+        <p:nvSpPr>
+          <p:cNvPr id="6" name="スライド番号プレースホルダー 5">
+            <a:extLst>
+              <a:ext uri="{FF2B5EF4-FFF2-40B4-BE49-F238E27FC236}">
+                <a16:creationId xmlns:a16="http://schemas.microsoft.com/office/drawing/2014/main" id="{B3083179-770B-42A6-8AEF-12A4BBCCC9A5}"/>
+              </a:ext>
+            </a:extLst>
+          </p:cNvPr>
+          <p:cNvSpPr>
+            <a:spLocks noGrp="1"/>
+          </p:cNvSpPr>
+          <p:nvPr>
+            <p:ph type="sldNum" sz="quarter" idx="12"/>
+          </p:nvPr>
+        </p:nvSpPr>
+        <p:spPr/>
+        <p:txBody>
+          <a:bodyPr/>
+          <a:lstStyle/>
+          <a:p>
+            <a:fld id="{EDF77D8D-9987-453A-9A05-EB91CA595C68}" type="slidenum">
+              <a:rPr kumimoji="1" lang="ja-JP" altLang="en-US" smtClean="0"/>
+              <a:pPr/>
+              <a:t>16</a:t>
+            </a:fld>
+            <a:endParaRPr kumimoji="1" lang="ja-JP" altLang="en-US"/>
+          </a:p>
+        </p:txBody>
+      </p:sp>
+      <p:sp>
+        <p:nvSpPr>
+          <p:cNvPr id="10" name="正方形/長方形 9">
+            <a:extLst>
+              <a:ext uri="{FF2B5EF4-FFF2-40B4-BE49-F238E27FC236}">
+                <a16:creationId xmlns:a16="http://schemas.microsoft.com/office/drawing/2014/main" id="{8EF696D5-4B3D-4037-B03D-0B7926AB7EFD}"/>
+              </a:ext>
+            </a:extLst>
+          </p:cNvPr>
+          <p:cNvSpPr/>
+          <p:nvPr/>
+        </p:nvSpPr>
+        <p:spPr>
+          <a:xfrm rot="20613984">
+            <a:off x="-181804" y="50601"/>
+            <a:ext cx="2958620" cy="360040"/>
+          </a:xfrm>
+          <a:prstGeom prst="rect">
+            <a:avLst/>
+          </a:prstGeom>
+        </p:spPr>
+        <p:style>
+          <a:lnRef idx="2">
+            <a:schemeClr val="accent1">
+              <a:shade val="50000"/>
+            </a:schemeClr>
+          </a:lnRef>
+          <a:fillRef idx="1">
+            <a:schemeClr val="accent1"/>
+          </a:fillRef>
+          <a:effectRef idx="0">
+            <a:schemeClr val="accent1"/>
+          </a:effectRef>
+          <a:fontRef idx="minor">
+            <a:schemeClr val="lt1"/>
+          </a:fontRef>
+        </p:style>
+        <p:txBody>
+          <a:bodyPr rtlCol="0" anchor="ctr"/>
+          <a:lstStyle/>
+          <a:p>
+            <a:pPr algn="ctr"/>
+            <a:r>
+              <a:rPr lang="en-US" altLang="ja-JP" dirty="0"/>
+              <a:t>S </a:t>
+            </a:r>
+            <a:r>
+              <a:rPr lang="en-US" altLang="ja-JP" dirty="0">
+                <a:sym typeface="Symbol" panose="05050102010706020507" pitchFamily="18" charset="2"/>
+              </a:rPr>
+              <a:t> </a:t>
+            </a:r>
+            <a:r>
+              <a:rPr lang="en-US" altLang="ja-JP" dirty="0"/>
+              <a:t>A</a:t>
+            </a:r>
+            <a:endParaRPr kumimoji="1" lang="ja-JP" altLang="en-US" dirty="0"/>
+          </a:p>
+        </p:txBody>
+      </p:sp>
+    </p:spTree>
+    <p:extLst>
+      <p:ext uri="{BB962C8B-B14F-4D97-AF65-F5344CB8AC3E}">
+        <p14:creationId xmlns:p14="http://schemas.microsoft.com/office/powerpoint/2010/main" val="478109796"/>
+      </p:ext>
+    </p:extLst>
+  </p:cSld>
+  <p:clrMapOvr>
+    <a:masterClrMapping/>
+  </p:clrMapOvr>
+</p:sld>
+</file>
+
+<file path=ppt/slides/slide17.xml><?xml version="1.0" encoding="utf-8"?>
+<p:sld xmlns:a="http://schemas.openxmlformats.org/drawingml/2006/main" xmlns:r="http://schemas.openxmlformats.org/officeDocument/2006/relationships" xmlns:p="http://schemas.openxmlformats.org/presentationml/2006/main">
+  <p:cSld>
+    <p:spTree>
+      <p:nvGrpSpPr>
+        <p:cNvPr id="1" name=""/>
+        <p:cNvGrpSpPr/>
+        <p:nvPr/>
+      </p:nvGrpSpPr>
+      <p:grpSpPr>
+        <a:xfrm>
+          <a:off x="0" y="0"/>
+          <a:ext cx="0" cy="0"/>
+          <a:chOff x="0" y="0"/>
+          <a:chExt cx="0" cy="0"/>
+        </a:xfrm>
+      </p:grpSpPr>
+      <p:sp>
+        <p:nvSpPr>
+          <p:cNvPr id="2" name="タイトル 1">
+            <a:extLst>
+              <a:ext uri="{FF2B5EF4-FFF2-40B4-BE49-F238E27FC236}">
+                <a16:creationId xmlns:a16="http://schemas.microsoft.com/office/drawing/2014/main" id="{90FD9D9F-5047-4925-901E-A77DDD73B473}"/>
+              </a:ext>
+            </a:extLst>
+          </p:cNvPr>
+          <p:cNvSpPr>
+            <a:spLocks noGrp="1"/>
+          </p:cNvSpPr>
+          <p:nvPr>
+            <p:ph type="title"/>
+          </p:nvPr>
+        </p:nvSpPr>
+        <p:spPr/>
+        <p:txBody>
+          <a:bodyPr/>
+          <a:lstStyle/>
+          <a:p>
+            <a:r>
+              <a:rPr kumimoji="1" lang="ja-JP" altLang="en-US" dirty="0"/>
+              <a:t>ウェビナーについて</a:t>
+            </a:r>
+          </a:p>
+        </p:txBody>
+      </p:sp>
+      <p:sp>
+        <p:nvSpPr>
+          <p:cNvPr id="3" name="コンテンツ プレースホルダー 2">
+            <a:extLst>
+              <a:ext uri="{FF2B5EF4-FFF2-40B4-BE49-F238E27FC236}">
+                <a16:creationId xmlns:a16="http://schemas.microsoft.com/office/drawing/2014/main" id="{6FA9993F-5162-4C19-8809-E0B252CB6CE7}"/>
+              </a:ext>
+            </a:extLst>
+          </p:cNvPr>
+          <p:cNvSpPr>
+            <a:spLocks noGrp="1"/>
+          </p:cNvSpPr>
+          <p:nvPr>
+            <p:ph idx="1"/>
+          </p:nvPr>
+        </p:nvSpPr>
+        <p:spPr/>
+        <p:txBody>
+          <a:bodyPr/>
+          <a:lstStyle/>
+          <a:p>
+            <a:r>
+              <a:rPr kumimoji="1" lang="ja-JP" altLang="en-US" dirty="0"/>
+              <a:t>大規模学会など、特定のイベントに対して一時的にウェビナー開催権限を割り当て、終了次第はがす、という運用を想定</a:t>
+            </a:r>
+            <a:endParaRPr kumimoji="1" lang="en-US" altLang="ja-JP" dirty="0"/>
+          </a:p>
+          <a:p>
+            <a:r>
+              <a:rPr lang="ja-JP" altLang="en-US" dirty="0"/>
+              <a:t>いくつまで</a:t>
+            </a:r>
+            <a:r>
+              <a:rPr lang="en-US" altLang="ja-JP" dirty="0"/>
+              <a:t>?</a:t>
+            </a:r>
+          </a:p>
+        </p:txBody>
+      </p:sp>
+      <p:sp>
+        <p:nvSpPr>
+          <p:cNvPr id="4" name="日付プレースホルダー 3">
+            <a:extLst>
+              <a:ext uri="{FF2B5EF4-FFF2-40B4-BE49-F238E27FC236}">
+                <a16:creationId xmlns:a16="http://schemas.microsoft.com/office/drawing/2014/main" id="{76165AE0-6957-4BDF-8033-BE8D72EDF479}"/>
+              </a:ext>
+            </a:extLst>
+          </p:cNvPr>
+          <p:cNvSpPr>
+            <a:spLocks noGrp="1"/>
+          </p:cNvSpPr>
+          <p:nvPr>
+            <p:ph type="dt" sz="half" idx="10"/>
+          </p:nvPr>
+        </p:nvSpPr>
+        <p:spPr/>
+        <p:txBody>
+          <a:bodyPr/>
+          <a:lstStyle/>
+          <a:p>
+            <a:r>
+              <a:rPr kumimoji="1" lang="en-US" altLang="ja-JP"/>
+              <a:t>2020/9/11</a:t>
+            </a:r>
+            <a:endParaRPr kumimoji="1" lang="ja-JP" altLang="en-US"/>
+          </a:p>
+        </p:txBody>
+      </p:sp>
+      <p:sp>
+        <p:nvSpPr>
+          <p:cNvPr id="5" name="フッター プレースホルダー 4">
+            <a:extLst>
+              <a:ext uri="{FF2B5EF4-FFF2-40B4-BE49-F238E27FC236}">
+                <a16:creationId xmlns:a16="http://schemas.microsoft.com/office/drawing/2014/main" id="{6A80A5F9-85E4-43CF-B3A7-EF3AC5C2EBBD}"/>
+              </a:ext>
+            </a:extLst>
+          </p:cNvPr>
+          <p:cNvSpPr>
+            <a:spLocks noGrp="1"/>
+          </p:cNvSpPr>
+          <p:nvPr>
+            <p:ph type="ftr" sz="quarter" idx="11"/>
+          </p:nvPr>
+        </p:nvSpPr>
+        <p:spPr/>
+        <p:txBody>
+          <a:bodyPr/>
+          <a:lstStyle/>
+          <a:p>
+            <a:r>
+              <a:rPr kumimoji="1" lang="en-US" altLang="ja-JP"/>
+              <a:t>A</a:t>
+            </a:r>
+            <a:r>
+              <a:rPr kumimoji="1" lang="ja-JP" altLang="en-US"/>
+              <a:t>セメスタ説明会 </a:t>
+            </a:r>
+            <a:r>
+              <a:rPr kumimoji="1" lang="en-US" altLang="ja-JP"/>
+              <a:t>utelecon.github.io</a:t>
+            </a:r>
+            <a:endParaRPr kumimoji="1" lang="ja-JP" altLang="en-US"/>
+          </a:p>
+        </p:txBody>
+      </p:sp>
+      <p:sp>
+        <p:nvSpPr>
+          <p:cNvPr id="6" name="スライド番号プレースホルダー 5">
+            <a:extLst>
+              <a:ext uri="{FF2B5EF4-FFF2-40B4-BE49-F238E27FC236}">
+                <a16:creationId xmlns:a16="http://schemas.microsoft.com/office/drawing/2014/main" id="{6627026D-4353-4BB0-A61F-F3A26B64193E}"/>
+              </a:ext>
+            </a:extLst>
+          </p:cNvPr>
+          <p:cNvSpPr>
+            <a:spLocks noGrp="1"/>
+          </p:cNvSpPr>
+          <p:nvPr>
+            <p:ph type="sldNum" sz="quarter" idx="12"/>
+          </p:nvPr>
+        </p:nvSpPr>
+        <p:spPr/>
+        <p:txBody>
+          <a:bodyPr/>
+          <a:lstStyle/>
+          <a:p>
+            <a:fld id="{EDF77D8D-9987-453A-9A05-EB91CA595C68}" type="slidenum">
+              <a:rPr kumimoji="1" lang="ja-JP" altLang="en-US" smtClean="0"/>
+              <a:pPr/>
+              <a:t>17</a:t>
+            </a:fld>
+            <a:endParaRPr kumimoji="1" lang="ja-JP" altLang="en-US"/>
+          </a:p>
+        </p:txBody>
+      </p:sp>
+      <p:sp>
+        <p:nvSpPr>
+          <p:cNvPr id="8" name="正方形/長方形 7">
+            <a:extLst>
+              <a:ext uri="{FF2B5EF4-FFF2-40B4-BE49-F238E27FC236}">
+                <a16:creationId xmlns:a16="http://schemas.microsoft.com/office/drawing/2014/main" id="{02790023-7244-4B11-B6AF-39A20E84D5BE}"/>
+              </a:ext>
+            </a:extLst>
+          </p:cNvPr>
+          <p:cNvSpPr/>
+          <p:nvPr/>
+        </p:nvSpPr>
+        <p:spPr>
+          <a:xfrm rot="20613984">
+            <a:off x="-181804" y="50601"/>
+            <a:ext cx="2958620" cy="360040"/>
+          </a:xfrm>
+          <a:prstGeom prst="rect">
+            <a:avLst/>
+          </a:prstGeom>
+        </p:spPr>
+        <p:style>
+          <a:lnRef idx="2">
+            <a:schemeClr val="accent1">
+              <a:shade val="50000"/>
+            </a:schemeClr>
+          </a:lnRef>
+          <a:fillRef idx="1">
+            <a:schemeClr val="accent1"/>
+          </a:fillRef>
+          <a:effectRef idx="0">
+            <a:schemeClr val="accent1"/>
+          </a:effectRef>
+          <a:fontRef idx="minor">
+            <a:schemeClr val="lt1"/>
+          </a:fontRef>
+        </p:style>
+        <p:txBody>
+          <a:bodyPr rtlCol="0" anchor="ctr"/>
+          <a:lstStyle/>
+          <a:p>
+            <a:pPr algn="ctr"/>
+            <a:r>
+              <a:rPr lang="en-US" altLang="ja-JP" dirty="0"/>
+              <a:t>S </a:t>
+            </a:r>
+            <a:r>
+              <a:rPr lang="en-US" altLang="ja-JP" dirty="0">
+                <a:sym typeface="Symbol" panose="05050102010706020507" pitchFamily="18" charset="2"/>
+              </a:rPr>
+              <a:t> </a:t>
+            </a:r>
+            <a:r>
+              <a:rPr lang="en-US" altLang="ja-JP" dirty="0"/>
+              <a:t>A</a:t>
+            </a:r>
+            <a:endParaRPr kumimoji="1" lang="ja-JP" altLang="en-US" dirty="0"/>
+          </a:p>
+        </p:txBody>
+      </p:sp>
+    </p:spTree>
+    <p:extLst>
+      <p:ext uri="{BB962C8B-B14F-4D97-AF65-F5344CB8AC3E}">
+        <p14:creationId xmlns:p14="http://schemas.microsoft.com/office/powerpoint/2010/main" val="2736030008"/>
+      </p:ext>
+    </p:extLst>
+  </p:cSld>
+  <p:clrMapOvr>
+    <a:masterClrMapping/>
+  </p:clrMapOvr>
+</p:sld>
+</file>
+
+<file path=ppt/slides/slide18.xml><?xml version="1.0" encoding="utf-8"?>
+<p:sld xmlns:a="http://schemas.openxmlformats.org/drawingml/2006/main" xmlns:r="http://schemas.openxmlformats.org/officeDocument/2006/relationships" xmlns:p="http://schemas.openxmlformats.org/presentationml/2006/main">
+  <p:cSld>
+    <p:spTree>
+      <p:nvGrpSpPr>
+        <p:cNvPr id="1" name=""/>
+        <p:cNvGrpSpPr/>
+        <p:nvPr/>
+      </p:nvGrpSpPr>
+      <p:grpSpPr>
+        <a:xfrm>
+          <a:off x="0" y="0"/>
+          <a:ext cx="0" cy="0"/>
+          <a:chOff x="0" y="0"/>
+          <a:chExt cx="0" cy="0"/>
+        </a:xfrm>
+      </p:grpSpPr>
+      <p:sp>
+        <p:nvSpPr>
+          <p:cNvPr id="2" name="タイトル 1">
+            <a:extLst>
+              <a:ext uri="{FF2B5EF4-FFF2-40B4-BE49-F238E27FC236}">
+                <a16:creationId xmlns:a16="http://schemas.microsoft.com/office/drawing/2014/main" id="{7E4596E0-4A93-4F4F-9495-EF4F8200C1EB}"/>
+              </a:ext>
+            </a:extLst>
+          </p:cNvPr>
+          <p:cNvSpPr>
+            <a:spLocks noGrp="1"/>
+          </p:cNvSpPr>
+          <p:nvPr>
+            <p:ph type="title"/>
+          </p:nvPr>
+        </p:nvSpPr>
+        <p:spPr/>
+        <p:txBody>
+          <a:bodyPr/>
+          <a:lstStyle/>
+          <a:p>
+            <a:r>
+              <a:rPr kumimoji="1" lang="en-US" altLang="ja-JP" dirty="0"/>
+              <a:t>WebEx</a:t>
+            </a:r>
+            <a:endParaRPr kumimoji="1" lang="ja-JP" altLang="en-US" dirty="0"/>
+          </a:p>
+        </p:txBody>
+      </p:sp>
+      <p:sp>
+        <p:nvSpPr>
+          <p:cNvPr id="3" name="コンテンツ プレースホルダー 2">
+            <a:extLst>
+              <a:ext uri="{FF2B5EF4-FFF2-40B4-BE49-F238E27FC236}">
+                <a16:creationId xmlns:a16="http://schemas.microsoft.com/office/drawing/2014/main" id="{129B1EEC-A0F4-4F09-9A1C-49D61749D1EC}"/>
+              </a:ext>
+            </a:extLst>
+          </p:cNvPr>
+          <p:cNvSpPr>
+            <a:spLocks noGrp="1"/>
+          </p:cNvSpPr>
+          <p:nvPr>
+            <p:ph idx="1"/>
+          </p:nvPr>
+        </p:nvSpPr>
+        <p:spPr/>
+        <p:txBody>
+          <a:bodyPr/>
+          <a:lstStyle/>
+          <a:p>
+            <a:r>
+              <a:rPr lang="en-US" altLang="ja-JP" dirty="0"/>
+              <a:t>u</a:t>
+            </a:r>
+            <a:r>
+              <a:rPr kumimoji="1" lang="en-US" altLang="ja-JP" dirty="0"/>
+              <a:t>telecon.webex.com</a:t>
+            </a:r>
+          </a:p>
+          <a:p>
+            <a:r>
+              <a:rPr lang="ja-JP" altLang="en-US" dirty="0"/>
+              <a:t>作り方かるく</a:t>
+            </a:r>
+            <a:endParaRPr lang="en-US" altLang="ja-JP" dirty="0"/>
+          </a:p>
+          <a:p>
+            <a:r>
+              <a:rPr lang="ja-JP" altLang="en-US" dirty="0"/>
+              <a:t>普通の</a:t>
+            </a:r>
+            <a:r>
+              <a:rPr lang="en-US" altLang="ja-JP" dirty="0"/>
+              <a:t>meeting</a:t>
+            </a:r>
+            <a:r>
+              <a:rPr lang="ja-JP" altLang="en-US" dirty="0"/>
+              <a:t>で</a:t>
+            </a:r>
+            <a:r>
+              <a:rPr lang="en-US" altLang="ja-JP" dirty="0"/>
+              <a:t>1000</a:t>
+            </a:r>
+            <a:r>
+              <a:rPr lang="ja-JP" altLang="en-US" dirty="0"/>
+              <a:t>人まで</a:t>
+            </a:r>
+            <a:endParaRPr kumimoji="1" lang="en-US" altLang="ja-JP" dirty="0"/>
+          </a:p>
+          <a:p>
+            <a:r>
+              <a:rPr lang="en-US" altLang="ja-JP" dirty="0"/>
+              <a:t>WebEx Events </a:t>
+            </a:r>
+            <a:r>
+              <a:rPr lang="en-US" altLang="ja-JP" dirty="0">
+                <a:sym typeface="Symbol" panose="05050102010706020507" pitchFamily="18" charset="2"/>
+              </a:rPr>
+              <a:t> </a:t>
+            </a:r>
+            <a:r>
+              <a:rPr lang="en-US" altLang="ja-JP" dirty="0"/>
+              <a:t>Zoom Webinar</a:t>
+            </a:r>
+            <a:endParaRPr kumimoji="1" lang="ja-JP" altLang="en-US" dirty="0"/>
+          </a:p>
+        </p:txBody>
+      </p:sp>
+      <p:sp>
+        <p:nvSpPr>
+          <p:cNvPr id="4" name="日付プレースホルダー 3">
+            <a:extLst>
+              <a:ext uri="{FF2B5EF4-FFF2-40B4-BE49-F238E27FC236}">
+                <a16:creationId xmlns:a16="http://schemas.microsoft.com/office/drawing/2014/main" id="{AE0B5F4B-C642-4861-BB93-9948EB1BBA28}"/>
+              </a:ext>
+            </a:extLst>
+          </p:cNvPr>
+          <p:cNvSpPr>
+            <a:spLocks noGrp="1"/>
+          </p:cNvSpPr>
+          <p:nvPr>
+            <p:ph type="dt" sz="half" idx="10"/>
+          </p:nvPr>
+        </p:nvSpPr>
+        <p:spPr/>
+        <p:txBody>
+          <a:bodyPr/>
+          <a:lstStyle/>
+          <a:p>
+            <a:r>
+              <a:rPr kumimoji="1" lang="en-US" altLang="ja-JP"/>
+              <a:t>2020/9/11</a:t>
+            </a:r>
+            <a:endParaRPr kumimoji="1" lang="ja-JP" altLang="en-US"/>
+          </a:p>
+        </p:txBody>
+      </p:sp>
+      <p:sp>
+        <p:nvSpPr>
+          <p:cNvPr id="5" name="フッター プレースホルダー 4">
+            <a:extLst>
+              <a:ext uri="{FF2B5EF4-FFF2-40B4-BE49-F238E27FC236}">
+                <a16:creationId xmlns:a16="http://schemas.microsoft.com/office/drawing/2014/main" id="{B7BBF5D2-01ED-40EB-A8F1-E43E7295C8DC}"/>
+              </a:ext>
+            </a:extLst>
+          </p:cNvPr>
+          <p:cNvSpPr>
+            <a:spLocks noGrp="1"/>
+          </p:cNvSpPr>
+          <p:nvPr>
+            <p:ph type="ftr" sz="quarter" idx="11"/>
+          </p:nvPr>
+        </p:nvSpPr>
+        <p:spPr/>
+        <p:txBody>
+          <a:bodyPr/>
+          <a:lstStyle/>
+          <a:p>
+            <a:r>
+              <a:rPr kumimoji="1" lang="en-US" altLang="ja-JP"/>
+              <a:t>A</a:t>
+            </a:r>
+            <a:r>
+              <a:rPr kumimoji="1" lang="ja-JP" altLang="en-US"/>
+              <a:t>セメスタ説明会 </a:t>
+            </a:r>
+            <a:r>
+              <a:rPr kumimoji="1" lang="en-US" altLang="ja-JP"/>
+              <a:t>utelecon.github.io</a:t>
+            </a:r>
+            <a:endParaRPr kumimoji="1" lang="ja-JP" altLang="en-US"/>
+          </a:p>
+        </p:txBody>
+      </p:sp>
+      <p:sp>
+        <p:nvSpPr>
+          <p:cNvPr id="6" name="スライド番号プレースホルダー 5">
+            <a:extLst>
+              <a:ext uri="{FF2B5EF4-FFF2-40B4-BE49-F238E27FC236}">
+                <a16:creationId xmlns:a16="http://schemas.microsoft.com/office/drawing/2014/main" id="{15A6444B-7C3C-4058-9802-1B6629AF391D}"/>
+              </a:ext>
+            </a:extLst>
+          </p:cNvPr>
+          <p:cNvSpPr>
+            <a:spLocks noGrp="1"/>
+          </p:cNvSpPr>
+          <p:nvPr>
+            <p:ph type="sldNum" sz="quarter" idx="12"/>
+          </p:nvPr>
+        </p:nvSpPr>
+        <p:spPr/>
+        <p:txBody>
+          <a:bodyPr/>
+          <a:lstStyle/>
+          <a:p>
+            <a:fld id="{EDF77D8D-9987-453A-9A05-EB91CA595C68}" type="slidenum">
+              <a:rPr kumimoji="1" lang="ja-JP" altLang="en-US" smtClean="0"/>
+              <a:pPr/>
+              <a:t>18</a:t>
+            </a:fld>
+            <a:endParaRPr kumimoji="1" lang="ja-JP" altLang="en-US"/>
+          </a:p>
+        </p:txBody>
+      </p:sp>
+      <p:sp>
+        <p:nvSpPr>
+          <p:cNvPr id="8" name="正方形/長方形 7">
+            <a:extLst>
+              <a:ext uri="{FF2B5EF4-FFF2-40B4-BE49-F238E27FC236}">
+                <a16:creationId xmlns:a16="http://schemas.microsoft.com/office/drawing/2014/main" id="{1952E5D3-3AB3-4F78-B1EA-C0C4A0FD2FD5}"/>
+              </a:ext>
+            </a:extLst>
+          </p:cNvPr>
+          <p:cNvSpPr/>
+          <p:nvPr/>
+        </p:nvSpPr>
+        <p:spPr>
+          <a:xfrm rot="20613984">
+            <a:off x="-181804" y="50601"/>
+            <a:ext cx="2958620" cy="360040"/>
+          </a:xfrm>
+          <a:prstGeom prst="rect">
+            <a:avLst/>
+          </a:prstGeom>
+        </p:spPr>
+        <p:style>
+          <a:lnRef idx="2">
+            <a:schemeClr val="accent1">
+              <a:shade val="50000"/>
+            </a:schemeClr>
+          </a:lnRef>
+          <a:fillRef idx="1">
+            <a:schemeClr val="accent1"/>
+          </a:fillRef>
+          <a:effectRef idx="0">
+            <a:schemeClr val="accent1"/>
+          </a:effectRef>
+          <a:fontRef idx="minor">
+            <a:schemeClr val="lt1"/>
+          </a:fontRef>
+        </p:style>
+        <p:txBody>
+          <a:bodyPr rtlCol="0" anchor="ctr"/>
+          <a:lstStyle/>
+          <a:p>
+            <a:pPr algn="ctr"/>
+            <a:r>
+              <a:rPr lang="en-US" altLang="ja-JP" dirty="0"/>
+              <a:t>S </a:t>
+            </a:r>
+            <a:r>
+              <a:rPr lang="en-US" altLang="ja-JP" dirty="0">
+                <a:sym typeface="Symbol" panose="05050102010706020507" pitchFamily="18" charset="2"/>
+              </a:rPr>
+              <a:t> </a:t>
+            </a:r>
+            <a:r>
+              <a:rPr lang="en-US" altLang="ja-JP" dirty="0"/>
+              <a:t>A</a:t>
+            </a:r>
+            <a:endParaRPr kumimoji="1" lang="ja-JP" altLang="en-US" dirty="0"/>
+          </a:p>
+        </p:txBody>
+      </p:sp>
+    </p:spTree>
+    <p:extLst>
+      <p:ext uri="{BB962C8B-B14F-4D97-AF65-F5344CB8AC3E}">
+        <p14:creationId xmlns:p14="http://schemas.microsoft.com/office/powerpoint/2010/main" val="2686158164"/>
+      </p:ext>
+    </p:extLst>
+  </p:cSld>
+  <p:clrMapOvr>
+    <a:masterClrMapping/>
+  </p:clrMapOvr>
+</p:sld>
+</file>
+
+<file path=ppt/slides/slide19.xml><?xml version="1.0" encoding="utf-8"?>
+<p:sld xmlns:a="http://schemas.openxmlformats.org/drawingml/2006/main" xmlns:r="http://schemas.openxmlformats.org/officeDocument/2006/relationships" xmlns:p="http://schemas.openxmlformats.org/presentationml/2006/main">
+  <p:cSld>
+    <p:spTree>
+      <p:nvGrpSpPr>
+        <p:cNvPr id="1" name=""/>
+        <p:cNvGrpSpPr/>
+        <p:nvPr/>
+      </p:nvGrpSpPr>
+      <p:grpSpPr>
+        <a:xfrm>
+          <a:off x="0" y="0"/>
+          <a:ext cx="0" cy="0"/>
+          <a:chOff x="0" y="0"/>
+          <a:chExt cx="0" cy="0"/>
+        </a:xfrm>
+      </p:grpSpPr>
+      <p:sp>
+        <p:nvSpPr>
+          <p:cNvPr id="2" name="タイトル 1">
+            <a:extLst>
+              <a:ext uri="{FF2B5EF4-FFF2-40B4-BE49-F238E27FC236}">
+                <a16:creationId xmlns:a16="http://schemas.microsoft.com/office/drawing/2014/main" id="{F3901764-EA19-425F-AA42-42A4B98335B9}"/>
+              </a:ext>
+            </a:extLst>
+          </p:cNvPr>
+          <p:cNvSpPr>
+            <a:spLocks noGrp="1"/>
+          </p:cNvSpPr>
+          <p:nvPr>
+            <p:ph type="title"/>
+          </p:nvPr>
+        </p:nvSpPr>
+        <p:spPr/>
+        <p:txBody>
+          <a:bodyPr/>
+          <a:lstStyle/>
+          <a:p>
+            <a:r>
+              <a:rPr kumimoji="1" lang="en-US" altLang="ja-JP" dirty="0"/>
+              <a:t>Web</a:t>
+            </a:r>
+            <a:r>
+              <a:rPr kumimoji="1" lang="ja-JP" altLang="en-US" dirty="0"/>
+              <a:t>会議比較</a:t>
+            </a:r>
+          </a:p>
+        </p:txBody>
+      </p:sp>
+      <p:graphicFrame>
+        <p:nvGraphicFramePr>
+          <p:cNvPr id="7" name="表 7">
+            <a:extLst>
+              <a:ext uri="{FF2B5EF4-FFF2-40B4-BE49-F238E27FC236}">
+                <a16:creationId xmlns:a16="http://schemas.microsoft.com/office/drawing/2014/main" id="{39A5C4A1-60C5-4CDD-A9D4-CEE05B18E219}"/>
+              </a:ext>
+            </a:extLst>
+          </p:cNvPr>
+          <p:cNvGraphicFramePr>
+            <a:graphicFrameLocks noGrp="1"/>
+          </p:cNvGraphicFramePr>
+          <p:nvPr>
+            <p:ph idx="1"/>
+            <p:extLst>
+              <p:ext uri="{D42A27DB-BD31-4B8C-83A1-F6EECF244321}">
+                <p14:modId xmlns:p14="http://schemas.microsoft.com/office/powerpoint/2010/main" val="304919662"/>
+              </p:ext>
+            </p:extLst>
+          </p:nvPr>
+        </p:nvGraphicFramePr>
+        <p:xfrm>
+          <a:off x="107504" y="1500188"/>
+          <a:ext cx="8928992" cy="3505200"/>
+        </p:xfrm>
+        <a:graphic>
+          <a:graphicData uri="http://schemas.openxmlformats.org/drawingml/2006/table">
+            <a:tbl>
+              <a:tblPr firstRow="1" bandRow="1">
+                <a:tableStyleId>{5C22544A-7EE6-4342-B048-85BDC9FD1C3A}</a:tableStyleId>
+              </a:tblPr>
+              <a:tblGrid>
+                <a:gridCol w="1964414">
+                  <a:extLst>
+                    <a:ext uri="{9D8B030D-6E8A-4147-A177-3AD203B41FA5}">
+                      <a16:colId xmlns:a16="http://schemas.microsoft.com/office/drawing/2014/main" val="2166208166"/>
+                    </a:ext>
+                  </a:extLst>
+                </a:gridCol>
+                <a:gridCol w="1607184">
+                  <a:extLst>
+                    <a:ext uri="{9D8B030D-6E8A-4147-A177-3AD203B41FA5}">
+                      <a16:colId xmlns:a16="http://schemas.microsoft.com/office/drawing/2014/main" val="612358156"/>
+                    </a:ext>
+                  </a:extLst>
+                </a:gridCol>
+                <a:gridCol w="1785798">
+                  <a:extLst>
+                    <a:ext uri="{9D8B030D-6E8A-4147-A177-3AD203B41FA5}">
+                      <a16:colId xmlns:a16="http://schemas.microsoft.com/office/drawing/2014/main" val="2619180082"/>
+                    </a:ext>
+                  </a:extLst>
+                </a:gridCol>
+                <a:gridCol w="1785798">
+                  <a:extLst>
+                    <a:ext uri="{9D8B030D-6E8A-4147-A177-3AD203B41FA5}">
+                      <a16:colId xmlns:a16="http://schemas.microsoft.com/office/drawing/2014/main" val="874047997"/>
+                    </a:ext>
+                  </a:extLst>
+                </a:gridCol>
+                <a:gridCol w="1785798">
+                  <a:extLst>
+                    <a:ext uri="{9D8B030D-6E8A-4147-A177-3AD203B41FA5}">
+                      <a16:colId xmlns:a16="http://schemas.microsoft.com/office/drawing/2014/main" val="3739433948"/>
+                    </a:ext>
+                  </a:extLst>
+                </a:gridCol>
+              </a:tblGrid>
+              <a:tr h="370840">
+                <a:tc>
+                  <a:txBody>
+                    <a:bodyPr/>
+                    <a:lstStyle/>
+                    <a:p>
+                      <a:endParaRPr kumimoji="1" lang="ja-JP" altLang="en-US" dirty="0"/>
+                    </a:p>
+                  </a:txBody>
+                  <a:tcPr/>
+                </a:tc>
+                <a:tc>
+                  <a:txBody>
+                    <a:bodyPr/>
+                    <a:lstStyle/>
+                    <a:p>
+                      <a:r>
+                        <a:rPr kumimoji="1" lang="en-US" altLang="ja-JP" dirty="0"/>
+                        <a:t>Zoom</a:t>
+                      </a:r>
+                      <a:endParaRPr kumimoji="1" lang="ja-JP" altLang="en-US" dirty="0"/>
+                    </a:p>
+                  </a:txBody>
+                  <a:tcPr/>
+                </a:tc>
+                <a:tc>
+                  <a:txBody>
+                    <a:bodyPr/>
+                    <a:lstStyle/>
+                    <a:p>
+                      <a:r>
+                        <a:rPr kumimoji="1" lang="en-US" altLang="ja-JP" dirty="0"/>
+                        <a:t>WebEx</a:t>
+                      </a:r>
+                      <a:endParaRPr kumimoji="1" lang="ja-JP" altLang="en-US" dirty="0"/>
+                    </a:p>
+                  </a:txBody>
+                  <a:tcPr/>
+                </a:tc>
+                <a:tc>
+                  <a:txBody>
+                    <a:bodyPr/>
+                    <a:lstStyle/>
+                    <a:p>
+                      <a:r>
+                        <a:rPr kumimoji="1" lang="en-US" altLang="ja-JP" dirty="0"/>
+                        <a:t>Meet</a:t>
+                      </a:r>
+                      <a:endParaRPr kumimoji="1" lang="ja-JP" altLang="en-US" dirty="0"/>
+                    </a:p>
+                  </a:txBody>
+                  <a:tcPr/>
+                </a:tc>
+                <a:tc>
+                  <a:txBody>
+                    <a:bodyPr/>
+                    <a:lstStyle/>
+                    <a:p>
+                      <a:r>
+                        <a:rPr kumimoji="1" lang="en-US" altLang="ja-JP" dirty="0"/>
+                        <a:t>Teams</a:t>
+                      </a:r>
+                      <a:endParaRPr kumimoji="1" lang="ja-JP" altLang="en-US" dirty="0"/>
+                    </a:p>
+                  </a:txBody>
+                  <a:tcPr/>
+                </a:tc>
+                <a:extLst>
+                  <a:ext uri="{0D108BD9-81ED-4DB2-BD59-A6C34878D82A}">
+                    <a16:rowId xmlns:a16="http://schemas.microsoft.com/office/drawing/2014/main" val="3449228270"/>
+                  </a:ext>
+                </a:extLst>
+              </a:tr>
+              <a:tr h="370840">
+                <a:tc>
+                  <a:txBody>
+                    <a:bodyPr/>
+                    <a:lstStyle/>
+                    <a:p>
+                      <a:r>
+                        <a:rPr kumimoji="1" lang="ja-JP" altLang="en-US" dirty="0"/>
+                        <a:t>デフォルト容量</a:t>
+                      </a:r>
+                    </a:p>
+                  </a:txBody>
+                  <a:tcPr/>
+                </a:tc>
+                <a:tc>
+                  <a:txBody>
+                    <a:bodyPr/>
+                    <a:lstStyle/>
+                    <a:p>
+                      <a:r>
+                        <a:rPr kumimoji="1" lang="en-US" altLang="ja-JP" dirty="0"/>
+                        <a:t>300</a:t>
+                      </a:r>
+                      <a:endParaRPr kumimoji="1" lang="ja-JP" altLang="en-US" dirty="0"/>
+                    </a:p>
+                  </a:txBody>
+                  <a:tcPr/>
+                </a:tc>
+                <a:tc>
+                  <a:txBody>
+                    <a:bodyPr/>
+                    <a:lstStyle/>
+                    <a:p>
+                      <a:r>
+                        <a:rPr kumimoji="1" lang="en-US" altLang="ja-JP" dirty="0"/>
+                        <a:t>1000</a:t>
+                      </a:r>
+                      <a:endParaRPr kumimoji="1" lang="ja-JP" altLang="en-US" dirty="0"/>
+                    </a:p>
+                  </a:txBody>
+                  <a:tcPr/>
+                </a:tc>
+                <a:tc>
+                  <a:txBody>
+                    <a:bodyPr/>
+                    <a:lstStyle/>
+                    <a:p>
+                      <a:r>
+                        <a:rPr kumimoji="1" lang="en-US" altLang="ja-JP" dirty="0"/>
+                        <a:t>250</a:t>
+                      </a:r>
+                      <a:endParaRPr kumimoji="1" lang="ja-JP" altLang="en-US" dirty="0"/>
+                    </a:p>
+                  </a:txBody>
+                  <a:tcPr/>
+                </a:tc>
+                <a:tc>
+                  <a:txBody>
+                    <a:bodyPr/>
+                    <a:lstStyle/>
+                    <a:p>
+                      <a:endParaRPr kumimoji="1" lang="ja-JP" altLang="en-US" dirty="0"/>
+                    </a:p>
+                  </a:txBody>
+                  <a:tcPr/>
+                </a:tc>
+                <a:extLst>
+                  <a:ext uri="{0D108BD9-81ED-4DB2-BD59-A6C34878D82A}">
+                    <a16:rowId xmlns:a16="http://schemas.microsoft.com/office/drawing/2014/main" val="3454901832"/>
+                  </a:ext>
+                </a:extLst>
+              </a:tr>
+              <a:tr h="370840">
+                <a:tc>
+                  <a:txBody>
+                    <a:bodyPr/>
+                    <a:lstStyle/>
+                    <a:p>
+                      <a:r>
+                        <a:rPr kumimoji="1" lang="ja-JP" altLang="en-US" dirty="0"/>
+                        <a:t>国境問題</a:t>
+                      </a:r>
+                    </a:p>
+                  </a:txBody>
+                  <a:tcPr/>
+                </a:tc>
+                <a:tc>
+                  <a:txBody>
+                    <a:bodyPr/>
+                    <a:lstStyle/>
+                    <a:p>
+                      <a:r>
+                        <a:rPr kumimoji="1" lang="ja-JP" altLang="en-US" dirty="0"/>
+                        <a:t>中国でアプリ提供停止</a:t>
+                      </a:r>
+                    </a:p>
+                  </a:txBody>
+                  <a:tcPr/>
+                </a:tc>
+                <a:tc>
+                  <a:txBody>
+                    <a:bodyPr/>
+                    <a:lstStyle/>
+                    <a:p>
+                      <a:endParaRPr kumimoji="1" lang="ja-JP" altLang="en-US" dirty="0"/>
+                    </a:p>
+                  </a:txBody>
+                  <a:tcPr/>
+                </a:tc>
+                <a:tc>
+                  <a:txBody>
+                    <a:bodyPr/>
+                    <a:lstStyle/>
+                    <a:p>
+                      <a:r>
+                        <a:rPr kumimoji="1" lang="ja-JP" altLang="en-US" dirty="0"/>
+                        <a:t>中国から使えない</a:t>
+                      </a:r>
+                    </a:p>
+                  </a:txBody>
+                  <a:tcPr/>
+                </a:tc>
+                <a:tc>
+                  <a:txBody>
+                    <a:bodyPr/>
+                    <a:lstStyle/>
+                    <a:p>
+                      <a:endParaRPr kumimoji="1" lang="ja-JP" altLang="en-US" dirty="0"/>
+                    </a:p>
+                  </a:txBody>
+                  <a:tcPr/>
+                </a:tc>
+                <a:extLst>
+                  <a:ext uri="{0D108BD9-81ED-4DB2-BD59-A6C34878D82A}">
+                    <a16:rowId xmlns:a16="http://schemas.microsoft.com/office/drawing/2014/main" val="2454443427"/>
+                  </a:ext>
+                </a:extLst>
+              </a:tr>
+              <a:tr h="370840">
+                <a:tc>
+                  <a:txBody>
+                    <a:bodyPr/>
+                    <a:lstStyle/>
+                    <a:p>
+                      <a:r>
+                        <a:rPr kumimoji="1" lang="en-US" altLang="ja-JP" dirty="0"/>
+                        <a:t>E2E </a:t>
+                      </a:r>
+                      <a:r>
+                        <a:rPr kumimoji="1" lang="ja-JP" altLang="en-US" dirty="0"/>
+                        <a:t>暗号化</a:t>
+                      </a:r>
+                    </a:p>
+                  </a:txBody>
+                  <a:tcPr/>
+                </a:tc>
+                <a:tc>
+                  <a:txBody>
+                    <a:bodyPr/>
+                    <a:lstStyle/>
+                    <a:p>
+                      <a:endParaRPr kumimoji="1" lang="ja-JP" altLang="en-US" dirty="0"/>
+                    </a:p>
+                  </a:txBody>
+                  <a:tcPr/>
+                </a:tc>
+                <a:tc>
+                  <a:txBody>
+                    <a:bodyPr/>
+                    <a:lstStyle/>
+                    <a:p>
+                      <a:r>
+                        <a:rPr kumimoji="1" lang="ja-JP" altLang="en-US" dirty="0"/>
+                        <a:t>〇</a:t>
+                      </a:r>
+                    </a:p>
+                  </a:txBody>
+                  <a:tcPr/>
+                </a:tc>
+                <a:tc>
+                  <a:txBody>
+                    <a:bodyPr/>
+                    <a:lstStyle/>
+                    <a:p>
+                      <a:endParaRPr kumimoji="1" lang="ja-JP" altLang="en-US"/>
+                    </a:p>
+                  </a:txBody>
+                  <a:tcPr/>
+                </a:tc>
+                <a:tc>
+                  <a:txBody>
+                    <a:bodyPr/>
+                    <a:lstStyle/>
+                    <a:p>
+                      <a:endParaRPr kumimoji="1" lang="ja-JP" altLang="en-US" dirty="0"/>
+                    </a:p>
+                  </a:txBody>
+                  <a:tcPr/>
+                </a:tc>
+                <a:extLst>
+                  <a:ext uri="{0D108BD9-81ED-4DB2-BD59-A6C34878D82A}">
+                    <a16:rowId xmlns:a16="http://schemas.microsoft.com/office/drawing/2014/main" val="3049483235"/>
+                  </a:ext>
+                </a:extLst>
+              </a:tr>
+              <a:tr h="370840">
+                <a:tc>
+                  <a:txBody>
+                    <a:bodyPr/>
+                    <a:lstStyle/>
+                    <a:p>
+                      <a:r>
+                        <a:rPr kumimoji="1" lang="ja-JP" altLang="en-US" dirty="0"/>
+                        <a:t>同時に複数開催</a:t>
+                      </a:r>
+                    </a:p>
+                  </a:txBody>
+                  <a:tcPr/>
+                </a:tc>
+                <a:tc>
+                  <a:txBody>
+                    <a:bodyPr/>
+                    <a:lstStyle/>
+                    <a:p>
+                      <a:endParaRPr kumimoji="1" lang="ja-JP" altLang="en-US" dirty="0"/>
+                    </a:p>
+                  </a:txBody>
+                  <a:tcPr/>
+                </a:tc>
+                <a:tc>
+                  <a:txBody>
+                    <a:bodyPr/>
+                    <a:lstStyle/>
+                    <a:p>
+                      <a:endParaRPr kumimoji="1" lang="ja-JP" altLang="en-US" dirty="0"/>
+                    </a:p>
+                  </a:txBody>
+                  <a:tcPr/>
+                </a:tc>
+                <a:tc>
+                  <a:txBody>
+                    <a:bodyPr/>
+                    <a:lstStyle/>
+                    <a:p>
+                      <a:r>
+                        <a:rPr kumimoji="1" lang="ja-JP" altLang="en-US" dirty="0"/>
+                        <a:t>可能</a:t>
+                      </a:r>
+                    </a:p>
+                  </a:txBody>
+                  <a:tcPr/>
+                </a:tc>
+                <a:tc>
+                  <a:txBody>
+                    <a:bodyPr/>
+                    <a:lstStyle/>
+                    <a:p>
+                      <a:r>
+                        <a:rPr kumimoji="1" lang="en-US" altLang="ja-JP" dirty="0"/>
+                        <a:t>?</a:t>
+                      </a:r>
+                      <a:endParaRPr kumimoji="1" lang="ja-JP" altLang="en-US" dirty="0"/>
+                    </a:p>
+                  </a:txBody>
+                  <a:tcPr/>
+                </a:tc>
+                <a:extLst>
+                  <a:ext uri="{0D108BD9-81ED-4DB2-BD59-A6C34878D82A}">
+                    <a16:rowId xmlns:a16="http://schemas.microsoft.com/office/drawing/2014/main" val="2008865874"/>
+                  </a:ext>
+                </a:extLst>
+              </a:tr>
+              <a:tr h="370840">
+                <a:tc>
+                  <a:txBody>
+                    <a:bodyPr/>
+                    <a:lstStyle/>
+                    <a:p>
+                      <a:r>
+                        <a:rPr kumimoji="1" lang="ja-JP" altLang="en-US" dirty="0"/>
+                        <a:t>待機室</a:t>
+                      </a:r>
+                    </a:p>
+                  </a:txBody>
+                  <a:tcPr/>
+                </a:tc>
+                <a:tc>
+                  <a:txBody>
+                    <a:bodyPr/>
+                    <a:lstStyle/>
+                    <a:p>
+                      <a:endParaRPr kumimoji="1" lang="ja-JP" altLang="en-US" dirty="0"/>
+                    </a:p>
+                  </a:txBody>
+                  <a:tcPr/>
+                </a:tc>
+                <a:tc>
+                  <a:txBody>
+                    <a:bodyPr/>
+                    <a:lstStyle/>
+                    <a:p>
+                      <a:endParaRPr kumimoji="1" lang="ja-JP" altLang="en-US" dirty="0"/>
+                    </a:p>
+                  </a:txBody>
+                  <a:tcPr/>
+                </a:tc>
+                <a:tc>
+                  <a:txBody>
+                    <a:bodyPr/>
+                    <a:lstStyle/>
+                    <a:p>
+                      <a:endParaRPr kumimoji="1" lang="ja-JP" altLang="en-US" dirty="0"/>
+                    </a:p>
+                  </a:txBody>
+                  <a:tcPr/>
+                </a:tc>
+                <a:tc>
+                  <a:txBody>
+                    <a:bodyPr/>
+                    <a:lstStyle/>
+                    <a:p>
+                      <a:endParaRPr kumimoji="1" lang="ja-JP" altLang="en-US" dirty="0"/>
+                    </a:p>
+                  </a:txBody>
+                  <a:tcPr/>
+                </a:tc>
+                <a:extLst>
+                  <a:ext uri="{0D108BD9-81ED-4DB2-BD59-A6C34878D82A}">
+                    <a16:rowId xmlns:a16="http://schemas.microsoft.com/office/drawing/2014/main" val="547611393"/>
+                  </a:ext>
+                </a:extLst>
+              </a:tr>
+              <a:tr h="370840">
+                <a:tc>
+                  <a:txBody>
+                    <a:bodyPr/>
+                    <a:lstStyle/>
+                    <a:p>
+                      <a:r>
+                        <a:rPr kumimoji="1" lang="ja-JP" altLang="en-US" dirty="0"/>
+                        <a:t>手上げ・いいねなど</a:t>
+                      </a:r>
+                    </a:p>
+                  </a:txBody>
+                  <a:tcPr/>
+                </a:tc>
+                <a:tc>
+                  <a:txBody>
+                    <a:bodyPr/>
+                    <a:lstStyle/>
+                    <a:p>
+                      <a:endParaRPr kumimoji="1" lang="ja-JP" altLang="en-US" dirty="0"/>
+                    </a:p>
+                  </a:txBody>
+                  <a:tcPr/>
+                </a:tc>
+                <a:tc>
+                  <a:txBody>
+                    <a:bodyPr/>
+                    <a:lstStyle/>
+                    <a:p>
+                      <a:endParaRPr kumimoji="1" lang="ja-JP" altLang="en-US" dirty="0"/>
+                    </a:p>
+                  </a:txBody>
+                  <a:tcPr/>
+                </a:tc>
+                <a:tc>
+                  <a:txBody>
+                    <a:bodyPr/>
+                    <a:lstStyle/>
+                    <a:p>
+                      <a:endParaRPr kumimoji="1" lang="ja-JP" altLang="en-US" dirty="0"/>
+                    </a:p>
+                  </a:txBody>
+                  <a:tcPr/>
+                </a:tc>
+                <a:tc>
+                  <a:txBody>
+                    <a:bodyPr/>
+                    <a:lstStyle/>
+                    <a:p>
+                      <a:endParaRPr kumimoji="1" lang="ja-JP" altLang="en-US" dirty="0"/>
+                    </a:p>
+                  </a:txBody>
+                  <a:tcPr/>
+                </a:tc>
+                <a:extLst>
+                  <a:ext uri="{0D108BD9-81ED-4DB2-BD59-A6C34878D82A}">
+                    <a16:rowId xmlns:a16="http://schemas.microsoft.com/office/drawing/2014/main" val="1593239911"/>
+                  </a:ext>
+                </a:extLst>
+              </a:tr>
+              <a:tr h="370840">
+                <a:tc>
+                  <a:txBody>
+                    <a:bodyPr/>
+                    <a:lstStyle/>
+                    <a:p>
+                      <a:r>
+                        <a:rPr kumimoji="1" lang="ja-JP" altLang="en-US" dirty="0"/>
+                        <a:t>投票</a:t>
+                      </a:r>
+                    </a:p>
+                  </a:txBody>
+                  <a:tcPr/>
+                </a:tc>
+                <a:tc>
+                  <a:txBody>
+                    <a:bodyPr/>
+                    <a:lstStyle/>
+                    <a:p>
+                      <a:endParaRPr kumimoji="1" lang="ja-JP" altLang="en-US" dirty="0"/>
+                    </a:p>
+                  </a:txBody>
+                  <a:tcPr/>
+                </a:tc>
+                <a:tc>
+                  <a:txBody>
+                    <a:bodyPr/>
+                    <a:lstStyle/>
+                    <a:p>
+                      <a:endParaRPr kumimoji="1" lang="ja-JP" altLang="en-US" dirty="0"/>
+                    </a:p>
+                  </a:txBody>
+                  <a:tcPr/>
+                </a:tc>
+                <a:tc>
+                  <a:txBody>
+                    <a:bodyPr/>
+                    <a:lstStyle/>
+                    <a:p>
+                      <a:endParaRPr kumimoji="1" lang="ja-JP" altLang="en-US" dirty="0"/>
+                    </a:p>
+                  </a:txBody>
+                  <a:tcPr/>
+                </a:tc>
+                <a:tc>
+                  <a:txBody>
+                    <a:bodyPr/>
+                    <a:lstStyle/>
+                    <a:p>
+                      <a:endParaRPr kumimoji="1" lang="ja-JP" altLang="en-US" dirty="0"/>
+                    </a:p>
+                  </a:txBody>
+                  <a:tcPr/>
+                </a:tc>
+                <a:extLst>
+                  <a:ext uri="{0D108BD9-81ED-4DB2-BD59-A6C34878D82A}">
+                    <a16:rowId xmlns:a16="http://schemas.microsoft.com/office/drawing/2014/main" val="2149888442"/>
+                  </a:ext>
+                </a:extLst>
+              </a:tr>
+            </a:tbl>
+          </a:graphicData>
+        </a:graphic>
+      </p:graphicFrame>
+      <p:sp>
+        <p:nvSpPr>
+          <p:cNvPr id="4" name="日付プレースホルダー 3">
+            <a:extLst>
+              <a:ext uri="{FF2B5EF4-FFF2-40B4-BE49-F238E27FC236}">
+                <a16:creationId xmlns:a16="http://schemas.microsoft.com/office/drawing/2014/main" id="{440B48D0-57D6-4428-A9F5-B74FBE12BE93}"/>
+              </a:ext>
+            </a:extLst>
+          </p:cNvPr>
+          <p:cNvSpPr>
+            <a:spLocks noGrp="1"/>
+          </p:cNvSpPr>
+          <p:nvPr>
+            <p:ph type="dt" sz="half" idx="10"/>
+          </p:nvPr>
+        </p:nvSpPr>
+        <p:spPr/>
+        <p:txBody>
+          <a:bodyPr/>
+          <a:lstStyle/>
+          <a:p>
+            <a:r>
+              <a:rPr kumimoji="1" lang="en-US" altLang="ja-JP"/>
+              <a:t>2020/9/11</a:t>
+            </a:r>
+            <a:endParaRPr kumimoji="1" lang="ja-JP" altLang="en-US"/>
+          </a:p>
+        </p:txBody>
+      </p:sp>
+      <p:sp>
+        <p:nvSpPr>
+          <p:cNvPr id="5" name="フッター プレースホルダー 4">
+            <a:extLst>
+              <a:ext uri="{FF2B5EF4-FFF2-40B4-BE49-F238E27FC236}">
+                <a16:creationId xmlns:a16="http://schemas.microsoft.com/office/drawing/2014/main" id="{3C3EFCDA-C409-4467-AAEF-9E826C98E797}"/>
+              </a:ext>
+            </a:extLst>
+          </p:cNvPr>
+          <p:cNvSpPr>
+            <a:spLocks noGrp="1"/>
+          </p:cNvSpPr>
+          <p:nvPr>
+            <p:ph type="ftr" sz="quarter" idx="11"/>
+          </p:nvPr>
+        </p:nvSpPr>
+        <p:spPr/>
+        <p:txBody>
+          <a:bodyPr/>
+          <a:lstStyle/>
+          <a:p>
+            <a:r>
+              <a:rPr kumimoji="1" lang="en-US" altLang="ja-JP"/>
+              <a:t>A</a:t>
+            </a:r>
+            <a:r>
+              <a:rPr kumimoji="1" lang="ja-JP" altLang="en-US"/>
+              <a:t>セメスタ説明会 </a:t>
+            </a:r>
+            <a:r>
+              <a:rPr kumimoji="1" lang="en-US" altLang="ja-JP"/>
+              <a:t>utelecon.github.io</a:t>
+            </a:r>
+            <a:endParaRPr kumimoji="1" lang="ja-JP" altLang="en-US"/>
+          </a:p>
+        </p:txBody>
+      </p:sp>
+      <p:sp>
+        <p:nvSpPr>
+          <p:cNvPr id="6" name="スライド番号プレースホルダー 5">
+            <a:extLst>
+              <a:ext uri="{FF2B5EF4-FFF2-40B4-BE49-F238E27FC236}">
+                <a16:creationId xmlns:a16="http://schemas.microsoft.com/office/drawing/2014/main" id="{14934887-D5F2-4C4A-9EC6-EA4C99EF7BDE}"/>
+              </a:ext>
+            </a:extLst>
+          </p:cNvPr>
+          <p:cNvSpPr>
+            <a:spLocks noGrp="1"/>
+          </p:cNvSpPr>
+          <p:nvPr>
+            <p:ph type="sldNum" sz="quarter" idx="12"/>
+          </p:nvPr>
+        </p:nvSpPr>
+        <p:spPr/>
+        <p:txBody>
+          <a:bodyPr/>
+          <a:lstStyle/>
+          <a:p>
+            <a:fld id="{EDF77D8D-9987-453A-9A05-EB91CA595C68}" type="slidenum">
+              <a:rPr kumimoji="1" lang="ja-JP" altLang="en-US" smtClean="0"/>
+              <a:pPr/>
+              <a:t>19</a:t>
+            </a:fld>
+            <a:endParaRPr kumimoji="1" lang="ja-JP" altLang="en-US"/>
+          </a:p>
+        </p:txBody>
+      </p:sp>
+    </p:spTree>
+    <p:extLst>
+      <p:ext uri="{BB962C8B-B14F-4D97-AF65-F5344CB8AC3E}">
+        <p14:creationId xmlns:p14="http://schemas.microsoft.com/office/powerpoint/2010/main" val="1450040450"/>
       </p:ext>
     </p:extLst>
   </p:cSld>
@@ -52867,7 +56210,1235 @@
 </p:sld>
 </file>
 
+<file path=ppt/slides/slide20.xml><?xml version="1.0" encoding="utf-8"?>
+<p:sld xmlns:a="http://schemas.openxmlformats.org/drawingml/2006/main" xmlns:r="http://schemas.openxmlformats.org/officeDocument/2006/relationships" xmlns:p="http://schemas.openxmlformats.org/presentationml/2006/main">
+  <p:cSld>
+    <p:spTree>
+      <p:nvGrpSpPr>
+        <p:cNvPr id="1" name=""/>
+        <p:cNvGrpSpPr/>
+        <p:nvPr/>
+      </p:nvGrpSpPr>
+      <p:grpSpPr>
+        <a:xfrm>
+          <a:off x="0" y="0"/>
+          <a:ext cx="0" cy="0"/>
+          <a:chOff x="0" y="0"/>
+          <a:chExt cx="0" cy="0"/>
+        </a:xfrm>
+      </p:grpSpPr>
+      <p:sp>
+        <p:nvSpPr>
+          <p:cNvPr id="9" name="コンテンツ プレースホルダー 8">
+            <a:extLst>
+              <a:ext uri="{FF2B5EF4-FFF2-40B4-BE49-F238E27FC236}">
+                <a16:creationId xmlns:a16="http://schemas.microsoft.com/office/drawing/2014/main" id="{54CE2A29-8264-40BB-BB69-5A3962C54469}"/>
+              </a:ext>
+            </a:extLst>
+          </p:cNvPr>
+          <p:cNvSpPr>
+            <a:spLocks noGrp="1"/>
+          </p:cNvSpPr>
+          <p:nvPr>
+            <p:ph idx="1"/>
+          </p:nvPr>
+        </p:nvSpPr>
+        <p:spPr/>
+        <p:txBody>
+          <a:bodyPr/>
+          <a:lstStyle/>
+          <a:p>
+            <a:r>
+              <a:rPr lang="en-US" altLang="ja-JP" dirty="0" err="1"/>
+              <a:t>UTokyo</a:t>
+            </a:r>
+            <a:r>
+              <a:rPr lang="en-US" altLang="ja-JP" dirty="0"/>
+              <a:t> Account</a:t>
+            </a:r>
+            <a:r>
+              <a:rPr lang="ja-JP" altLang="en-US" dirty="0"/>
+              <a:t>の</a:t>
+            </a:r>
+            <a:r>
+              <a:rPr lang="en-US" altLang="ja-JP" dirty="0"/>
+              <a:t>PW</a:t>
+            </a:r>
+            <a:r>
+              <a:rPr lang="ja-JP" altLang="en-US" dirty="0"/>
+              <a:t>変更画面変わった</a:t>
+            </a:r>
+            <a:r>
+              <a:rPr lang="en-US" altLang="ja-JP" dirty="0"/>
+              <a:t>?</a:t>
+            </a:r>
+          </a:p>
+          <a:p>
+            <a:r>
+              <a:rPr lang="ja-JP" altLang="en-US" dirty="0"/>
+              <a:t>以下で表現されていないのは</a:t>
+            </a:r>
+            <a:r>
+              <a:rPr lang="en-US" altLang="ja-JP" dirty="0"/>
+              <a:t>MS</a:t>
+            </a:r>
+            <a:r>
+              <a:rPr lang="ja-JP" altLang="en-US" dirty="0"/>
+              <a:t>の「</a:t>
+            </a:r>
+            <a:r>
+              <a:rPr lang="en-US" altLang="ja-JP" dirty="0"/>
+              <a:t>Sign-In</a:t>
+            </a:r>
+            <a:r>
+              <a:rPr lang="ja-JP" altLang="en-US" dirty="0"/>
+              <a:t>」では</a:t>
+            </a:r>
+            <a:r>
+              <a:rPr lang="en-US" altLang="ja-JP" dirty="0"/>
+              <a:t>@utac </a:t>
+            </a:r>
+            <a:r>
+              <a:rPr lang="ja-JP" altLang="en-US"/>
+              <a:t>が必須なところか</a:t>
+            </a:r>
+            <a:endParaRPr lang="en-US" altLang="ja-JP" dirty="0"/>
+          </a:p>
+        </p:txBody>
+      </p:sp>
+      <p:sp>
+        <p:nvSpPr>
+          <p:cNvPr id="2" name="タイトル 1">
+            <a:extLst>
+              <a:ext uri="{FF2B5EF4-FFF2-40B4-BE49-F238E27FC236}">
+                <a16:creationId xmlns:a16="http://schemas.microsoft.com/office/drawing/2014/main" id="{9CDC70EE-0C5F-4125-B18B-58712AB4F695}"/>
+              </a:ext>
+            </a:extLst>
+          </p:cNvPr>
+          <p:cNvSpPr>
+            <a:spLocks noGrp="1"/>
+          </p:cNvSpPr>
+          <p:nvPr>
+            <p:ph type="title"/>
+          </p:nvPr>
+        </p:nvSpPr>
+        <p:spPr/>
+        <p:txBody>
+          <a:bodyPr/>
+          <a:lstStyle/>
+          <a:p>
+            <a:r>
+              <a:rPr kumimoji="1" lang="ja-JP" altLang="en-US" dirty="0"/>
+              <a:t>多すぎる</a:t>
+            </a:r>
+            <a:r>
+              <a:rPr lang="ja-JP" altLang="en-US" dirty="0"/>
+              <a:t>アカウント</a:t>
+            </a:r>
+            <a:r>
+              <a:rPr kumimoji="1" lang="ja-JP" altLang="en-US" dirty="0"/>
+              <a:t>のまとめ</a:t>
+            </a:r>
+          </a:p>
+        </p:txBody>
+      </p:sp>
+      <p:sp>
+        <p:nvSpPr>
+          <p:cNvPr id="4" name="日付プレースホルダー 3">
+            <a:extLst>
+              <a:ext uri="{FF2B5EF4-FFF2-40B4-BE49-F238E27FC236}">
+                <a16:creationId xmlns:a16="http://schemas.microsoft.com/office/drawing/2014/main" id="{DD45426F-064D-45E2-B3D9-FC9B7CD8D052}"/>
+              </a:ext>
+            </a:extLst>
+          </p:cNvPr>
+          <p:cNvSpPr>
+            <a:spLocks noGrp="1"/>
+          </p:cNvSpPr>
+          <p:nvPr>
+            <p:ph type="dt" sz="half" idx="10"/>
+          </p:nvPr>
+        </p:nvSpPr>
+        <p:spPr/>
+        <p:txBody>
+          <a:bodyPr/>
+          <a:lstStyle/>
+          <a:p>
+            <a:r>
+              <a:rPr kumimoji="1" lang="en-US" altLang="ja-JP"/>
+              <a:t>2020/9/11</a:t>
+            </a:r>
+            <a:endParaRPr kumimoji="1" lang="ja-JP" altLang="en-US"/>
+          </a:p>
+        </p:txBody>
+      </p:sp>
+      <p:sp>
+        <p:nvSpPr>
+          <p:cNvPr id="5" name="フッター プレースホルダー 4">
+            <a:extLst>
+              <a:ext uri="{FF2B5EF4-FFF2-40B4-BE49-F238E27FC236}">
+                <a16:creationId xmlns:a16="http://schemas.microsoft.com/office/drawing/2014/main" id="{C524167A-E45F-4E01-867C-F3A64F9F6CA6}"/>
+              </a:ext>
+            </a:extLst>
+          </p:cNvPr>
+          <p:cNvSpPr>
+            <a:spLocks noGrp="1"/>
+          </p:cNvSpPr>
+          <p:nvPr>
+            <p:ph type="ftr" sz="quarter" idx="11"/>
+          </p:nvPr>
+        </p:nvSpPr>
+        <p:spPr/>
+        <p:txBody>
+          <a:bodyPr/>
+          <a:lstStyle/>
+          <a:p>
+            <a:r>
+              <a:rPr kumimoji="1" lang="en-US" altLang="ja-JP"/>
+              <a:t>A</a:t>
+            </a:r>
+            <a:r>
+              <a:rPr kumimoji="1" lang="ja-JP" altLang="en-US"/>
+              <a:t>セメスタ説明会 </a:t>
+            </a:r>
+            <a:r>
+              <a:rPr kumimoji="1" lang="en-US" altLang="ja-JP"/>
+              <a:t>utelecon.github.io</a:t>
+            </a:r>
+            <a:endParaRPr kumimoji="1" lang="ja-JP" altLang="en-US"/>
+          </a:p>
+        </p:txBody>
+      </p:sp>
+      <p:sp>
+        <p:nvSpPr>
+          <p:cNvPr id="6" name="スライド番号プレースホルダー 5">
+            <a:extLst>
+              <a:ext uri="{FF2B5EF4-FFF2-40B4-BE49-F238E27FC236}">
+                <a16:creationId xmlns:a16="http://schemas.microsoft.com/office/drawing/2014/main" id="{C6A3DB47-5732-40D6-AF65-D9ADA4782002}"/>
+              </a:ext>
+            </a:extLst>
+          </p:cNvPr>
+          <p:cNvSpPr>
+            <a:spLocks noGrp="1"/>
+          </p:cNvSpPr>
+          <p:nvPr>
+            <p:ph type="sldNum" sz="quarter" idx="12"/>
+          </p:nvPr>
+        </p:nvSpPr>
+        <p:spPr/>
+        <p:txBody>
+          <a:bodyPr/>
+          <a:lstStyle/>
+          <a:p>
+            <a:fld id="{EDF77D8D-9987-453A-9A05-EB91CA595C68}" type="slidenum">
+              <a:rPr kumimoji="1" lang="ja-JP" altLang="en-US" smtClean="0"/>
+              <a:pPr/>
+              <a:t>20</a:t>
+            </a:fld>
+            <a:endParaRPr kumimoji="1" lang="ja-JP" altLang="en-US"/>
+          </a:p>
+        </p:txBody>
+      </p:sp>
+      <p:graphicFrame>
+        <p:nvGraphicFramePr>
+          <p:cNvPr id="7" name="表 7">
+            <a:extLst>
+              <a:ext uri="{FF2B5EF4-FFF2-40B4-BE49-F238E27FC236}">
+                <a16:creationId xmlns:a16="http://schemas.microsoft.com/office/drawing/2014/main" id="{20754320-07CC-4FD4-B965-C8799764BDE4}"/>
+              </a:ext>
+            </a:extLst>
+          </p:cNvPr>
+          <p:cNvGraphicFramePr>
+            <a:graphicFrameLocks noGrp="1"/>
+          </p:cNvGraphicFramePr>
+          <p:nvPr>
+            <p:extLst>
+              <p:ext uri="{D42A27DB-BD31-4B8C-83A1-F6EECF244321}">
+                <p14:modId xmlns:p14="http://schemas.microsoft.com/office/powerpoint/2010/main" val="2813383480"/>
+              </p:ext>
+            </p:extLst>
+          </p:nvPr>
+        </p:nvGraphicFramePr>
+        <p:xfrm>
+          <a:off x="287524" y="3054568"/>
+          <a:ext cx="6444716" cy="2966720"/>
+        </p:xfrm>
+        <a:graphic>
+          <a:graphicData uri="http://schemas.openxmlformats.org/drawingml/2006/table">
+            <a:tbl>
+              <a:tblPr firstRow="1" bandRow="1">
+                <a:tableStyleId>{5C22544A-7EE6-4342-B048-85BDC9FD1C3A}</a:tableStyleId>
+              </a:tblPr>
+              <a:tblGrid>
+                <a:gridCol w="3456384">
+                  <a:extLst>
+                    <a:ext uri="{9D8B030D-6E8A-4147-A177-3AD203B41FA5}">
+                      <a16:colId xmlns:a16="http://schemas.microsoft.com/office/drawing/2014/main" val="2083383562"/>
+                    </a:ext>
+                  </a:extLst>
+                </a:gridCol>
+                <a:gridCol w="2988332">
+                  <a:extLst>
+                    <a:ext uri="{9D8B030D-6E8A-4147-A177-3AD203B41FA5}">
+                      <a16:colId xmlns:a16="http://schemas.microsoft.com/office/drawing/2014/main" val="2258829827"/>
+                    </a:ext>
+                  </a:extLst>
+                </a:gridCol>
+              </a:tblGrid>
+              <a:tr h="370840">
+                <a:tc>
+                  <a:txBody>
+                    <a:bodyPr/>
+                    <a:lstStyle/>
+                    <a:p>
+                      <a:endParaRPr kumimoji="1" lang="ja-JP" altLang="en-US"/>
+                    </a:p>
+                  </a:txBody>
+                  <a:tcPr/>
+                </a:tc>
+                <a:tc>
+                  <a:txBody>
+                    <a:bodyPr/>
+                    <a:lstStyle/>
+                    <a:p>
+                      <a:endParaRPr kumimoji="1" lang="ja-JP" altLang="en-US"/>
+                    </a:p>
+                  </a:txBody>
+                  <a:tcPr/>
+                </a:tc>
+                <a:extLst>
+                  <a:ext uri="{0D108BD9-81ED-4DB2-BD59-A6C34878D82A}">
+                    <a16:rowId xmlns:a16="http://schemas.microsoft.com/office/drawing/2014/main" val="3252648028"/>
+                  </a:ext>
+                </a:extLst>
+              </a:tr>
+              <a:tr h="370840">
+                <a:tc>
+                  <a:txBody>
+                    <a:bodyPr/>
+                    <a:lstStyle/>
+                    <a:p>
+                      <a:r>
+                        <a:rPr kumimoji="1" lang="en-US" altLang="ja-JP" dirty="0"/>
+                        <a:t>UTAS</a:t>
+                      </a:r>
+                      <a:endParaRPr kumimoji="1" lang="ja-JP" altLang="en-US" dirty="0"/>
+                    </a:p>
+                  </a:txBody>
+                  <a:tcPr/>
+                </a:tc>
+                <a:tc>
+                  <a:txBody>
+                    <a:bodyPr/>
+                    <a:lstStyle/>
+                    <a:p>
+                      <a:r>
+                        <a:rPr kumimoji="1" lang="en-US" altLang="ja-JP" dirty="0"/>
+                        <a:t>10</a:t>
+                      </a:r>
+                      <a:r>
+                        <a:rPr kumimoji="1" lang="ja-JP" altLang="en-US" dirty="0"/>
+                        <a:t>桁 </a:t>
+                      </a:r>
+                      <a:r>
+                        <a:rPr kumimoji="1" lang="en-US" altLang="ja-JP" dirty="0"/>
+                        <a:t>(@utac.u-tokyo.ac.jp)</a:t>
+                      </a:r>
+                      <a:endParaRPr kumimoji="1" lang="ja-JP" altLang="en-US" dirty="0"/>
+                    </a:p>
+                  </a:txBody>
+                  <a:tcPr/>
+                </a:tc>
+                <a:extLst>
+                  <a:ext uri="{0D108BD9-81ED-4DB2-BD59-A6C34878D82A}">
+                    <a16:rowId xmlns:a16="http://schemas.microsoft.com/office/drawing/2014/main" val="3681389196"/>
+                  </a:ext>
+                </a:extLst>
+              </a:tr>
+              <a:tr h="370840">
+                <a:tc>
+                  <a:txBody>
+                    <a:bodyPr/>
+                    <a:lstStyle/>
+                    <a:p>
+                      <a:r>
+                        <a:rPr kumimoji="1" lang="en-US" altLang="ja-JP" dirty="0"/>
+                        <a:t>ITC-LMS</a:t>
+                      </a:r>
+                      <a:endParaRPr kumimoji="1" lang="ja-JP" altLang="en-US" dirty="0"/>
+                    </a:p>
+                  </a:txBody>
+                  <a:tcPr/>
+                </a:tc>
+                <a:tc>
+                  <a:txBody>
+                    <a:bodyPr/>
+                    <a:lstStyle/>
+                    <a:p>
+                      <a:r>
+                        <a:rPr kumimoji="1" lang="en-US" altLang="ja-JP" dirty="0"/>
+                        <a:t>10</a:t>
+                      </a:r>
+                      <a:r>
+                        <a:rPr kumimoji="1" lang="ja-JP" altLang="en-US" dirty="0"/>
+                        <a:t>桁 </a:t>
+                      </a:r>
+                      <a:r>
+                        <a:rPr kumimoji="1" lang="en-US" altLang="ja-JP" dirty="0"/>
+                        <a:t>(@utac.u-tokyo.ac.jp)</a:t>
+                      </a:r>
+                      <a:endParaRPr kumimoji="1" lang="ja-JP" altLang="en-US" dirty="0"/>
+                    </a:p>
+                  </a:txBody>
+                  <a:tcPr/>
+                </a:tc>
+                <a:extLst>
+                  <a:ext uri="{0D108BD9-81ED-4DB2-BD59-A6C34878D82A}">
+                    <a16:rowId xmlns:a16="http://schemas.microsoft.com/office/drawing/2014/main" val="4270789702"/>
+                  </a:ext>
+                </a:extLst>
+              </a:tr>
+              <a:tr h="370840">
+                <a:tc>
+                  <a:txBody>
+                    <a:bodyPr/>
+                    <a:lstStyle/>
+                    <a:p>
+                      <a:r>
+                        <a:rPr kumimoji="1" lang="en-US" altLang="ja-JP" dirty="0"/>
+                        <a:t>Microsoft</a:t>
+                      </a:r>
+                      <a:r>
+                        <a:rPr kumimoji="1" lang="ja-JP" altLang="en-US" dirty="0"/>
+                        <a:t>（含 </a:t>
+                      </a:r>
+                      <a:r>
+                        <a:rPr kumimoji="1" lang="en-US" altLang="ja-JP" dirty="0"/>
+                        <a:t>Teams</a:t>
+                      </a:r>
+                      <a:r>
+                        <a:rPr kumimoji="1" lang="ja-JP" altLang="en-US" dirty="0"/>
+                        <a:t>）</a:t>
+                      </a:r>
+                    </a:p>
+                  </a:txBody>
+                  <a:tcPr/>
+                </a:tc>
+                <a:tc>
+                  <a:txBody>
+                    <a:bodyPr/>
+                    <a:lstStyle/>
+                    <a:p>
+                      <a:r>
+                        <a:rPr kumimoji="1" lang="en-US" altLang="ja-JP" dirty="0"/>
+                        <a:t>10</a:t>
+                      </a:r>
+                      <a:r>
+                        <a:rPr kumimoji="1" lang="ja-JP" altLang="en-US" dirty="0"/>
+                        <a:t>桁 </a:t>
+                      </a:r>
+                      <a:r>
+                        <a:rPr kumimoji="1" lang="en-US" altLang="ja-JP" dirty="0"/>
+                        <a:t>(@utac.u-tokyo.ac.jp)</a:t>
+                      </a:r>
+                      <a:endParaRPr kumimoji="1" lang="ja-JP" altLang="en-US" dirty="0"/>
+                    </a:p>
+                  </a:txBody>
+                  <a:tcPr/>
+                </a:tc>
+                <a:extLst>
+                  <a:ext uri="{0D108BD9-81ED-4DB2-BD59-A6C34878D82A}">
+                    <a16:rowId xmlns:a16="http://schemas.microsoft.com/office/drawing/2014/main" val="3155153527"/>
+                  </a:ext>
+                </a:extLst>
+              </a:tr>
+              <a:tr h="370840">
+                <a:tc>
+                  <a:txBody>
+                    <a:bodyPr/>
+                    <a:lstStyle/>
+                    <a:p>
+                      <a:r>
+                        <a:rPr kumimoji="1" lang="en-US" altLang="ja-JP" dirty="0"/>
+                        <a:t>Google</a:t>
+                      </a:r>
+                      <a:r>
+                        <a:rPr kumimoji="1" lang="ja-JP" altLang="en-US" dirty="0"/>
+                        <a:t>（含 </a:t>
+                      </a:r>
+                      <a:r>
+                        <a:rPr kumimoji="1" lang="en-US" altLang="ja-JP" dirty="0"/>
+                        <a:t>Meet</a:t>
+                      </a:r>
+                      <a:r>
+                        <a:rPr kumimoji="1" lang="ja-JP" altLang="en-US" dirty="0"/>
+                        <a:t>）</a:t>
+                      </a:r>
+                    </a:p>
+                  </a:txBody>
+                  <a:tcPr/>
+                </a:tc>
+                <a:tc>
+                  <a:txBody>
+                    <a:bodyPr/>
+                    <a:lstStyle/>
+                    <a:p>
+                      <a:r>
+                        <a:rPr kumimoji="1" lang="ja-JP" altLang="en-US" dirty="0"/>
+                        <a:t>文字列</a:t>
+                      </a:r>
+                      <a:r>
+                        <a:rPr kumimoji="1" lang="en-US" altLang="ja-JP" dirty="0"/>
+                        <a:t>@g.ecc.u-tokyo.ac.jp</a:t>
+                      </a:r>
+                      <a:endParaRPr kumimoji="1" lang="ja-JP" altLang="en-US" dirty="0"/>
+                    </a:p>
+                  </a:txBody>
+                  <a:tcPr/>
+                </a:tc>
+                <a:extLst>
+                  <a:ext uri="{0D108BD9-81ED-4DB2-BD59-A6C34878D82A}">
+                    <a16:rowId xmlns:a16="http://schemas.microsoft.com/office/drawing/2014/main" val="3810763207"/>
+                  </a:ext>
+                </a:extLst>
+              </a:tr>
+              <a:tr h="370840">
+                <a:tc>
+                  <a:txBody>
+                    <a:bodyPr/>
+                    <a:lstStyle/>
+                    <a:p>
+                      <a:r>
+                        <a:rPr kumimoji="1" lang="en-US" altLang="ja-JP" dirty="0"/>
+                        <a:t>Zoom</a:t>
+                      </a:r>
+                      <a:endParaRPr kumimoji="1" lang="ja-JP" altLang="en-US" dirty="0"/>
+                    </a:p>
+                  </a:txBody>
+                  <a:tcPr/>
+                </a:tc>
+                <a:tc>
+                  <a:txBody>
+                    <a:bodyPr/>
+                    <a:lstStyle/>
+                    <a:p>
+                      <a:r>
+                        <a:rPr kumimoji="1" lang="en-US" altLang="ja-JP" dirty="0"/>
+                        <a:t>10</a:t>
+                      </a:r>
+                      <a:r>
+                        <a:rPr kumimoji="1" lang="ja-JP" altLang="en-US" dirty="0"/>
+                        <a:t>桁</a:t>
+                      </a:r>
+                      <a:r>
+                        <a:rPr kumimoji="1" lang="en-US" altLang="ja-JP" dirty="0"/>
+                        <a:t>@g.ecc.u-tokyo.ac.jp</a:t>
+                      </a:r>
+                      <a:endParaRPr kumimoji="1" lang="ja-JP" altLang="en-US" dirty="0"/>
+                    </a:p>
+                  </a:txBody>
+                  <a:tcPr/>
+                </a:tc>
+                <a:extLst>
+                  <a:ext uri="{0D108BD9-81ED-4DB2-BD59-A6C34878D82A}">
+                    <a16:rowId xmlns:a16="http://schemas.microsoft.com/office/drawing/2014/main" val="2070435424"/>
+                  </a:ext>
+                </a:extLst>
+              </a:tr>
+              <a:tr h="370840">
+                <a:tc>
+                  <a:txBody>
+                    <a:bodyPr/>
+                    <a:lstStyle/>
+                    <a:p>
+                      <a:r>
+                        <a:rPr kumimoji="1" lang="en-US" altLang="ja-JP" dirty="0"/>
+                        <a:t>WebEx</a:t>
+                      </a:r>
+                      <a:endParaRPr kumimoji="1" lang="ja-JP" altLang="en-US" dirty="0"/>
+                    </a:p>
+                  </a:txBody>
+                  <a:tcPr/>
+                </a:tc>
+                <a:tc>
+                  <a:txBody>
+                    <a:bodyPr/>
+                    <a:lstStyle/>
+                    <a:p>
+                      <a:pPr marL="0" marR="0" lvl="0" indent="0" algn="l" defTabSz="914400" rtl="0" eaLnBrk="1" fontAlgn="auto" latinLnBrk="0" hangingPunct="1">
+                        <a:lnSpc>
+                          <a:spcPct val="100000"/>
+                        </a:lnSpc>
+                        <a:spcBef>
+                          <a:spcPts val="0"/>
+                        </a:spcBef>
+                        <a:spcAft>
+                          <a:spcPts val="0"/>
+                        </a:spcAft>
+                        <a:buClrTx/>
+                        <a:buSzTx/>
+                        <a:buFontTx/>
+                        <a:buNone/>
+                        <a:tabLst/>
+                        <a:defRPr/>
+                      </a:pPr>
+                      <a:r>
+                        <a:rPr kumimoji="1" lang="en-US" altLang="ja-JP" dirty="0"/>
+                        <a:t>10</a:t>
+                      </a:r>
+                      <a:r>
+                        <a:rPr kumimoji="1" lang="ja-JP" altLang="en-US" dirty="0"/>
+                        <a:t>桁</a:t>
+                      </a:r>
+                      <a:r>
+                        <a:rPr kumimoji="1" lang="en-US" altLang="ja-JP" dirty="0"/>
+                        <a:t>@g.ecc.u-tokyo.ac.jp</a:t>
+                      </a:r>
+                      <a:endParaRPr kumimoji="1" lang="ja-JP" altLang="en-US" dirty="0"/>
+                    </a:p>
+                  </a:txBody>
+                  <a:tcPr/>
+                </a:tc>
+                <a:extLst>
+                  <a:ext uri="{0D108BD9-81ED-4DB2-BD59-A6C34878D82A}">
+                    <a16:rowId xmlns:a16="http://schemas.microsoft.com/office/drawing/2014/main" val="653254624"/>
+                  </a:ext>
+                </a:extLst>
+              </a:tr>
+              <a:tr h="370840">
+                <a:tc>
+                  <a:txBody>
+                    <a:bodyPr/>
+                    <a:lstStyle/>
+                    <a:p>
+                      <a:r>
+                        <a:rPr kumimoji="1" lang="en-US" altLang="ja-JP" dirty="0" err="1"/>
+                        <a:t>UTokyo</a:t>
+                      </a:r>
+                      <a:r>
+                        <a:rPr kumimoji="1" lang="en-US" altLang="ja-JP" dirty="0"/>
+                        <a:t> Account</a:t>
+                      </a:r>
+                      <a:r>
+                        <a:rPr kumimoji="1" lang="ja-JP" altLang="en-US" dirty="0"/>
+                        <a:t>利用者メニュー</a:t>
+                      </a:r>
+                    </a:p>
+                  </a:txBody>
+                  <a:tcPr/>
+                </a:tc>
+                <a:tc>
+                  <a:txBody>
+                    <a:bodyPr/>
+                    <a:lstStyle/>
+                    <a:p>
+                      <a:r>
+                        <a:rPr kumimoji="1" lang="en-US" altLang="ja-JP" dirty="0"/>
+                        <a:t>10</a:t>
+                      </a:r>
+                      <a:r>
+                        <a:rPr kumimoji="1" lang="ja-JP" altLang="en-US" dirty="0"/>
+                        <a:t>桁</a:t>
+                      </a:r>
+                    </a:p>
+                  </a:txBody>
+                  <a:tcPr/>
+                </a:tc>
+                <a:extLst>
+                  <a:ext uri="{0D108BD9-81ED-4DB2-BD59-A6C34878D82A}">
+                    <a16:rowId xmlns:a16="http://schemas.microsoft.com/office/drawing/2014/main" val="692304251"/>
+                  </a:ext>
+                </a:extLst>
+              </a:tr>
+            </a:tbl>
+          </a:graphicData>
+        </a:graphic>
+      </p:graphicFrame>
+      <p:sp>
+        <p:nvSpPr>
+          <p:cNvPr id="10" name="正方形/長方形 9">
+            <a:extLst>
+              <a:ext uri="{FF2B5EF4-FFF2-40B4-BE49-F238E27FC236}">
+                <a16:creationId xmlns:a16="http://schemas.microsoft.com/office/drawing/2014/main" id="{C1892FB6-5780-4394-8034-AE7C134B12B5}"/>
+              </a:ext>
+            </a:extLst>
+          </p:cNvPr>
+          <p:cNvSpPr/>
+          <p:nvPr/>
+        </p:nvSpPr>
+        <p:spPr>
+          <a:xfrm>
+            <a:off x="6671718" y="3446260"/>
+            <a:ext cx="60521" cy="1080120"/>
+          </a:xfrm>
+          <a:prstGeom prst="rect">
+            <a:avLst/>
+          </a:prstGeom>
+          <a:solidFill>
+            <a:schemeClr val="accent3"/>
+          </a:solidFill>
+        </p:spPr>
+        <p:style>
+          <a:lnRef idx="2">
+            <a:schemeClr val="accent1">
+              <a:shade val="50000"/>
+            </a:schemeClr>
+          </a:lnRef>
+          <a:fillRef idx="1">
+            <a:schemeClr val="accent1"/>
+          </a:fillRef>
+          <a:effectRef idx="0">
+            <a:schemeClr val="accent1"/>
+          </a:effectRef>
+          <a:fontRef idx="minor">
+            <a:schemeClr val="lt1"/>
+          </a:fontRef>
+        </p:style>
+        <p:txBody>
+          <a:bodyPr rtlCol="0" anchor="ctr"/>
+          <a:lstStyle/>
+          <a:p>
+            <a:pPr algn="ctr"/>
+            <a:endParaRPr kumimoji="1" lang="ja-JP" altLang="en-US"/>
+          </a:p>
+        </p:txBody>
+      </p:sp>
+      <p:sp>
+        <p:nvSpPr>
+          <p:cNvPr id="11" name="テキスト ボックス 10">
+            <a:extLst>
+              <a:ext uri="{FF2B5EF4-FFF2-40B4-BE49-F238E27FC236}">
+                <a16:creationId xmlns:a16="http://schemas.microsoft.com/office/drawing/2014/main" id="{F077AB50-D093-4768-8594-A650BED0E24B}"/>
+              </a:ext>
+            </a:extLst>
+          </p:cNvPr>
+          <p:cNvSpPr txBox="1"/>
+          <p:nvPr/>
+        </p:nvSpPr>
+        <p:spPr>
+          <a:xfrm>
+            <a:off x="6671719" y="3663154"/>
+            <a:ext cx="3185487" cy="646331"/>
+          </a:xfrm>
+          <a:prstGeom prst="rect">
+            <a:avLst/>
+          </a:prstGeom>
+          <a:noFill/>
+        </p:spPr>
+        <p:txBody>
+          <a:bodyPr wrap="none" rtlCol="0">
+            <a:spAutoFit/>
+          </a:bodyPr>
+          <a:lstStyle/>
+          <a:p>
+            <a:r>
+              <a:rPr kumimoji="1" lang="ja-JP" altLang="en-US" dirty="0"/>
+              <a:t>パスワード連動</a:t>
+            </a:r>
+            <a:endParaRPr kumimoji="1" lang="en-US" altLang="ja-JP" dirty="0"/>
+          </a:p>
+          <a:p>
+            <a:r>
+              <a:rPr lang="ja-JP" altLang="en-US" dirty="0"/>
+              <a:t>（つまり同一のアカウント）</a:t>
+            </a:r>
+            <a:endParaRPr kumimoji="1" lang="ja-JP" altLang="en-US" dirty="0"/>
+          </a:p>
+        </p:txBody>
+      </p:sp>
+    </p:spTree>
+    <p:extLst>
+      <p:ext uri="{BB962C8B-B14F-4D97-AF65-F5344CB8AC3E}">
+        <p14:creationId xmlns:p14="http://schemas.microsoft.com/office/powerpoint/2010/main" val="3149567877"/>
+      </p:ext>
+    </p:extLst>
+  </p:cSld>
+  <p:clrMapOvr>
+    <a:masterClrMapping/>
+  </p:clrMapOvr>
+</p:sld>
+</file>
+
+<file path=ppt/slides/slide21.xml><?xml version="1.0" encoding="utf-8"?>
+<p:sld xmlns:a="http://schemas.openxmlformats.org/drawingml/2006/main" xmlns:r="http://schemas.openxmlformats.org/officeDocument/2006/relationships" xmlns:p="http://schemas.openxmlformats.org/presentationml/2006/main">
+  <p:cSld>
+    <p:spTree>
+      <p:nvGrpSpPr>
+        <p:cNvPr id="1" name=""/>
+        <p:cNvGrpSpPr/>
+        <p:nvPr/>
+      </p:nvGrpSpPr>
+      <p:grpSpPr>
+        <a:xfrm>
+          <a:off x="0" y="0"/>
+          <a:ext cx="0" cy="0"/>
+          <a:chOff x="0" y="0"/>
+          <a:chExt cx="0" cy="0"/>
+        </a:xfrm>
+      </p:grpSpPr>
+      <p:sp>
+        <p:nvSpPr>
+          <p:cNvPr id="2" name="タイトル 1">
+            <a:extLst>
+              <a:ext uri="{FF2B5EF4-FFF2-40B4-BE49-F238E27FC236}">
+                <a16:creationId xmlns:a16="http://schemas.microsoft.com/office/drawing/2014/main" id="{BD13337C-B074-47E3-ABF5-9CA1CF544699}"/>
+              </a:ext>
+            </a:extLst>
+          </p:cNvPr>
+          <p:cNvSpPr>
+            <a:spLocks noGrp="1"/>
+          </p:cNvSpPr>
+          <p:nvPr>
+            <p:ph type="title"/>
+          </p:nvPr>
+        </p:nvSpPr>
+        <p:spPr/>
+        <p:txBody>
+          <a:bodyPr>
+            <a:normAutofit/>
+          </a:bodyPr>
+          <a:lstStyle/>
+          <a:p>
+            <a:r>
+              <a:rPr lang="en-US" altLang="ja-JP" dirty="0"/>
+              <a:t>Q. </a:t>
+            </a:r>
+            <a:r>
+              <a:rPr lang="ja-JP" altLang="en-US" dirty="0"/>
+              <a:t>ややこしすぎませんか</a:t>
+            </a:r>
+            <a:r>
+              <a:rPr lang="en-US" altLang="ja-JP" dirty="0"/>
+              <a:t>?</a:t>
+            </a:r>
+            <a:endParaRPr kumimoji="1" lang="ja-JP" altLang="en-US" dirty="0"/>
+          </a:p>
+        </p:txBody>
+      </p:sp>
+      <p:sp>
+        <p:nvSpPr>
+          <p:cNvPr id="3" name="コンテンツ プレースホルダー 2">
+            <a:extLst>
+              <a:ext uri="{FF2B5EF4-FFF2-40B4-BE49-F238E27FC236}">
+                <a16:creationId xmlns:a16="http://schemas.microsoft.com/office/drawing/2014/main" id="{BC821B90-ABF1-403B-A2BD-9A1BB5D09195}"/>
+              </a:ext>
+            </a:extLst>
+          </p:cNvPr>
+          <p:cNvSpPr>
+            <a:spLocks noGrp="1"/>
+          </p:cNvSpPr>
+          <p:nvPr>
+            <p:ph idx="1"/>
+          </p:nvPr>
+        </p:nvSpPr>
+        <p:spPr/>
+        <p:txBody>
+          <a:bodyPr>
+            <a:normAutofit lnSpcReduction="10000"/>
+          </a:bodyPr>
+          <a:lstStyle/>
+          <a:p>
+            <a:r>
+              <a:rPr kumimoji="1" lang="en-US" altLang="ja-JP" dirty="0"/>
+              <a:t>A. </a:t>
+            </a:r>
+            <a:r>
+              <a:rPr kumimoji="1" lang="ja-JP" altLang="en-US" dirty="0"/>
+              <a:t>その通りです。改善（アカウントの連携）に向けた努力をします。以下は言い訳ついでの参考情報</a:t>
+            </a:r>
+            <a:endParaRPr kumimoji="1" lang="en-US" altLang="ja-JP" dirty="0"/>
+          </a:p>
+          <a:p>
+            <a:r>
+              <a:rPr kumimoji="1" lang="en-US" altLang="ja-JP" dirty="0">
+                <a:hlinkClick r:id="rId2"/>
+              </a:rPr>
+              <a:t>10</a:t>
+            </a:r>
+            <a:r>
+              <a:rPr kumimoji="1" lang="ja-JP" altLang="en-US" dirty="0">
+                <a:hlinkClick r:id="rId2"/>
+              </a:rPr>
+              <a:t>桁</a:t>
+            </a:r>
+            <a:r>
+              <a:rPr kumimoji="1" lang="en-US" altLang="ja-JP" dirty="0">
+                <a:hlinkClick r:id="rId2"/>
+              </a:rPr>
+              <a:t>@g.ecc.u-tokyo.ac.jp</a:t>
+            </a:r>
+            <a:r>
+              <a:rPr kumimoji="1" lang="en-US" altLang="ja-JP" dirty="0"/>
+              <a:t> </a:t>
+            </a:r>
+            <a:r>
+              <a:rPr kumimoji="1" lang="ja-JP" altLang="en-US" dirty="0">
+                <a:hlinkClick r:id="rId3"/>
+              </a:rPr>
+              <a:t>と文字列</a:t>
+            </a:r>
+            <a:r>
+              <a:rPr kumimoji="1" lang="en-US" altLang="ja-JP" dirty="0">
+                <a:hlinkClick r:id="rId3"/>
+              </a:rPr>
+              <a:t>@g.ecc.u-tokyo.ac.jp</a:t>
+            </a:r>
+            <a:r>
+              <a:rPr kumimoji="1" lang="en-US" altLang="ja-JP" dirty="0"/>
+              <a:t> </a:t>
+            </a:r>
+            <a:r>
+              <a:rPr kumimoji="1" lang="ja-JP" altLang="en-US" dirty="0"/>
+              <a:t>が存在するのは</a:t>
+            </a:r>
+            <a:endParaRPr kumimoji="1" lang="en-US" altLang="ja-JP" dirty="0"/>
+          </a:p>
+          <a:p>
+            <a:r>
+              <a:rPr lang="ja-JP" altLang="en-US" dirty="0"/>
+              <a:t>「</a:t>
+            </a:r>
+            <a:r>
+              <a:rPr lang="en-US" altLang="ja-JP" dirty="0"/>
+              <a:t>@utac.u-tokyo.ac.jp</a:t>
+            </a:r>
+            <a:r>
+              <a:rPr lang="ja-JP" altLang="en-US" dirty="0"/>
+              <a:t>」「</a:t>
+            </a:r>
+            <a:r>
+              <a:rPr lang="en-US" altLang="ja-JP" dirty="0"/>
+              <a:t>@g.ecc.u-tokyo.ac.jp</a:t>
+            </a:r>
+            <a:r>
+              <a:rPr lang="ja-JP" altLang="en-US" dirty="0"/>
+              <a:t>」の両方が存在するのは</a:t>
+            </a:r>
+            <a:r>
+              <a:rPr lang="en-US" altLang="ja-JP" dirty="0"/>
+              <a:t>?</a:t>
+            </a:r>
+          </a:p>
+          <a:p>
+            <a:r>
+              <a:rPr lang="ja-JP" altLang="en-US" dirty="0"/>
+              <a:t>利用者メニューが </a:t>
+            </a:r>
+            <a:r>
+              <a:rPr lang="en-US" altLang="ja-JP" dirty="0"/>
+              <a:t>10</a:t>
+            </a:r>
+            <a:r>
+              <a:rPr lang="ja-JP" altLang="en-US" dirty="0"/>
+              <a:t>桁（あれ、今</a:t>
+            </a:r>
+            <a:r>
+              <a:rPr lang="en-US" altLang="ja-JP" dirty="0"/>
+              <a:t>@utac </a:t>
+            </a:r>
+            <a:r>
+              <a:rPr lang="ja-JP" altLang="en-US" dirty="0"/>
+              <a:t>が必要な場面はなくなってる？）</a:t>
+            </a:r>
+            <a:endParaRPr kumimoji="1" lang="ja-JP" altLang="en-US" dirty="0"/>
+          </a:p>
+        </p:txBody>
+      </p:sp>
+      <p:sp>
+        <p:nvSpPr>
+          <p:cNvPr id="4" name="日付プレースホルダー 3">
+            <a:extLst>
+              <a:ext uri="{FF2B5EF4-FFF2-40B4-BE49-F238E27FC236}">
+                <a16:creationId xmlns:a16="http://schemas.microsoft.com/office/drawing/2014/main" id="{77E7D001-90F8-41F4-8AB4-9F3C12BE4151}"/>
+              </a:ext>
+            </a:extLst>
+          </p:cNvPr>
+          <p:cNvSpPr>
+            <a:spLocks noGrp="1"/>
+          </p:cNvSpPr>
+          <p:nvPr>
+            <p:ph type="dt" sz="half" idx="10"/>
+          </p:nvPr>
+        </p:nvSpPr>
+        <p:spPr/>
+        <p:txBody>
+          <a:bodyPr/>
+          <a:lstStyle/>
+          <a:p>
+            <a:r>
+              <a:rPr kumimoji="1" lang="en-US" altLang="ja-JP"/>
+              <a:t>2020/9/11</a:t>
+            </a:r>
+            <a:endParaRPr kumimoji="1" lang="ja-JP" altLang="en-US"/>
+          </a:p>
+        </p:txBody>
+      </p:sp>
+      <p:sp>
+        <p:nvSpPr>
+          <p:cNvPr id="5" name="フッター プレースホルダー 4">
+            <a:extLst>
+              <a:ext uri="{FF2B5EF4-FFF2-40B4-BE49-F238E27FC236}">
+                <a16:creationId xmlns:a16="http://schemas.microsoft.com/office/drawing/2014/main" id="{A9171B0E-891E-475C-B025-D001BDFAB82C}"/>
+              </a:ext>
+            </a:extLst>
+          </p:cNvPr>
+          <p:cNvSpPr>
+            <a:spLocks noGrp="1"/>
+          </p:cNvSpPr>
+          <p:nvPr>
+            <p:ph type="ftr" sz="quarter" idx="11"/>
+          </p:nvPr>
+        </p:nvSpPr>
+        <p:spPr/>
+        <p:txBody>
+          <a:bodyPr/>
+          <a:lstStyle/>
+          <a:p>
+            <a:r>
+              <a:rPr kumimoji="1" lang="en-US" altLang="ja-JP"/>
+              <a:t>A</a:t>
+            </a:r>
+            <a:r>
+              <a:rPr kumimoji="1" lang="ja-JP" altLang="en-US"/>
+              <a:t>セメスタ説明会 </a:t>
+            </a:r>
+            <a:r>
+              <a:rPr kumimoji="1" lang="en-US" altLang="ja-JP"/>
+              <a:t>utelecon.github.io</a:t>
+            </a:r>
+            <a:endParaRPr kumimoji="1" lang="ja-JP" altLang="en-US"/>
+          </a:p>
+        </p:txBody>
+      </p:sp>
+      <p:sp>
+        <p:nvSpPr>
+          <p:cNvPr id="6" name="スライド番号プレースホルダー 5">
+            <a:extLst>
+              <a:ext uri="{FF2B5EF4-FFF2-40B4-BE49-F238E27FC236}">
+                <a16:creationId xmlns:a16="http://schemas.microsoft.com/office/drawing/2014/main" id="{E18AD2CA-A6A4-4E72-ACB8-DEC622F87AC0}"/>
+              </a:ext>
+            </a:extLst>
+          </p:cNvPr>
+          <p:cNvSpPr>
+            <a:spLocks noGrp="1"/>
+          </p:cNvSpPr>
+          <p:nvPr>
+            <p:ph type="sldNum" sz="quarter" idx="12"/>
+          </p:nvPr>
+        </p:nvSpPr>
+        <p:spPr/>
+        <p:txBody>
+          <a:bodyPr/>
+          <a:lstStyle/>
+          <a:p>
+            <a:fld id="{EDF77D8D-9987-453A-9A05-EB91CA595C68}" type="slidenum">
+              <a:rPr kumimoji="1" lang="ja-JP" altLang="en-US" smtClean="0"/>
+              <a:pPr/>
+              <a:t>21</a:t>
+            </a:fld>
+            <a:endParaRPr kumimoji="1" lang="ja-JP" altLang="en-US"/>
+          </a:p>
+        </p:txBody>
+      </p:sp>
+    </p:spTree>
+    <p:extLst>
+      <p:ext uri="{BB962C8B-B14F-4D97-AF65-F5344CB8AC3E}">
+        <p14:creationId xmlns:p14="http://schemas.microsoft.com/office/powerpoint/2010/main" val="4114708445"/>
+      </p:ext>
+    </p:extLst>
+  </p:cSld>
+  <p:clrMapOvr>
+    <a:masterClrMapping/>
+  </p:clrMapOvr>
+</p:sld>
+</file>
+
 <file path=ppt/slides/slide3.xml><?xml version="1.0" encoding="utf-8"?>
+<p:sld xmlns:a="http://schemas.openxmlformats.org/drawingml/2006/main" xmlns:r="http://schemas.openxmlformats.org/officeDocument/2006/relationships" xmlns:p="http://schemas.openxmlformats.org/presentationml/2006/main">
+  <p:cSld>
+    <p:spTree>
+      <p:nvGrpSpPr>
+        <p:cNvPr id="1" name=""/>
+        <p:cNvGrpSpPr/>
+        <p:nvPr/>
+      </p:nvGrpSpPr>
+      <p:grpSpPr>
+        <a:xfrm>
+          <a:off x="0" y="0"/>
+          <a:ext cx="0" cy="0"/>
+          <a:chOff x="0" y="0"/>
+          <a:chExt cx="0" cy="0"/>
+        </a:xfrm>
+      </p:grpSpPr>
+      <p:sp>
+        <p:nvSpPr>
+          <p:cNvPr id="2" name="タイトル 1">
+            <a:extLst>
+              <a:ext uri="{FF2B5EF4-FFF2-40B4-BE49-F238E27FC236}">
+                <a16:creationId xmlns:a16="http://schemas.microsoft.com/office/drawing/2014/main" id="{A593CFEF-1066-4011-97B0-B8DC8FE2CD7F}"/>
+              </a:ext>
+            </a:extLst>
+          </p:cNvPr>
+          <p:cNvSpPr>
+            <a:spLocks noGrp="1"/>
+          </p:cNvSpPr>
+          <p:nvPr>
+            <p:ph type="title"/>
+          </p:nvPr>
+        </p:nvSpPr>
+        <p:spPr/>
+        <p:txBody>
+          <a:bodyPr/>
+          <a:lstStyle/>
+          <a:p>
+            <a:endParaRPr kumimoji="1" lang="ja-JP" altLang="en-US"/>
+          </a:p>
+        </p:txBody>
+      </p:sp>
+      <p:pic>
+        <p:nvPicPr>
+          <p:cNvPr id="8" name="コンテンツ プレースホルダー 7" descr="食品 が含まれている画像&#10;&#10;自動的に生成された説明">
+            <a:extLst>
+              <a:ext uri="{FF2B5EF4-FFF2-40B4-BE49-F238E27FC236}">
+                <a16:creationId xmlns:a16="http://schemas.microsoft.com/office/drawing/2014/main" id="{10CC7A5B-D8C3-4064-AB26-34988C60B338}"/>
+              </a:ext>
+            </a:extLst>
+          </p:cNvPr>
+          <p:cNvPicPr>
+            <a:picLocks noGrp="1" noChangeAspect="1"/>
+          </p:cNvPicPr>
+          <p:nvPr>
+            <p:ph idx="1"/>
+          </p:nvPr>
+        </p:nvPicPr>
+        <p:blipFill>
+          <a:blip r:embed="rId2">
+            <a:extLst>
+              <a:ext uri="{28A0092B-C50C-407E-A947-70E740481C1C}">
+                <a14:useLocalDpi xmlns:a14="http://schemas.microsoft.com/office/drawing/2010/main" val="0"/>
+              </a:ext>
+            </a:extLst>
+          </a:blip>
+          <a:stretch>
+            <a:fillRect/>
+          </a:stretch>
+        </p:blipFill>
+        <p:spPr>
+          <a:xfrm>
+            <a:off x="634520" y="1500188"/>
+            <a:ext cx="7874960" cy="4525962"/>
+          </a:xfrm>
+        </p:spPr>
+      </p:pic>
+      <p:sp>
+        <p:nvSpPr>
+          <p:cNvPr id="4" name="日付プレースホルダー 3">
+            <a:extLst>
+              <a:ext uri="{FF2B5EF4-FFF2-40B4-BE49-F238E27FC236}">
+                <a16:creationId xmlns:a16="http://schemas.microsoft.com/office/drawing/2014/main" id="{F8B21F27-BAAC-433E-90A9-395BE3F94EEB}"/>
+              </a:ext>
+            </a:extLst>
+          </p:cNvPr>
+          <p:cNvSpPr>
+            <a:spLocks noGrp="1"/>
+          </p:cNvSpPr>
+          <p:nvPr>
+            <p:ph type="dt" sz="half" idx="10"/>
+          </p:nvPr>
+        </p:nvSpPr>
+        <p:spPr/>
+        <p:txBody>
+          <a:bodyPr/>
+          <a:lstStyle/>
+          <a:p>
+            <a:r>
+              <a:rPr kumimoji="1" lang="en-US" altLang="ja-JP"/>
+              <a:t>2020/9/11</a:t>
+            </a:r>
+            <a:endParaRPr kumimoji="1" lang="ja-JP" altLang="en-US"/>
+          </a:p>
+        </p:txBody>
+      </p:sp>
+      <p:sp>
+        <p:nvSpPr>
+          <p:cNvPr id="5" name="フッター プレースホルダー 4">
+            <a:extLst>
+              <a:ext uri="{FF2B5EF4-FFF2-40B4-BE49-F238E27FC236}">
+                <a16:creationId xmlns:a16="http://schemas.microsoft.com/office/drawing/2014/main" id="{B9AFA356-D32A-43E1-A423-4977572C445E}"/>
+              </a:ext>
+            </a:extLst>
+          </p:cNvPr>
+          <p:cNvSpPr>
+            <a:spLocks noGrp="1"/>
+          </p:cNvSpPr>
+          <p:nvPr>
+            <p:ph type="ftr" sz="quarter" idx="11"/>
+          </p:nvPr>
+        </p:nvSpPr>
+        <p:spPr/>
+        <p:txBody>
+          <a:bodyPr/>
+          <a:lstStyle/>
+          <a:p>
+            <a:r>
+              <a:rPr kumimoji="1" lang="en-US" altLang="ja-JP"/>
+              <a:t>A</a:t>
+            </a:r>
+            <a:r>
+              <a:rPr kumimoji="1" lang="ja-JP" altLang="en-US"/>
+              <a:t>セメスタ説明会 </a:t>
+            </a:r>
+            <a:r>
+              <a:rPr kumimoji="1" lang="en-US" altLang="ja-JP"/>
+              <a:t>utelecon.github.io</a:t>
+            </a:r>
+            <a:endParaRPr kumimoji="1" lang="ja-JP" altLang="en-US"/>
+          </a:p>
+        </p:txBody>
+      </p:sp>
+      <p:sp>
+        <p:nvSpPr>
+          <p:cNvPr id="6" name="スライド番号プレースホルダー 5">
+            <a:extLst>
+              <a:ext uri="{FF2B5EF4-FFF2-40B4-BE49-F238E27FC236}">
+                <a16:creationId xmlns:a16="http://schemas.microsoft.com/office/drawing/2014/main" id="{347B6EE1-7090-481E-A43A-2F900094D6CC}"/>
+              </a:ext>
+            </a:extLst>
+          </p:cNvPr>
+          <p:cNvSpPr>
+            <a:spLocks noGrp="1"/>
+          </p:cNvSpPr>
+          <p:nvPr>
+            <p:ph type="sldNum" sz="quarter" idx="12"/>
+          </p:nvPr>
+        </p:nvSpPr>
+        <p:spPr/>
+        <p:txBody>
+          <a:bodyPr/>
+          <a:lstStyle/>
+          <a:p>
+            <a:fld id="{EDF77D8D-9987-453A-9A05-EB91CA595C68}" type="slidenum">
+              <a:rPr kumimoji="1" lang="ja-JP" altLang="en-US" smtClean="0"/>
+              <a:pPr/>
+              <a:t>3</a:t>
+            </a:fld>
+            <a:endParaRPr kumimoji="1" lang="ja-JP" altLang="en-US"/>
+          </a:p>
+        </p:txBody>
+      </p:sp>
+    </p:spTree>
+    <p:extLst>
+      <p:ext uri="{BB962C8B-B14F-4D97-AF65-F5344CB8AC3E}">
+        <p14:creationId xmlns:p14="http://schemas.microsoft.com/office/powerpoint/2010/main" val="3725563347"/>
+      </p:ext>
+    </p:extLst>
+  </p:cSld>
+  <p:clrMapOvr>
+    <a:masterClrMapping/>
+  </p:clrMapOvr>
+</p:sld>
+</file>
+
+<file path=ppt/slides/slide4.xml><?xml version="1.0" encoding="utf-8"?>
 <p:sld xmlns:a="http://schemas.openxmlformats.org/drawingml/2006/main" xmlns:r="http://schemas.openxmlformats.org/officeDocument/2006/relationships" xmlns:p="http://schemas.openxmlformats.org/presentationml/2006/main">
   <p:cSld>
     <p:spTree>
@@ -52929,8 +57500,54 @@
           <a:lstStyle/>
           <a:p>
             <a:r>
+              <a:rPr lang="ja-JP" altLang="en-US" dirty="0"/>
+              <a:t>すべてのサービスの元</a:t>
+            </a:r>
+            <a:endParaRPr lang="en-US" altLang="ja-JP" dirty="0"/>
+          </a:p>
+          <a:p>
+            <a:r>
               <a:rPr lang="en-US" altLang="ja-JP" dirty="0"/>
-              <a:t>1. </a:t>
+              <a:t>Zoom</a:t>
+            </a:r>
+            <a:r>
+              <a:rPr lang="ja-JP" altLang="en-US" dirty="0"/>
+              <a:t>を主催したり、シラバスを（自分で）登録したり、成績を（自分で）登録したり、</a:t>
+            </a:r>
+            <a:r>
+              <a:rPr lang="en-US" altLang="ja-JP" dirty="0"/>
+              <a:t>LMS</a:t>
+            </a:r>
+            <a:r>
+              <a:rPr lang="ja-JP" altLang="en-US" dirty="0"/>
+              <a:t>を使ったりする人は必要</a:t>
+            </a:r>
+            <a:endParaRPr lang="en-US" altLang="ja-JP" dirty="0"/>
+          </a:p>
+          <a:p>
+            <a:r>
+              <a:rPr lang="ja-JP" altLang="en-US" dirty="0"/>
+              <a:t>非常勤講師の先生で「当方では非常勤講師の先生には</a:t>
+            </a:r>
+            <a:r>
+              <a:rPr lang="en-US" altLang="ja-JP" dirty="0" err="1"/>
+              <a:t>UTokyo</a:t>
+            </a:r>
+            <a:r>
+              <a:rPr lang="en-US" altLang="ja-JP" dirty="0"/>
+              <a:t> Account</a:t>
+            </a:r>
+            <a:r>
+              <a:rPr lang="ja-JP" altLang="en-US" dirty="0"/>
+              <a:t>を割り当てていない」</a:t>
+            </a:r>
+            <a:r>
+              <a:rPr lang="en-US" altLang="ja-JP" dirty="0"/>
+              <a:t> </a:t>
+            </a:r>
+            <a:r>
+              <a:rPr lang="ja-JP" altLang="en-US" dirty="0"/>
+              <a:t>という部局があったらそれはその部局が間違い</a:t>
             </a:r>
             <a:endParaRPr kumimoji="1" lang="ja-JP" altLang="en-US" dirty="0"/>
           </a:p>
@@ -53008,7 +57625,7 @@
             <a:fld id="{EDF77D8D-9987-453A-9A05-EB91CA595C68}" type="slidenum">
               <a:rPr kumimoji="1" lang="ja-JP" altLang="en-US" smtClean="0"/>
               <a:pPr/>
-              <a:t>3</a:t>
+              <a:t>4</a:t>
             </a:fld>
             <a:endParaRPr kumimoji="1" lang="ja-JP" altLang="en-US"/>
           </a:p>
@@ -53022,7 +57639,388 @@
 </p:sld>
 </file>
 
-<file path=ppt/slides/slide4.xml><?xml version="1.0" encoding="utf-8"?>
+<file path=ppt/slides/slide5.xml><?xml version="1.0" encoding="utf-8"?>
+<p:sld xmlns:a="http://schemas.openxmlformats.org/drawingml/2006/main" xmlns:r="http://schemas.openxmlformats.org/officeDocument/2006/relationships" xmlns:p="http://schemas.openxmlformats.org/presentationml/2006/main">
+  <p:cSld>
+    <p:spTree>
+      <p:nvGrpSpPr>
+        <p:cNvPr id="1" name=""/>
+        <p:cNvGrpSpPr/>
+        <p:nvPr/>
+      </p:nvGrpSpPr>
+      <p:grpSpPr>
+        <a:xfrm>
+          <a:off x="0" y="0"/>
+          <a:ext cx="0" cy="0"/>
+          <a:chOff x="0" y="0"/>
+          <a:chExt cx="0" cy="0"/>
+        </a:xfrm>
+      </p:grpSpPr>
+      <p:sp>
+        <p:nvSpPr>
+          <p:cNvPr id="2" name="タイトル 1">
+            <a:extLst>
+              <a:ext uri="{FF2B5EF4-FFF2-40B4-BE49-F238E27FC236}">
+                <a16:creationId xmlns:a16="http://schemas.microsoft.com/office/drawing/2014/main" id="{96646DAE-56ED-4D96-98F6-2FF1A293A84D}"/>
+              </a:ext>
+            </a:extLst>
+          </p:cNvPr>
+          <p:cNvSpPr>
+            <a:spLocks noGrp="1"/>
+          </p:cNvSpPr>
+          <p:nvPr>
+            <p:ph type="title"/>
+          </p:nvPr>
+        </p:nvSpPr>
+        <p:spPr/>
+        <p:txBody>
+          <a:bodyPr/>
+          <a:lstStyle/>
+          <a:p>
+            <a:r>
+              <a:rPr kumimoji="1" lang="en-US" altLang="ja-JP" dirty="0" err="1"/>
+              <a:t>UTokyo</a:t>
+            </a:r>
+            <a:r>
+              <a:rPr kumimoji="1" lang="en-US" altLang="ja-JP" dirty="0"/>
+              <a:t> Account</a:t>
+            </a:r>
+            <a:endParaRPr kumimoji="1" lang="ja-JP" altLang="en-US" dirty="0"/>
+          </a:p>
+        </p:txBody>
+      </p:sp>
+      <p:sp>
+        <p:nvSpPr>
+          <p:cNvPr id="3" name="コンテンツ プレースホルダー 2">
+            <a:extLst>
+              <a:ext uri="{FF2B5EF4-FFF2-40B4-BE49-F238E27FC236}">
+                <a16:creationId xmlns:a16="http://schemas.microsoft.com/office/drawing/2014/main" id="{DEFE8E3A-D7F0-46EB-A55A-990E6E528D8E}"/>
+              </a:ext>
+            </a:extLst>
+          </p:cNvPr>
+          <p:cNvSpPr>
+            <a:spLocks noGrp="1"/>
+          </p:cNvSpPr>
+          <p:nvPr>
+            <p:ph idx="1"/>
+          </p:nvPr>
+        </p:nvSpPr>
+        <p:spPr/>
+        <p:txBody>
+          <a:bodyPr/>
+          <a:lstStyle/>
+          <a:p>
+            <a:r>
+              <a:rPr kumimoji="1" lang="ja-JP" altLang="en-US" dirty="0"/>
+              <a:t>新入生に対するアカウントの有効化やその電子的な配布について</a:t>
+            </a:r>
+          </a:p>
+        </p:txBody>
+      </p:sp>
+      <p:sp>
+        <p:nvSpPr>
+          <p:cNvPr id="4" name="日付プレースホルダー 3">
+            <a:extLst>
+              <a:ext uri="{FF2B5EF4-FFF2-40B4-BE49-F238E27FC236}">
+                <a16:creationId xmlns:a16="http://schemas.microsoft.com/office/drawing/2014/main" id="{88AFA3DB-F7B0-4267-85D4-65280C548C9C}"/>
+              </a:ext>
+            </a:extLst>
+          </p:cNvPr>
+          <p:cNvSpPr>
+            <a:spLocks noGrp="1"/>
+          </p:cNvSpPr>
+          <p:nvPr>
+            <p:ph type="dt" sz="half" idx="10"/>
+          </p:nvPr>
+        </p:nvSpPr>
+        <p:spPr/>
+        <p:txBody>
+          <a:bodyPr/>
+          <a:lstStyle/>
+          <a:p>
+            <a:r>
+              <a:rPr kumimoji="1" lang="en-US" altLang="ja-JP"/>
+              <a:t>2020/9/11</a:t>
+            </a:r>
+            <a:endParaRPr kumimoji="1" lang="ja-JP" altLang="en-US"/>
+          </a:p>
+        </p:txBody>
+      </p:sp>
+      <p:sp>
+        <p:nvSpPr>
+          <p:cNvPr id="5" name="フッター プレースホルダー 4">
+            <a:extLst>
+              <a:ext uri="{FF2B5EF4-FFF2-40B4-BE49-F238E27FC236}">
+                <a16:creationId xmlns:a16="http://schemas.microsoft.com/office/drawing/2014/main" id="{8AABDEB2-2638-4069-9F94-20247BFAE38C}"/>
+              </a:ext>
+            </a:extLst>
+          </p:cNvPr>
+          <p:cNvSpPr>
+            <a:spLocks noGrp="1"/>
+          </p:cNvSpPr>
+          <p:nvPr>
+            <p:ph type="ftr" sz="quarter" idx="11"/>
+          </p:nvPr>
+        </p:nvSpPr>
+        <p:spPr/>
+        <p:txBody>
+          <a:bodyPr/>
+          <a:lstStyle/>
+          <a:p>
+            <a:r>
+              <a:rPr kumimoji="1" lang="en-US" altLang="ja-JP"/>
+              <a:t>A</a:t>
+            </a:r>
+            <a:r>
+              <a:rPr kumimoji="1" lang="ja-JP" altLang="en-US"/>
+              <a:t>セメスタ説明会 </a:t>
+            </a:r>
+            <a:r>
+              <a:rPr kumimoji="1" lang="en-US" altLang="ja-JP"/>
+              <a:t>utelecon.github.io</a:t>
+            </a:r>
+            <a:endParaRPr kumimoji="1" lang="ja-JP" altLang="en-US"/>
+          </a:p>
+        </p:txBody>
+      </p:sp>
+      <p:sp>
+        <p:nvSpPr>
+          <p:cNvPr id="6" name="スライド番号プレースホルダー 5">
+            <a:extLst>
+              <a:ext uri="{FF2B5EF4-FFF2-40B4-BE49-F238E27FC236}">
+                <a16:creationId xmlns:a16="http://schemas.microsoft.com/office/drawing/2014/main" id="{2333A659-1D62-428B-B6F3-BDF99E4E62DF}"/>
+              </a:ext>
+            </a:extLst>
+          </p:cNvPr>
+          <p:cNvSpPr>
+            <a:spLocks noGrp="1"/>
+          </p:cNvSpPr>
+          <p:nvPr>
+            <p:ph type="sldNum" sz="quarter" idx="12"/>
+          </p:nvPr>
+        </p:nvSpPr>
+        <p:spPr/>
+        <p:txBody>
+          <a:bodyPr/>
+          <a:lstStyle/>
+          <a:p>
+            <a:fld id="{EDF77D8D-9987-453A-9A05-EB91CA595C68}" type="slidenum">
+              <a:rPr kumimoji="1" lang="ja-JP" altLang="en-US" smtClean="0"/>
+              <a:pPr/>
+              <a:t>5</a:t>
+            </a:fld>
+            <a:endParaRPr kumimoji="1" lang="ja-JP" altLang="en-US"/>
+          </a:p>
+        </p:txBody>
+      </p:sp>
+    </p:spTree>
+    <p:extLst>
+      <p:ext uri="{BB962C8B-B14F-4D97-AF65-F5344CB8AC3E}">
+        <p14:creationId xmlns:p14="http://schemas.microsoft.com/office/powerpoint/2010/main" val="2448335316"/>
+      </p:ext>
+    </p:extLst>
+  </p:cSld>
+  <p:clrMapOvr>
+    <a:masterClrMapping/>
+  </p:clrMapOvr>
+</p:sld>
+</file>
+
+<file path=ppt/slides/slide6.xml><?xml version="1.0" encoding="utf-8"?>
+<p:sld xmlns:a="http://schemas.openxmlformats.org/drawingml/2006/main" xmlns:r="http://schemas.openxmlformats.org/officeDocument/2006/relationships" xmlns:p="http://schemas.openxmlformats.org/presentationml/2006/main">
+  <p:cSld>
+    <p:spTree>
+      <p:nvGrpSpPr>
+        <p:cNvPr id="1" name=""/>
+        <p:cNvGrpSpPr/>
+        <p:nvPr/>
+      </p:nvGrpSpPr>
+      <p:grpSpPr>
+        <a:xfrm>
+          <a:off x="0" y="0"/>
+          <a:ext cx="0" cy="0"/>
+          <a:chOff x="0" y="0"/>
+          <a:chExt cx="0" cy="0"/>
+        </a:xfrm>
+      </p:grpSpPr>
+      <p:sp>
+        <p:nvSpPr>
+          <p:cNvPr id="2" name="タイトル 1">
+            <a:extLst>
+              <a:ext uri="{FF2B5EF4-FFF2-40B4-BE49-F238E27FC236}">
+                <a16:creationId xmlns:a16="http://schemas.microsoft.com/office/drawing/2014/main" id="{D5A69A69-8AF6-40AD-93AC-CB007E39B154}"/>
+              </a:ext>
+            </a:extLst>
+          </p:cNvPr>
+          <p:cNvSpPr>
+            <a:spLocks noGrp="1"/>
+          </p:cNvSpPr>
+          <p:nvPr>
+            <p:ph type="title"/>
+          </p:nvPr>
+        </p:nvSpPr>
+        <p:spPr/>
+        <p:txBody>
+          <a:bodyPr/>
+          <a:lstStyle/>
+          <a:p>
+            <a:r>
+              <a:rPr kumimoji="1" lang="en-US" altLang="ja-JP" dirty="0" err="1"/>
+              <a:t>UTokyo</a:t>
+            </a:r>
+            <a:r>
+              <a:rPr kumimoji="1" lang="en-US" altLang="ja-JP" dirty="0"/>
+              <a:t> Account</a:t>
+            </a:r>
+            <a:r>
+              <a:rPr kumimoji="1" lang="ja-JP" altLang="en-US" dirty="0"/>
+              <a:t>の正体</a:t>
+            </a:r>
+          </a:p>
+        </p:txBody>
+      </p:sp>
+      <p:sp>
+        <p:nvSpPr>
+          <p:cNvPr id="3" name="コンテンツ プレースホルダー 2">
+            <a:extLst>
+              <a:ext uri="{FF2B5EF4-FFF2-40B4-BE49-F238E27FC236}">
+                <a16:creationId xmlns:a16="http://schemas.microsoft.com/office/drawing/2014/main" id="{1FF4BEAA-31E7-4E49-8302-FA2B6D31F6D0}"/>
+              </a:ext>
+            </a:extLst>
+          </p:cNvPr>
+          <p:cNvSpPr>
+            <a:spLocks noGrp="1"/>
+          </p:cNvSpPr>
+          <p:nvPr>
+            <p:ph idx="1"/>
+          </p:nvPr>
+        </p:nvSpPr>
+        <p:spPr/>
+        <p:txBody>
+          <a:bodyPr/>
+          <a:lstStyle/>
+          <a:p>
+            <a:r>
+              <a:rPr kumimoji="1" lang="en-US" altLang="ja-JP" dirty="0"/>
+              <a:t>10</a:t>
+            </a:r>
+            <a:r>
+              <a:rPr kumimoji="1" lang="ja-JP" altLang="en-US" dirty="0"/>
+              <a:t>桁の数字</a:t>
+            </a:r>
+          </a:p>
+        </p:txBody>
+      </p:sp>
+      <p:sp>
+        <p:nvSpPr>
+          <p:cNvPr id="4" name="日付プレースホルダー 3">
+            <a:extLst>
+              <a:ext uri="{FF2B5EF4-FFF2-40B4-BE49-F238E27FC236}">
+                <a16:creationId xmlns:a16="http://schemas.microsoft.com/office/drawing/2014/main" id="{282255F4-A3C1-4A69-A487-40F64BDAF899}"/>
+              </a:ext>
+            </a:extLst>
+          </p:cNvPr>
+          <p:cNvSpPr>
+            <a:spLocks noGrp="1"/>
+          </p:cNvSpPr>
+          <p:nvPr>
+            <p:ph type="dt" sz="half" idx="10"/>
+          </p:nvPr>
+        </p:nvSpPr>
+        <p:spPr/>
+        <p:txBody>
+          <a:bodyPr/>
+          <a:lstStyle/>
+          <a:p>
+            <a:r>
+              <a:rPr kumimoji="1" lang="en-US" altLang="ja-JP"/>
+              <a:t>2020/9/11</a:t>
+            </a:r>
+            <a:endParaRPr kumimoji="1" lang="ja-JP" altLang="en-US"/>
+          </a:p>
+        </p:txBody>
+      </p:sp>
+      <p:sp>
+        <p:nvSpPr>
+          <p:cNvPr id="5" name="フッター プレースホルダー 4">
+            <a:extLst>
+              <a:ext uri="{FF2B5EF4-FFF2-40B4-BE49-F238E27FC236}">
+                <a16:creationId xmlns:a16="http://schemas.microsoft.com/office/drawing/2014/main" id="{A8143A3F-0860-448B-AA9C-D4201AC3BBB2}"/>
+              </a:ext>
+            </a:extLst>
+          </p:cNvPr>
+          <p:cNvSpPr>
+            <a:spLocks noGrp="1"/>
+          </p:cNvSpPr>
+          <p:nvPr>
+            <p:ph type="ftr" sz="quarter" idx="11"/>
+          </p:nvPr>
+        </p:nvSpPr>
+        <p:spPr/>
+        <p:txBody>
+          <a:bodyPr/>
+          <a:lstStyle/>
+          <a:p>
+            <a:r>
+              <a:rPr kumimoji="1" lang="en-US" altLang="ja-JP"/>
+              <a:t>A</a:t>
+            </a:r>
+            <a:r>
+              <a:rPr kumimoji="1" lang="ja-JP" altLang="en-US"/>
+              <a:t>セメスタ説明会 </a:t>
+            </a:r>
+            <a:r>
+              <a:rPr kumimoji="1" lang="en-US" altLang="ja-JP"/>
+              <a:t>utelecon.github.io</a:t>
+            </a:r>
+            <a:endParaRPr kumimoji="1" lang="ja-JP" altLang="en-US"/>
+          </a:p>
+        </p:txBody>
+      </p:sp>
+      <p:sp>
+        <p:nvSpPr>
+          <p:cNvPr id="6" name="スライド番号プレースホルダー 5">
+            <a:extLst>
+              <a:ext uri="{FF2B5EF4-FFF2-40B4-BE49-F238E27FC236}">
+                <a16:creationId xmlns:a16="http://schemas.microsoft.com/office/drawing/2014/main" id="{E47F9A14-8D99-44AC-BB0E-EB64D0BB1AA2}"/>
+              </a:ext>
+            </a:extLst>
+          </p:cNvPr>
+          <p:cNvSpPr>
+            <a:spLocks noGrp="1"/>
+          </p:cNvSpPr>
+          <p:nvPr>
+            <p:ph type="sldNum" sz="quarter" idx="12"/>
+          </p:nvPr>
+        </p:nvSpPr>
+        <p:spPr/>
+        <p:txBody>
+          <a:bodyPr/>
+          <a:lstStyle/>
+          <a:p>
+            <a:fld id="{EDF77D8D-9987-453A-9A05-EB91CA595C68}" type="slidenum">
+              <a:rPr kumimoji="1" lang="ja-JP" altLang="en-US" smtClean="0"/>
+              <a:pPr/>
+              <a:t>6</a:t>
+            </a:fld>
+            <a:endParaRPr kumimoji="1" lang="ja-JP" altLang="en-US"/>
+          </a:p>
+        </p:txBody>
+      </p:sp>
+    </p:spTree>
+    <p:extLst>
+      <p:ext uri="{BB962C8B-B14F-4D97-AF65-F5344CB8AC3E}">
+        <p14:creationId xmlns:p14="http://schemas.microsoft.com/office/powerpoint/2010/main" val="18815185"/>
+      </p:ext>
+    </p:extLst>
+  </p:cSld>
+  <p:clrMapOvr>
+    <a:masterClrMapping/>
+  </p:clrMapOvr>
+</p:sld>
+</file>
+
+<file path=ppt/slides/slide7.xml><?xml version="1.0" encoding="utf-8"?>
 <p:sld xmlns:a="http://schemas.openxmlformats.org/drawingml/2006/main" xmlns:r="http://schemas.openxmlformats.org/officeDocument/2006/relationships" xmlns:p="http://schemas.openxmlformats.org/presentationml/2006/main">
   <p:cSld>
     <p:spTree>
@@ -53094,10 +58092,121 @@
         </p:nvSpPr>
         <p:spPr/>
         <p:txBody>
-          <a:bodyPr/>
+          <a:bodyPr>
+            <a:normAutofit fontScale="85000" lnSpcReduction="20000"/>
+          </a:bodyPr>
           <a:lstStyle/>
           <a:p>
-            <a:endParaRPr kumimoji="1" lang="ja-JP" altLang="en-US"/>
+            <a:r>
+              <a:rPr kumimoji="1" lang="en-US" altLang="ja-JP" dirty="0"/>
+              <a:t>UTAS</a:t>
+            </a:r>
+            <a:r>
+              <a:rPr kumimoji="1" lang="ja-JP" altLang="en-US" dirty="0"/>
+              <a:t>（学務システム）</a:t>
+            </a:r>
+            <a:endParaRPr kumimoji="1" lang="en-US" altLang="ja-JP" dirty="0"/>
+          </a:p>
+          <a:p>
+            <a:pPr lvl="1"/>
+            <a:r>
+              <a:rPr kumimoji="1" lang="ja-JP" altLang="en-US" dirty="0"/>
+              <a:t>シラバス登録</a:t>
+            </a:r>
+            <a:endParaRPr kumimoji="1" lang="en-US" altLang="ja-JP" dirty="0"/>
+          </a:p>
+          <a:p>
+            <a:pPr lvl="1"/>
+            <a:r>
+              <a:rPr lang="ja-JP" altLang="en-US" dirty="0"/>
+              <a:t>成績登録</a:t>
+            </a:r>
+            <a:endParaRPr lang="en-US" altLang="ja-JP" dirty="0"/>
+          </a:p>
+          <a:p>
+            <a:pPr lvl="1"/>
+            <a:r>
+              <a:rPr kumimoji="1" lang="ja-JP" altLang="en-US" dirty="0"/>
+              <a:t>大雑把に、学期開始前と後に使う</a:t>
+            </a:r>
+            <a:endParaRPr kumimoji="1" lang="en-US" altLang="ja-JP" dirty="0"/>
+          </a:p>
+          <a:p>
+            <a:r>
+              <a:rPr kumimoji="1" lang="en-US" altLang="ja-JP" dirty="0"/>
+              <a:t>ITC-LMS</a:t>
+            </a:r>
+            <a:r>
+              <a:rPr kumimoji="1" lang="ja-JP" altLang="en-US" dirty="0"/>
+              <a:t>（</a:t>
+            </a:r>
+            <a:r>
+              <a:rPr kumimoji="1" lang="en-US" altLang="ja-JP" dirty="0"/>
+              <a:t>Learning Management System; </a:t>
+            </a:r>
+            <a:r>
+              <a:rPr kumimoji="1" lang="ja-JP" altLang="en-US" dirty="0"/>
+              <a:t>学習管理システム</a:t>
+            </a:r>
+            <a:endParaRPr kumimoji="1" lang="en-US" altLang="ja-JP" dirty="0"/>
+          </a:p>
+          <a:p>
+            <a:pPr lvl="1"/>
+            <a:r>
+              <a:rPr lang="ja-JP" altLang="en-US" dirty="0"/>
+              <a:t>出席管理</a:t>
+            </a:r>
+            <a:endParaRPr lang="en-US" altLang="ja-JP" dirty="0"/>
+          </a:p>
+          <a:p>
+            <a:pPr lvl="1"/>
+            <a:r>
+              <a:rPr lang="ja-JP" altLang="en-US" dirty="0"/>
+              <a:t>学生へのお知らせ</a:t>
+            </a:r>
+            <a:endParaRPr lang="en-US" altLang="ja-JP" dirty="0"/>
+          </a:p>
+          <a:p>
+            <a:pPr lvl="1"/>
+            <a:r>
+              <a:rPr lang="ja-JP" altLang="en-US" dirty="0"/>
+              <a:t>課題、課題提出物回収</a:t>
+            </a:r>
+            <a:endParaRPr lang="en-US" altLang="ja-JP" dirty="0"/>
+          </a:p>
+          <a:p>
+            <a:pPr lvl="1"/>
+            <a:r>
+              <a:rPr lang="ja-JP" altLang="en-US" dirty="0"/>
+              <a:t>大雑把に、学期中に使う</a:t>
+            </a:r>
+            <a:endParaRPr lang="en-US" altLang="ja-JP" dirty="0"/>
+          </a:p>
+          <a:p>
+            <a:r>
+              <a:rPr lang="ja-JP" altLang="en-US" dirty="0"/>
+              <a:t>講義の</a:t>
+            </a:r>
+            <a:r>
+              <a:rPr lang="en-US" altLang="ja-JP" dirty="0"/>
+              <a:t>Zoom URL</a:t>
+            </a:r>
+            <a:r>
+              <a:rPr lang="ja-JP" altLang="en-US" dirty="0"/>
+              <a:t>の通知方法など含め、</a:t>
+            </a:r>
+            <a:r>
+              <a:rPr kumimoji="1" lang="ja-JP" altLang="en-US" dirty="0"/>
+              <a:t>これ以上はすべて</a:t>
+            </a:r>
+            <a:r>
+              <a:rPr kumimoji="1" lang="en-US" altLang="ja-JP" dirty="0"/>
+              <a:t>Chapter 3</a:t>
+            </a:r>
+            <a:r>
+              <a:rPr kumimoji="1" lang="ja-JP" altLang="en-US" dirty="0"/>
+              <a:t>で説明</a:t>
+            </a:r>
           </a:p>
         </p:txBody>
       </p:sp>
@@ -53191,7 +58300,7 @@
             <a:fld id="{EDF77D8D-9987-453A-9A05-EB91CA595C68}" type="slidenum">
               <a:rPr kumimoji="1" lang="ja-JP" altLang="en-US" smtClean="0"/>
               <a:pPr/>
-              <a:t>4</a:t>
+              <a:t>7</a:t>
             </a:fld>
             <a:endParaRPr kumimoji="1" lang="ja-JP" altLang="en-US"/>
           </a:p>
@@ -53210,7 +58319,7 @@
 </p:sld>
 </file>
 
-<file path=ppt/slides/slide5.xml><?xml version="1.0" encoding="utf-8"?>
+<file path=ppt/slides/slide8.xml><?xml version="1.0" encoding="utf-8"?>
 <p:sld xmlns:a="http://schemas.openxmlformats.org/drawingml/2006/main" xmlns:r="http://schemas.openxmlformats.org/officeDocument/2006/relationships" xmlns:p="http://schemas.openxmlformats.org/presentationml/2006/main">
   <p:cSld>
     <p:spTree>
@@ -53250,9 +58359,20 @@
           <a:p>
             <a:r>
               <a:rPr kumimoji="1" lang="en-US" altLang="ja-JP" dirty="0"/>
-              <a:t>Google (G Suite)</a:t>
+              <a:t>Google</a:t>
             </a:r>
-            <a:endParaRPr kumimoji="1" lang="ja-JP" altLang="en-US" dirty="0"/>
+            <a:r>
+              <a:rPr kumimoji="1" lang="ja-JP" altLang="en-US" dirty="0"/>
+              <a:t>（</a:t>
+            </a:r>
+            <a:r>
+              <a:rPr kumimoji="1" lang="en-US" altLang="ja-JP" dirty="0"/>
+              <a:t>G Suite</a:t>
+            </a:r>
+            <a:r>
+              <a:rPr kumimoji="1" lang="ja-JP" altLang="en-US" dirty="0"/>
+              <a:t>）</a:t>
+            </a:r>
           </a:p>
         </p:txBody>
       </p:sp>
@@ -53277,7 +58397,86 @@
           <a:bodyPr/>
           <a:lstStyle/>
           <a:p>
-            <a:endParaRPr kumimoji="1" lang="ja-JP" altLang="en-US"/>
+            <a:r>
+              <a:rPr kumimoji="1" lang="ja-JP" altLang="en-US" dirty="0"/>
+              <a:t>授業と関係が深い機能</a:t>
+            </a:r>
+            <a:endParaRPr kumimoji="1" lang="en-US" altLang="ja-JP" dirty="0"/>
+          </a:p>
+          <a:p>
+            <a:pPr lvl="1"/>
+            <a:r>
+              <a:rPr lang="en-US" altLang="ja-JP" dirty="0"/>
+              <a:t>Gmail: </a:t>
+            </a:r>
+            <a:r>
+              <a:rPr lang="ja-JP" altLang="en-US" dirty="0"/>
+              <a:t>メール</a:t>
+            </a:r>
+            <a:endParaRPr lang="en-US" altLang="ja-JP" dirty="0"/>
+          </a:p>
+          <a:p>
+            <a:pPr lvl="1"/>
+            <a:r>
+              <a:rPr lang="en-US" altLang="ja-JP" dirty="0"/>
+              <a:t>Google Drive: </a:t>
+            </a:r>
+            <a:r>
+              <a:rPr lang="ja-JP" altLang="en-US" dirty="0"/>
+              <a:t>ドキュメントの共有</a:t>
+            </a:r>
+            <a:endParaRPr lang="en-US" altLang="ja-JP" dirty="0"/>
+          </a:p>
+          <a:p>
+            <a:pPr lvl="1"/>
+            <a:r>
+              <a:rPr lang="en-US" altLang="ja-JP" dirty="0"/>
+              <a:t>Google</a:t>
+            </a:r>
+            <a:r>
+              <a:rPr lang="ja-JP" altLang="en-US" dirty="0"/>
+              <a:t>ドキュメント、スプレッドシート、プレゼンテーション</a:t>
+            </a:r>
+            <a:endParaRPr lang="en-US" altLang="ja-JP" dirty="0"/>
+          </a:p>
+          <a:p>
+            <a:pPr lvl="1"/>
+            <a:r>
+              <a:rPr lang="en-US" altLang="ja-JP" dirty="0"/>
+              <a:t>Google Meet:</a:t>
+            </a:r>
+            <a:r>
+              <a:rPr lang="ja-JP" altLang="en-US" dirty="0"/>
+              <a:t> </a:t>
+            </a:r>
+            <a:r>
+              <a:rPr lang="en-US" altLang="ja-JP" dirty="0"/>
+              <a:t>Web</a:t>
+            </a:r>
+            <a:r>
+              <a:rPr lang="ja-JP" altLang="en-US" dirty="0"/>
+              <a:t>会議</a:t>
+            </a:r>
+            <a:endParaRPr lang="en-US" altLang="ja-JP" dirty="0"/>
+          </a:p>
+          <a:p>
+            <a:r>
+              <a:rPr lang="en-US" altLang="ja-JP" dirty="0"/>
+              <a:t>LMS</a:t>
+            </a:r>
+            <a:r>
+              <a:rPr lang="ja-JP" altLang="en-US" dirty="0"/>
+              <a:t>相当の機能</a:t>
+            </a:r>
+            <a:endParaRPr lang="en-US" altLang="ja-JP" dirty="0"/>
+          </a:p>
+          <a:p>
+            <a:pPr lvl="1"/>
+            <a:r>
+              <a:rPr kumimoji="1" lang="en-US" altLang="ja-JP" dirty="0"/>
+              <a:t>Google Classroom</a:t>
+            </a:r>
+            <a:endParaRPr kumimoji="1" lang="ja-JP" altLang="en-US" dirty="0"/>
           </a:p>
         </p:txBody>
       </p:sp>
@@ -53371,7 +58570,7 @@
             <a:fld id="{EDF77D8D-9987-453A-9A05-EB91CA595C68}" type="slidenum">
               <a:rPr kumimoji="1" lang="ja-JP" altLang="en-US" smtClean="0"/>
               <a:pPr/>
-              <a:t>5</a:t>
+              <a:t>8</a:t>
             </a:fld>
             <a:endParaRPr kumimoji="1" lang="ja-JP" altLang="en-US"/>
           </a:p>
@@ -53390,7 +58589,7 @@
 </p:sld>
 </file>
 
-<file path=ppt/slides/slide6.xml><?xml version="1.0" encoding="utf-8"?>
+<file path=ppt/slides/slide9.xml><?xml version="1.0" encoding="utf-8"?>
 <p:sld xmlns:a="http://schemas.openxmlformats.org/drawingml/2006/main" xmlns:r="http://schemas.openxmlformats.org/officeDocument/2006/relationships" xmlns:p="http://schemas.openxmlformats.org/presentationml/2006/main">
   <p:cSld>
     <p:spTree>
@@ -53412,7 +58611,7 @@
           <p:cNvPr id="2" name="タイトル 1">
             <a:extLst>
               <a:ext uri="{FF2B5EF4-FFF2-40B4-BE49-F238E27FC236}">
-                <a16:creationId xmlns:a16="http://schemas.microsoft.com/office/drawing/2014/main" id="{3DF3FEEC-D9C0-46ED-8474-E8E66126B811}"/>
+                <a16:creationId xmlns:a16="http://schemas.microsoft.com/office/drawing/2014/main" id="{D650F2EC-BE75-4E34-96E2-7FBA16A5BCA4}"/>
               </a:ext>
             </a:extLst>
           </p:cNvPr>
@@ -53425,14 +58624,15 @@
         </p:nvSpPr>
         <p:spPr/>
         <p:txBody>
-          <a:bodyPr/>
+          <a:bodyPr>
+            <a:normAutofit/>
+          </a:bodyPr>
           <a:lstStyle/>
           <a:p>
             <a:r>
-              <a:rPr kumimoji="1" lang="en-US" altLang="ja-JP" dirty="0"/>
-              <a:t>Microsoft</a:t>
+              <a:rPr kumimoji="1" lang="ja-JP" altLang="en-US" dirty="0"/>
+              <a:t>ドキュメント共有の種類</a:t>
             </a:r>
-            <a:endParaRPr kumimoji="1" lang="ja-JP" altLang="en-US" dirty="0"/>
           </a:p>
         </p:txBody>
       </p:sp>
@@ -53441,7 +58641,7 @@
           <p:cNvPr id="3" name="コンテンツ プレースホルダー 2">
             <a:extLst>
               <a:ext uri="{FF2B5EF4-FFF2-40B4-BE49-F238E27FC236}">
-                <a16:creationId xmlns:a16="http://schemas.microsoft.com/office/drawing/2014/main" id="{DF5C4F2B-1263-49D4-85EB-7813C5564055}"/>
+                <a16:creationId xmlns:a16="http://schemas.microsoft.com/office/drawing/2014/main" id="{B274EC96-36B1-491E-86C8-2B0DA60A6532}"/>
               </a:ext>
             </a:extLst>
           </p:cNvPr>
@@ -53457,7 +58657,50 @@
           <a:bodyPr/>
           <a:lstStyle/>
           <a:p>
-            <a:endParaRPr kumimoji="1" lang="ja-JP" altLang="en-US"/>
+            <a:r>
+              <a:rPr lang="ja-JP" altLang="en-US" dirty="0"/>
+              <a:t>共有範囲</a:t>
+            </a:r>
+            <a:endParaRPr lang="en-US" altLang="ja-JP" dirty="0"/>
+          </a:p>
+          <a:p>
+            <a:pPr lvl="1"/>
+            <a:r>
+              <a:rPr kumimoji="1" lang="ja-JP" altLang="en-US" dirty="0"/>
+              <a:t>特定の人を名指し</a:t>
+            </a:r>
+            <a:endParaRPr kumimoji="1" lang="en-US" altLang="ja-JP" dirty="0"/>
+          </a:p>
+          <a:p>
+            <a:pPr lvl="1"/>
+            <a:r>
+              <a:rPr lang="ja-JP" altLang="en-US" dirty="0"/>
+              <a:t>組織内（</a:t>
+            </a:r>
+            <a:r>
+              <a:rPr lang="en-US" altLang="ja-JP" dirty="0"/>
+              <a:t>ECCS</a:t>
+            </a:r>
+            <a:r>
+              <a:rPr lang="ja-JP" altLang="en-US" dirty="0"/>
+              <a:t>クラウドメール）</a:t>
+            </a:r>
+            <a:endParaRPr lang="en-US" altLang="ja-JP" dirty="0"/>
+          </a:p>
+          <a:p>
+            <a:pPr lvl="1"/>
+            <a:r>
+              <a:rPr kumimoji="1" lang="ja-JP" altLang="en-US" dirty="0"/>
+              <a:t>誰でも</a:t>
+            </a:r>
+            <a:endParaRPr kumimoji="1" lang="en-US" altLang="ja-JP" dirty="0"/>
+          </a:p>
+          <a:p>
+            <a:r>
+              <a:rPr lang="ja-JP" altLang="en-US" dirty="0"/>
+              <a:t>検索で見つかるか否か</a:t>
+            </a:r>
+            <a:endParaRPr kumimoji="1" lang="en-US" altLang="ja-JP" dirty="0"/>
           </a:p>
         </p:txBody>
       </p:sp>
@@ -53466,7 +58709,7 @@
           <p:cNvPr id="4" name="日付プレースホルダー 3">
             <a:extLst>
               <a:ext uri="{FF2B5EF4-FFF2-40B4-BE49-F238E27FC236}">
-                <a16:creationId xmlns:a16="http://schemas.microsoft.com/office/drawing/2014/main" id="{E83B294F-5657-40E1-B0C8-29D38D293418}"/>
+                <a16:creationId xmlns:a16="http://schemas.microsoft.com/office/drawing/2014/main" id="{04CDFDBE-8439-47A9-969C-576DFBB2EED8}"/>
               </a:ext>
             </a:extLst>
           </p:cNvPr>
@@ -53495,7 +58738,7 @@
           <p:cNvPr id="5" name="フッター プレースホルダー 4">
             <a:extLst>
               <a:ext uri="{FF2B5EF4-FFF2-40B4-BE49-F238E27FC236}">
-                <a16:creationId xmlns:a16="http://schemas.microsoft.com/office/drawing/2014/main" id="{140FFE7A-577A-40A4-881C-25E4069F76B1}"/>
+                <a16:creationId xmlns:a16="http://schemas.microsoft.com/office/drawing/2014/main" id="{B14C18ED-1750-472C-8C42-29025461B019}"/>
               </a:ext>
             </a:extLst>
           </p:cNvPr>
@@ -53532,670 +58775,7 @@
           <p:cNvPr id="6" name="スライド番号プレースホルダー 5">
             <a:extLst>
               <a:ext uri="{FF2B5EF4-FFF2-40B4-BE49-F238E27FC236}">
-                <a16:creationId xmlns:a16="http://schemas.microsoft.com/office/drawing/2014/main" id="{A968A61C-3D3B-4526-A04B-EE3F53D90D77}"/>
-              </a:ext>
-            </a:extLst>
-          </p:cNvPr>
-          <p:cNvSpPr>
-            <a:spLocks noGrp="1"/>
-          </p:cNvSpPr>
-          <p:nvPr>
-            <p:ph type="sldNum" sz="quarter" idx="12"/>
-          </p:nvPr>
-        </p:nvSpPr>
-        <p:spPr/>
-        <p:txBody>
-          <a:bodyPr/>
-          <a:lstStyle/>
-          <a:p>
-            <a:fld id="{EDF77D8D-9987-453A-9A05-EB91CA595C68}" type="slidenum">
-              <a:rPr kumimoji="1" lang="ja-JP" altLang="en-US" smtClean="0"/>
-              <a:pPr/>
-              <a:t>6</a:t>
-            </a:fld>
-            <a:endParaRPr kumimoji="1" lang="ja-JP" altLang="en-US"/>
-          </a:p>
-        </p:txBody>
-      </p:sp>
-    </p:spTree>
-    <p:extLst>
-      <p:ext uri="{BB962C8B-B14F-4D97-AF65-F5344CB8AC3E}">
-        <p14:creationId xmlns:p14="http://schemas.microsoft.com/office/powerpoint/2010/main" val="2464703732"/>
-      </p:ext>
-    </p:extLst>
-  </p:cSld>
-  <p:clrMapOvr>
-    <a:masterClrMapping/>
-  </p:clrMapOvr>
-</p:sld>
-</file>
-
-<file path=ppt/slides/slide7.xml><?xml version="1.0" encoding="utf-8"?>
-<p:sld xmlns:a="http://schemas.openxmlformats.org/drawingml/2006/main" xmlns:r="http://schemas.openxmlformats.org/officeDocument/2006/relationships" xmlns:p="http://schemas.openxmlformats.org/presentationml/2006/main">
-  <p:cSld>
-    <p:spTree>
-      <p:nvGrpSpPr>
-        <p:cNvPr id="1" name=""/>
-        <p:cNvGrpSpPr/>
-        <p:nvPr/>
-      </p:nvGrpSpPr>
-      <p:grpSpPr>
-        <a:xfrm>
-          <a:off x="0" y="0"/>
-          <a:ext cx="0" cy="0"/>
-          <a:chOff x="0" y="0"/>
-          <a:chExt cx="0" cy="0"/>
-        </a:xfrm>
-      </p:grpSpPr>
-      <p:sp>
-        <p:nvSpPr>
-          <p:cNvPr id="2" name="タイトル 1">
-            <a:extLst>
-              <a:ext uri="{FF2B5EF4-FFF2-40B4-BE49-F238E27FC236}">
-                <a16:creationId xmlns:a16="http://schemas.microsoft.com/office/drawing/2014/main" id="{2DC2A653-7C57-4A33-88AC-52393F12EB02}"/>
-              </a:ext>
-            </a:extLst>
-          </p:cNvPr>
-          <p:cNvSpPr>
-            <a:spLocks noGrp="1"/>
-          </p:cNvSpPr>
-          <p:nvPr>
-            <p:ph type="title"/>
-          </p:nvPr>
-        </p:nvSpPr>
-        <p:spPr/>
-        <p:txBody>
-          <a:bodyPr/>
-          <a:lstStyle/>
-          <a:p>
-            <a:r>
-              <a:rPr kumimoji="1" lang="en-US" altLang="ja-JP" dirty="0"/>
-              <a:t>Web</a:t>
-            </a:r>
-            <a:r>
-              <a:rPr kumimoji="1" lang="ja-JP" altLang="en-US" dirty="0"/>
-              <a:t>会議システム</a:t>
-            </a:r>
-          </a:p>
-        </p:txBody>
-      </p:sp>
-      <p:sp>
-        <p:nvSpPr>
-          <p:cNvPr id="3" name="コンテンツ プレースホルダー 2">
-            <a:extLst>
-              <a:ext uri="{FF2B5EF4-FFF2-40B4-BE49-F238E27FC236}">
-                <a16:creationId xmlns:a16="http://schemas.microsoft.com/office/drawing/2014/main" id="{9CB73C36-65C7-41AC-AC2A-C1710F3839CD}"/>
-              </a:ext>
-            </a:extLst>
-          </p:cNvPr>
-          <p:cNvSpPr>
-            <a:spLocks noGrp="1"/>
-          </p:cNvSpPr>
-          <p:nvPr>
-            <p:ph idx="1"/>
-          </p:nvPr>
-        </p:nvSpPr>
-        <p:spPr/>
-        <p:txBody>
-          <a:bodyPr/>
-          <a:lstStyle/>
-          <a:p>
-            <a:endParaRPr kumimoji="1" lang="ja-JP" altLang="en-US"/>
-          </a:p>
-        </p:txBody>
-      </p:sp>
-      <p:sp>
-        <p:nvSpPr>
-          <p:cNvPr id="4" name="日付プレースホルダー 3">
-            <a:extLst>
-              <a:ext uri="{FF2B5EF4-FFF2-40B4-BE49-F238E27FC236}">
-                <a16:creationId xmlns:a16="http://schemas.microsoft.com/office/drawing/2014/main" id="{DF30F974-22D7-4B7D-9B11-BFC81DF49748}"/>
-              </a:ext>
-            </a:extLst>
-          </p:cNvPr>
-          <p:cNvSpPr>
-            <a:spLocks noGrp="1"/>
-          </p:cNvSpPr>
-          <p:nvPr>
-            <p:ph type="dt" sz="half" idx="10"/>
-          </p:nvPr>
-        </p:nvSpPr>
-        <p:spPr/>
-        <p:txBody>
-          <a:bodyPr/>
-          <a:lstStyle/>
-          <a:p>
-            <a:r>
-              <a:rPr kumimoji="1" lang="en-US" altLang="ja-JP"/>
-              <a:t>2020/9/11</a:t>
-            </a:r>
-            <a:endParaRPr kumimoji="1" lang="ja-JP" altLang="en-US"/>
-          </a:p>
-        </p:txBody>
-      </p:sp>
-      <p:sp>
-        <p:nvSpPr>
-          <p:cNvPr id="5" name="フッター プレースホルダー 4">
-            <a:extLst>
-              <a:ext uri="{FF2B5EF4-FFF2-40B4-BE49-F238E27FC236}">
-                <a16:creationId xmlns:a16="http://schemas.microsoft.com/office/drawing/2014/main" id="{72182DF3-BC65-44D1-AADB-9D796F4665D8}"/>
-              </a:ext>
-            </a:extLst>
-          </p:cNvPr>
-          <p:cNvSpPr>
-            <a:spLocks noGrp="1"/>
-          </p:cNvSpPr>
-          <p:nvPr>
-            <p:ph type="ftr" sz="quarter" idx="11"/>
-          </p:nvPr>
-        </p:nvSpPr>
-        <p:spPr/>
-        <p:txBody>
-          <a:bodyPr/>
-          <a:lstStyle/>
-          <a:p>
-            <a:r>
-              <a:rPr kumimoji="1" lang="en-US" altLang="ja-JP"/>
-              <a:t>A</a:t>
-            </a:r>
-            <a:r>
-              <a:rPr kumimoji="1" lang="ja-JP" altLang="en-US"/>
-              <a:t>セメスタ説明会 </a:t>
-            </a:r>
-            <a:r>
-              <a:rPr kumimoji="1" lang="en-US" altLang="ja-JP"/>
-              <a:t>utelecon.github.io</a:t>
-            </a:r>
-            <a:endParaRPr kumimoji="1" lang="ja-JP" altLang="en-US"/>
-          </a:p>
-        </p:txBody>
-      </p:sp>
-      <p:sp>
-        <p:nvSpPr>
-          <p:cNvPr id="6" name="スライド番号プレースホルダー 5">
-            <a:extLst>
-              <a:ext uri="{FF2B5EF4-FFF2-40B4-BE49-F238E27FC236}">
-                <a16:creationId xmlns:a16="http://schemas.microsoft.com/office/drawing/2014/main" id="{13C338E4-A3DE-4BCD-B685-2052B292EE5A}"/>
-              </a:ext>
-            </a:extLst>
-          </p:cNvPr>
-          <p:cNvSpPr>
-            <a:spLocks noGrp="1"/>
-          </p:cNvSpPr>
-          <p:nvPr>
-            <p:ph type="sldNum" sz="quarter" idx="12"/>
-          </p:nvPr>
-        </p:nvSpPr>
-        <p:spPr/>
-        <p:txBody>
-          <a:bodyPr/>
-          <a:lstStyle/>
-          <a:p>
-            <a:fld id="{EDF77D8D-9987-453A-9A05-EB91CA595C68}" type="slidenum">
-              <a:rPr kumimoji="1" lang="ja-JP" altLang="en-US" smtClean="0"/>
-              <a:pPr/>
-              <a:t>7</a:t>
-            </a:fld>
-            <a:endParaRPr kumimoji="1" lang="ja-JP" altLang="en-US"/>
-          </a:p>
-        </p:txBody>
-      </p:sp>
-    </p:spTree>
-    <p:extLst>
-      <p:ext uri="{BB962C8B-B14F-4D97-AF65-F5344CB8AC3E}">
-        <p14:creationId xmlns:p14="http://schemas.microsoft.com/office/powerpoint/2010/main" val="3909624256"/>
-      </p:ext>
-    </p:extLst>
-  </p:cSld>
-  <p:clrMapOvr>
-    <a:masterClrMapping/>
-  </p:clrMapOvr>
-</p:sld>
-</file>
-
-<file path=ppt/slides/slide8.xml><?xml version="1.0" encoding="utf-8"?>
-<p:sld xmlns:a="http://schemas.openxmlformats.org/drawingml/2006/main" xmlns:r="http://schemas.openxmlformats.org/officeDocument/2006/relationships" xmlns:p="http://schemas.openxmlformats.org/presentationml/2006/main">
-  <p:cSld>
-    <p:spTree>
-      <p:nvGrpSpPr>
-        <p:cNvPr id="1" name=""/>
-        <p:cNvGrpSpPr/>
-        <p:nvPr/>
-      </p:nvGrpSpPr>
-      <p:grpSpPr>
-        <a:xfrm>
-          <a:off x="0" y="0"/>
-          <a:ext cx="0" cy="0"/>
-          <a:chOff x="0" y="0"/>
-          <a:chExt cx="0" cy="0"/>
-        </a:xfrm>
-      </p:grpSpPr>
-      <p:sp>
-        <p:nvSpPr>
-          <p:cNvPr id="2" name="タイトル 1">
-            <a:extLst>
-              <a:ext uri="{FF2B5EF4-FFF2-40B4-BE49-F238E27FC236}">
-                <a16:creationId xmlns:a16="http://schemas.microsoft.com/office/drawing/2014/main" id="{9CDC70EE-0C5F-4125-B18B-58712AB4F695}"/>
-              </a:ext>
-            </a:extLst>
-          </p:cNvPr>
-          <p:cNvSpPr>
-            <a:spLocks noGrp="1"/>
-          </p:cNvSpPr>
-          <p:nvPr>
-            <p:ph type="title"/>
-          </p:nvPr>
-        </p:nvSpPr>
-        <p:spPr/>
-        <p:txBody>
-          <a:bodyPr/>
-          <a:lstStyle/>
-          <a:p>
-            <a:r>
-              <a:rPr kumimoji="1" lang="ja-JP" altLang="en-US" dirty="0"/>
-              <a:t>多すぎる</a:t>
-            </a:r>
-            <a:r>
-              <a:rPr kumimoji="1" lang="en-US" altLang="ja-JP" dirty="0"/>
-              <a:t>ID</a:t>
-            </a:r>
-            <a:r>
-              <a:rPr kumimoji="1" lang="ja-JP" altLang="en-US" dirty="0"/>
-              <a:t>のまとめ</a:t>
-            </a:r>
-          </a:p>
-        </p:txBody>
-      </p:sp>
-      <p:sp>
-        <p:nvSpPr>
-          <p:cNvPr id="3" name="コンテンツ プレースホルダー 2">
-            <a:extLst>
-              <a:ext uri="{FF2B5EF4-FFF2-40B4-BE49-F238E27FC236}">
-                <a16:creationId xmlns:a16="http://schemas.microsoft.com/office/drawing/2014/main" id="{4C944BAE-8CE6-4670-95C7-14FC8CADEF46}"/>
-              </a:ext>
-            </a:extLst>
-          </p:cNvPr>
-          <p:cNvSpPr>
-            <a:spLocks noGrp="1"/>
-          </p:cNvSpPr>
-          <p:nvPr>
-            <p:ph idx="1"/>
-          </p:nvPr>
-        </p:nvSpPr>
-        <p:spPr/>
-        <p:txBody>
-          <a:bodyPr/>
-          <a:lstStyle/>
-          <a:p>
-            <a:r>
-              <a:rPr kumimoji="1" lang="en-US" altLang="ja-JP" dirty="0" err="1"/>
-              <a:t>UTokyo</a:t>
-            </a:r>
-            <a:r>
-              <a:rPr kumimoji="1" lang="en-US" altLang="ja-JP" dirty="0"/>
-              <a:t> Account</a:t>
-            </a:r>
-            <a:r>
-              <a:rPr kumimoji="1" lang="ja-JP" altLang="en-US" dirty="0"/>
-              <a:t>の</a:t>
-            </a:r>
-            <a:r>
-              <a:rPr kumimoji="1" lang="en-US" altLang="ja-JP" dirty="0"/>
-              <a:t>ID (10</a:t>
-            </a:r>
-            <a:r>
-              <a:rPr kumimoji="1" lang="ja-JP" altLang="en-US" dirty="0"/>
-              <a:t>桁の数字</a:t>
-            </a:r>
-            <a:r>
-              <a:rPr kumimoji="1" lang="en-US" altLang="ja-JP" dirty="0"/>
-              <a:t>)</a:t>
-            </a:r>
-          </a:p>
-          <a:p>
-            <a:r>
-              <a:rPr lang="en-US" altLang="ja-JP" dirty="0"/>
-              <a:t>10</a:t>
-            </a:r>
-            <a:r>
-              <a:rPr lang="ja-JP" altLang="en-US" dirty="0"/>
-              <a:t>桁</a:t>
-            </a:r>
-            <a:r>
-              <a:rPr lang="en-US" altLang="ja-JP" dirty="0"/>
-              <a:t>@utac.u-tokyo.ac.jp</a:t>
-            </a:r>
-          </a:p>
-          <a:p>
-            <a:r>
-              <a:rPr lang="en-US" altLang="ja-JP" i="1" dirty="0"/>
-              <a:t>any</a:t>
-            </a:r>
-            <a:r>
-              <a:rPr lang="en-US" altLang="ja-JP" dirty="0"/>
-              <a:t>@g.ecc.u-tokyo.ac.jp</a:t>
-            </a:r>
-            <a:endParaRPr kumimoji="1" lang="en-US" altLang="ja-JP" dirty="0"/>
-          </a:p>
-          <a:p>
-            <a:r>
-              <a:rPr kumimoji="1" lang="en-US" altLang="ja-JP" dirty="0"/>
-              <a:t>10</a:t>
-            </a:r>
-            <a:r>
-              <a:rPr kumimoji="1" lang="ja-JP" altLang="en-US" dirty="0"/>
-              <a:t>桁</a:t>
-            </a:r>
-            <a:r>
-              <a:rPr kumimoji="1" lang="en-US" altLang="ja-JP" dirty="0"/>
-              <a:t>@g.ecc.u-tokyo.ac.jp</a:t>
-            </a:r>
-            <a:endParaRPr kumimoji="1" lang="ja-JP" altLang="en-US" dirty="0"/>
-          </a:p>
-        </p:txBody>
-      </p:sp>
-      <p:sp>
-        <p:nvSpPr>
-          <p:cNvPr id="4" name="日付プレースホルダー 3">
-            <a:extLst>
-              <a:ext uri="{FF2B5EF4-FFF2-40B4-BE49-F238E27FC236}">
-                <a16:creationId xmlns:a16="http://schemas.microsoft.com/office/drawing/2014/main" id="{DD45426F-064D-45E2-B3D9-FC9B7CD8D052}"/>
-              </a:ext>
-            </a:extLst>
-          </p:cNvPr>
-          <p:cNvSpPr>
-            <a:spLocks noGrp="1"/>
-          </p:cNvSpPr>
-          <p:nvPr>
-            <p:ph type="dt" sz="half" idx="10"/>
-          </p:nvPr>
-        </p:nvSpPr>
-        <p:spPr/>
-        <p:txBody>
-          <a:bodyPr/>
-          <a:lstStyle/>
-          <a:p>
-            <a:r>
-              <a:rPr kumimoji="1" lang="en-US" altLang="ja-JP"/>
-              <a:t>2020/9/11</a:t>
-            </a:r>
-            <a:endParaRPr kumimoji="1" lang="ja-JP" altLang="en-US"/>
-          </a:p>
-        </p:txBody>
-      </p:sp>
-      <p:sp>
-        <p:nvSpPr>
-          <p:cNvPr id="5" name="フッター プレースホルダー 4">
-            <a:extLst>
-              <a:ext uri="{FF2B5EF4-FFF2-40B4-BE49-F238E27FC236}">
-                <a16:creationId xmlns:a16="http://schemas.microsoft.com/office/drawing/2014/main" id="{C524167A-E45F-4E01-867C-F3A64F9F6CA6}"/>
-              </a:ext>
-            </a:extLst>
-          </p:cNvPr>
-          <p:cNvSpPr>
-            <a:spLocks noGrp="1"/>
-          </p:cNvSpPr>
-          <p:nvPr>
-            <p:ph type="ftr" sz="quarter" idx="11"/>
-          </p:nvPr>
-        </p:nvSpPr>
-        <p:spPr/>
-        <p:txBody>
-          <a:bodyPr/>
-          <a:lstStyle/>
-          <a:p>
-            <a:r>
-              <a:rPr kumimoji="1" lang="en-US" altLang="ja-JP"/>
-              <a:t>A</a:t>
-            </a:r>
-            <a:r>
-              <a:rPr kumimoji="1" lang="ja-JP" altLang="en-US"/>
-              <a:t>セメスタ説明会 </a:t>
-            </a:r>
-            <a:r>
-              <a:rPr kumimoji="1" lang="en-US" altLang="ja-JP"/>
-              <a:t>utelecon.github.io</a:t>
-            </a:r>
-            <a:endParaRPr kumimoji="1" lang="ja-JP" altLang="en-US"/>
-          </a:p>
-        </p:txBody>
-      </p:sp>
-      <p:sp>
-        <p:nvSpPr>
-          <p:cNvPr id="6" name="スライド番号プレースホルダー 5">
-            <a:extLst>
-              <a:ext uri="{FF2B5EF4-FFF2-40B4-BE49-F238E27FC236}">
-                <a16:creationId xmlns:a16="http://schemas.microsoft.com/office/drawing/2014/main" id="{C6A3DB47-5732-40D6-AF65-D9ADA4782002}"/>
-              </a:ext>
-            </a:extLst>
-          </p:cNvPr>
-          <p:cNvSpPr>
-            <a:spLocks noGrp="1"/>
-          </p:cNvSpPr>
-          <p:nvPr>
-            <p:ph type="sldNum" sz="quarter" idx="12"/>
-          </p:nvPr>
-        </p:nvSpPr>
-        <p:spPr/>
-        <p:txBody>
-          <a:bodyPr/>
-          <a:lstStyle/>
-          <a:p>
-            <a:fld id="{EDF77D8D-9987-453A-9A05-EB91CA595C68}" type="slidenum">
-              <a:rPr kumimoji="1" lang="ja-JP" altLang="en-US" smtClean="0"/>
-              <a:pPr/>
-              <a:t>8</a:t>
-            </a:fld>
-            <a:endParaRPr kumimoji="1" lang="ja-JP" altLang="en-US"/>
-          </a:p>
-        </p:txBody>
-      </p:sp>
-    </p:spTree>
-    <p:extLst>
-      <p:ext uri="{BB962C8B-B14F-4D97-AF65-F5344CB8AC3E}">
-        <p14:creationId xmlns:p14="http://schemas.microsoft.com/office/powerpoint/2010/main" val="3149567877"/>
-      </p:ext>
-    </p:extLst>
-  </p:cSld>
-  <p:clrMapOvr>
-    <a:masterClrMapping/>
-  </p:clrMapOvr>
-</p:sld>
-</file>
-
-<file path=ppt/slides/slide9.xml><?xml version="1.0" encoding="utf-8"?>
-<p:sld xmlns:a="http://schemas.openxmlformats.org/drawingml/2006/main" xmlns:r="http://schemas.openxmlformats.org/officeDocument/2006/relationships" xmlns:p="http://schemas.openxmlformats.org/presentationml/2006/main">
-  <p:cSld>
-    <p:spTree>
-      <p:nvGrpSpPr>
-        <p:cNvPr id="1" name=""/>
-        <p:cNvGrpSpPr/>
-        <p:nvPr/>
-      </p:nvGrpSpPr>
-      <p:grpSpPr>
-        <a:xfrm>
-          <a:off x="0" y="0"/>
-          <a:ext cx="0" cy="0"/>
-          <a:chOff x="0" y="0"/>
-          <a:chExt cx="0" cy="0"/>
-        </a:xfrm>
-      </p:grpSpPr>
-      <p:sp>
-        <p:nvSpPr>
-          <p:cNvPr id="2" name="タイトル 1">
-            <a:extLst>
-              <a:ext uri="{FF2B5EF4-FFF2-40B4-BE49-F238E27FC236}">
-                <a16:creationId xmlns:a16="http://schemas.microsoft.com/office/drawing/2014/main" id="{907AB330-3090-4E43-92EC-8F8E0DC4E46B}"/>
-              </a:ext>
-            </a:extLst>
-          </p:cNvPr>
-          <p:cNvSpPr>
-            <a:spLocks noGrp="1"/>
-          </p:cNvSpPr>
-          <p:nvPr>
-            <p:ph type="title"/>
-          </p:nvPr>
-        </p:nvSpPr>
-        <p:spPr/>
-        <p:txBody>
-          <a:bodyPr/>
-          <a:lstStyle/>
-          <a:p>
-            <a:r>
-              <a:rPr kumimoji="1" lang="en-US" altLang="ja-JP" dirty="0"/>
-              <a:t>S</a:t>
-            </a:r>
-            <a:r>
-              <a:rPr kumimoji="1" lang="ja-JP" altLang="en-US" dirty="0"/>
-              <a:t>セメスタからの</a:t>
-            </a:r>
-            <a:r>
-              <a:rPr lang="ja-JP" altLang="en-US" dirty="0"/>
-              <a:t>変更・</a:t>
-            </a:r>
-            <a:r>
-              <a:rPr kumimoji="1" lang="ja-JP" altLang="en-US" dirty="0"/>
-              <a:t>変化</a:t>
-            </a:r>
-          </a:p>
-        </p:txBody>
-      </p:sp>
-      <p:sp>
-        <p:nvSpPr>
-          <p:cNvPr id="3" name="コンテンツ プレースホルダー 2">
-            <a:extLst>
-              <a:ext uri="{FF2B5EF4-FFF2-40B4-BE49-F238E27FC236}">
-                <a16:creationId xmlns:a16="http://schemas.microsoft.com/office/drawing/2014/main" id="{56F43BF8-2EE8-4D70-9D4A-C2BB21910077}"/>
-              </a:ext>
-            </a:extLst>
-          </p:cNvPr>
-          <p:cNvSpPr>
-            <a:spLocks noGrp="1"/>
-          </p:cNvSpPr>
-          <p:nvPr>
-            <p:ph idx="1"/>
-          </p:nvPr>
-        </p:nvSpPr>
-        <p:spPr/>
-        <p:txBody>
-          <a:bodyPr/>
-          <a:lstStyle/>
-          <a:p>
-            <a:r>
-              <a:rPr kumimoji="1" lang="en-US" altLang="ja-JP" dirty="0"/>
-              <a:t>Zoom</a:t>
-            </a:r>
-            <a:r>
-              <a:rPr kumimoji="1" lang="ja-JP" altLang="en-US" dirty="0"/>
-              <a:t>ライセンス</a:t>
-            </a:r>
-            <a:endParaRPr kumimoji="1" lang="en-US" altLang="ja-JP" dirty="0"/>
-          </a:p>
-          <a:p>
-            <a:r>
-              <a:rPr lang="en-US" altLang="ja-JP" dirty="0"/>
-              <a:t>Zoom Marketplace App</a:t>
-            </a:r>
-            <a:endParaRPr kumimoji="1" lang="en-US" altLang="ja-JP" dirty="0"/>
-          </a:p>
-          <a:p>
-            <a:r>
-              <a:rPr lang="en-US" altLang="ja-JP" dirty="0"/>
-              <a:t>WebEx</a:t>
-            </a:r>
-          </a:p>
-          <a:p>
-            <a:r>
-              <a:rPr kumimoji="1" lang="en-US" altLang="ja-JP" dirty="0"/>
-              <a:t>Microsoft 365</a:t>
-            </a:r>
-            <a:r>
-              <a:rPr kumimoji="1" lang="ja-JP" altLang="en-US" dirty="0"/>
-              <a:t>で組織外部とのファイル共有</a:t>
-            </a:r>
-            <a:endParaRPr kumimoji="1" lang="en-US" altLang="ja-JP" dirty="0"/>
-          </a:p>
-          <a:p>
-            <a:r>
-              <a:rPr lang="en-US" altLang="ja-JP" dirty="0"/>
-              <a:t>Teams</a:t>
-            </a:r>
-            <a:endParaRPr kumimoji="1" lang="ja-JP" altLang="en-US" dirty="0"/>
-          </a:p>
-        </p:txBody>
-      </p:sp>
-      <p:sp>
-        <p:nvSpPr>
-          <p:cNvPr id="4" name="日付プレースホルダー 3">
-            <a:extLst>
-              <a:ext uri="{FF2B5EF4-FFF2-40B4-BE49-F238E27FC236}">
-                <a16:creationId xmlns:a16="http://schemas.microsoft.com/office/drawing/2014/main" id="{606E1F88-A6BD-4F79-B696-07BF2583D2F0}"/>
-              </a:ext>
-            </a:extLst>
-          </p:cNvPr>
-          <p:cNvSpPr>
-            <a:spLocks noGrp="1"/>
-          </p:cNvSpPr>
-          <p:nvPr>
-            <p:ph type="dt" sz="half" idx="10"/>
-          </p:nvPr>
-        </p:nvSpPr>
-        <p:spPr/>
-        <p:txBody>
-          <a:bodyPr/>
-          <a:lstStyle/>
-          <a:p>
-            <a:r>
-              <a:rPr kumimoji="1" lang="en-US" altLang="ja-JP"/>
-              <a:t>2020/9/11</a:t>
-            </a:r>
-            <a:endParaRPr kumimoji="1" lang="ja-JP" altLang="en-US"/>
-          </a:p>
-        </p:txBody>
-      </p:sp>
-      <p:sp>
-        <p:nvSpPr>
-          <p:cNvPr id="5" name="フッター プレースホルダー 4">
-            <a:extLst>
-              <a:ext uri="{FF2B5EF4-FFF2-40B4-BE49-F238E27FC236}">
-                <a16:creationId xmlns:a16="http://schemas.microsoft.com/office/drawing/2014/main" id="{EE45174F-B150-4D1E-B711-D6AFC3E14566}"/>
-              </a:ext>
-            </a:extLst>
-          </p:cNvPr>
-          <p:cNvSpPr>
-            <a:spLocks noGrp="1"/>
-          </p:cNvSpPr>
-          <p:nvPr>
-            <p:ph type="ftr" sz="quarter" idx="11"/>
-          </p:nvPr>
-        </p:nvSpPr>
-        <p:spPr/>
-        <p:txBody>
-          <a:bodyPr/>
-          <a:lstStyle/>
-          <a:p>
-            <a:r>
-              <a:rPr kumimoji="1" lang="en-US" altLang="ja-JP"/>
-              <a:t>A</a:t>
-            </a:r>
-            <a:r>
-              <a:rPr kumimoji="1" lang="ja-JP" altLang="en-US"/>
-              <a:t>セメスタ説明会 </a:t>
-            </a:r>
-            <a:r>
-              <a:rPr kumimoji="1" lang="en-US" altLang="ja-JP"/>
-              <a:t>utelecon.github.io</a:t>
-            </a:r>
-            <a:endParaRPr kumimoji="1" lang="ja-JP" altLang="en-US"/>
-          </a:p>
-        </p:txBody>
-      </p:sp>
-      <p:sp>
-        <p:nvSpPr>
-          <p:cNvPr id="6" name="スライド番号プレースホルダー 5">
-            <a:extLst>
-              <a:ext uri="{FF2B5EF4-FFF2-40B4-BE49-F238E27FC236}">
-                <a16:creationId xmlns:a16="http://schemas.microsoft.com/office/drawing/2014/main" id="{3212E169-32EE-4A2E-8F54-5B66A213F654}"/>
+                <a16:creationId xmlns:a16="http://schemas.microsoft.com/office/drawing/2014/main" id="{9FF3F2CC-1EBF-48BC-8C2E-2D46A1DA6BC2}"/>
               </a:ext>
             </a:extLst>
           </p:cNvPr>
@@ -54220,70 +58800,10 @@
           </a:p>
         </p:txBody>
       </p:sp>
-      <p:sp>
-        <p:nvSpPr>
-          <p:cNvPr id="8" name="正方形/長方形 7">
-            <a:extLst>
-              <a:ext uri="{FF2B5EF4-FFF2-40B4-BE49-F238E27FC236}">
-                <a16:creationId xmlns:a16="http://schemas.microsoft.com/office/drawing/2014/main" id="{85E51D56-9C19-4617-8A0F-EB051BDF25F5}"/>
-              </a:ext>
-            </a:extLst>
-          </p:cNvPr>
-          <p:cNvSpPr/>
-          <p:nvPr/>
-        </p:nvSpPr>
-        <p:spPr>
-          <a:xfrm rot="20613984">
-            <a:off x="-181804" y="50601"/>
-            <a:ext cx="2958620" cy="360040"/>
-          </a:xfrm>
-          <a:prstGeom prst="rect">
-            <a:avLst/>
-          </a:prstGeom>
-        </p:spPr>
-        <p:style>
-          <a:lnRef idx="2">
-            <a:schemeClr val="accent1">
-              <a:shade val="50000"/>
-            </a:schemeClr>
-          </a:lnRef>
-          <a:fillRef idx="1">
-            <a:schemeClr val="accent1"/>
-          </a:fillRef>
-          <a:effectRef idx="0">
-            <a:schemeClr val="accent1"/>
-          </a:effectRef>
-          <a:fontRef idx="minor">
-            <a:schemeClr val="lt1"/>
-          </a:fontRef>
-        </p:style>
-        <p:txBody>
-          <a:bodyPr rtlCol="0" anchor="ctr"/>
-          <a:lstStyle/>
-          <a:p>
-            <a:pPr algn="ctr"/>
-            <a:r>
-              <a:rPr lang="en-US" altLang="ja-JP" dirty="0"/>
-              <a:t>S </a:t>
-            </a:r>
-            <a:r>
-              <a:rPr lang="en-US" altLang="ja-JP" dirty="0">
-                <a:sym typeface="Symbol" panose="05050102010706020507" pitchFamily="18" charset="2"/>
-              </a:rPr>
-              <a:t> </a:t>
-            </a:r>
-            <a:r>
-              <a:rPr lang="en-US" altLang="ja-JP" dirty="0"/>
-              <a:t>A</a:t>
-            </a:r>
-            <a:endParaRPr kumimoji="1" lang="ja-JP" altLang="en-US" dirty="0"/>
-          </a:p>
-        </p:txBody>
-      </p:sp>
     </p:spTree>
     <p:extLst>
       <p:ext uri="{BB962C8B-B14F-4D97-AF65-F5344CB8AC3E}">
-        <p14:creationId xmlns:p14="http://schemas.microsoft.com/office/powerpoint/2010/main" val="2378395276"/>
+        <p14:creationId xmlns:p14="http://schemas.microsoft.com/office/powerpoint/2010/main" val="745143323"/>
       </p:ext>
     </p:extLst>
   </p:cSld>
